--- a/data/hadoop2体系/大数据.pptx
+++ b/data/hadoop2体系/大数据.pptx
@@ -3102,7 +3102,7 @@
           <a:lstStyle/>
           <a:p>
             <a:r>
-              <a:rPr lang="zh-CN" altLang="en-US" smtClean="0"/>
+              <a:rPr lang="zh-CN" altLang="en-US" dirty="0" smtClean="0"/>
               <a:t>优劣势</a:t>
             </a:r>
             <a:endParaRPr lang="zh-CN" altLang="en-US" dirty="0"/>
@@ -3121,128 +3121,77 @@
         </p:nvSpPr>
         <p:spPr>
           <a:xfrm>
-            <a:off x="1524000" y="2526030"/>
-            <a:ext cx="9144000" cy="2731770"/>
-          </a:xfrm>
-        </p:spPr>
-        <p:txBody>
-          <a:bodyPr/>
+            <a:off x="1524000" y="2331720"/>
+            <a:ext cx="9144000" cy="3931920"/>
+          </a:xfrm>
+        </p:spPr>
+        <p:txBody>
+          <a:bodyPr>
+            <a:normAutofit fontScale="92500" lnSpcReduction="10000"/>
+          </a:bodyPr>
           <a:lstStyle/>
           <a:p>
             <a:pPr algn="l"/>
             <a:r>
               <a:rPr lang="zh-CN" altLang="en-US" dirty="0" smtClean="0"/>
-              <a:t>读 写数据</a:t>
-            </a:r>
-            <a:endParaRPr lang="en-US" altLang="zh-CN" dirty="0" smtClean="0"/>
+              <a:t>数据冗余 硬件容错</a:t>
+            </a:r>
           </a:p>
           <a:p>
             <a:pPr algn="l"/>
             <a:r>
               <a:rPr lang="zh-CN" altLang="en-US" dirty="0" smtClean="0"/>
-              <a:t>相关术语</a:t>
-            </a:r>
-            <a:r>
-              <a:rPr lang="en-US" altLang="zh-CN" dirty="0"/>
-              <a:t> </a:t>
-            </a:r>
-            <a:r>
-              <a:rPr lang="en-US" altLang="zh-CN" dirty="0" err="1" smtClean="0"/>
-              <a:t>NameNode</a:t>
-            </a:r>
-            <a:r>
-              <a:rPr lang="en-US" altLang="zh-CN" dirty="0" smtClean="0"/>
-              <a:t> </a:t>
-            </a:r>
-            <a:r>
-              <a:rPr lang="en-US" altLang="zh-CN" dirty="0" err="1" smtClean="0"/>
-              <a:t>DataNode</a:t>
-            </a:r>
-            <a:r>
-              <a:rPr lang="en-US" altLang="zh-CN" dirty="0" smtClean="0"/>
-              <a:t> </a:t>
-            </a:r>
-            <a:r>
-              <a:rPr lang="en-US" altLang="zh-CN" dirty="0" err="1" smtClean="0"/>
-              <a:t>SecondaryNameNode</a:t>
-            </a:r>
-            <a:r>
-              <a:rPr lang="en-US" altLang="zh-CN" dirty="0" smtClean="0"/>
-              <a:t> Block</a:t>
+              <a:t>    流式的数据访问</a:t>
             </a:r>
           </a:p>
           <a:p>
             <a:pPr algn="l"/>
-            <a:endParaRPr lang="en-US" altLang="zh-CN" dirty="0"/>
+            <a:r>
+              <a:rPr lang="zh-CN" altLang="en-US" dirty="0" smtClean="0"/>
+              <a:t>    存储大文件</a:t>
+            </a:r>
           </a:p>
           <a:p>
             <a:pPr algn="l"/>
-            <a:r>
-              <a:rPr lang="zh-CN" altLang="en-US" dirty="0" smtClean="0"/>
-              <a:t>命令</a:t>
-            </a:r>
-            <a:endParaRPr lang="en-US" altLang="zh-CN" dirty="0" smtClean="0"/>
+            <a:endParaRPr lang="zh-CN" altLang="en-US" dirty="0" smtClean="0"/>
           </a:p>
           <a:p>
             <a:pPr algn="l"/>
             <a:r>
-              <a:rPr lang="en-US" altLang="zh-CN" dirty="0" err="1" smtClean="0"/>
-              <a:t>Hadoop</a:t>
-            </a:r>
-            <a:r>
-              <a:rPr lang="en-US" altLang="zh-CN" dirty="0" smtClean="0"/>
-              <a:t> </a:t>
-            </a:r>
-            <a:r>
-              <a:rPr lang="en-US" altLang="zh-CN" dirty="0" err="1" smtClean="0"/>
-              <a:t>fs</a:t>
-            </a:r>
-            <a:r>
-              <a:rPr lang="en-US" altLang="zh-CN" dirty="0" smtClean="0"/>
-              <a:t> –</a:t>
-            </a:r>
-            <a:r>
-              <a:rPr lang="en-US" altLang="zh-CN" dirty="0" err="1" smtClean="0"/>
-              <a:t>ls</a:t>
-            </a:r>
-            <a:r>
-              <a:rPr lang="en-US" altLang="zh-CN" dirty="0" smtClean="0"/>
-              <a:t>  (</a:t>
-            </a:r>
-            <a:r>
-              <a:rPr lang="zh-CN" altLang="en-US" dirty="0" smtClean="0"/>
-              <a:t>其它相关命令参考  </a:t>
-            </a:r>
-            <a:r>
-              <a:rPr lang="en-US" altLang="zh-CN" dirty="0" smtClean="0"/>
-              <a:t>shell)</a:t>
+              <a:rPr lang="zh-CN" altLang="en-US" dirty="0" smtClean="0"/>
+              <a:t>    适用性和局限性</a:t>
             </a:r>
           </a:p>
           <a:p>
             <a:pPr algn="l"/>
             <a:r>
-              <a:rPr lang="en-US" altLang="zh-CN" dirty="0" smtClean="0"/>
-              <a:t>Hadoop1 </a:t>
-            </a:r>
-            <a:r>
-              <a:rPr lang="zh-CN" altLang="en-US" dirty="0" smtClean="0"/>
-              <a:t>使用 </a:t>
-            </a:r>
-            <a:r>
-              <a:rPr lang="en-US" altLang="zh-CN" dirty="0" err="1" smtClean="0"/>
-              <a:t>fs</a:t>
-            </a:r>
-            <a:r>
-              <a:rPr lang="en-US" altLang="zh-CN" dirty="0" smtClean="0"/>
-              <a:t>   hadoop2 </a:t>
-            </a:r>
-            <a:r>
-              <a:rPr lang="zh-CN" altLang="en-US" dirty="0" smtClean="0"/>
-              <a:t>使用 </a:t>
-            </a:r>
-            <a:r>
-              <a:rPr lang="en-US" altLang="zh-CN" dirty="0" err="1" smtClean="0"/>
-              <a:t>dfs</a:t>
+              <a:rPr lang="zh-CN" altLang="en-US" dirty="0" smtClean="0"/>
+              <a:t>    适合数据指读写 吞吐量高</a:t>
+            </a:r>
+          </a:p>
+          <a:p>
+            <a:pPr algn="l"/>
+            <a:r>
+              <a:rPr lang="zh-CN" altLang="en-US" dirty="0" smtClean="0"/>
+              <a:t>    不适合交互式应用 低延迟很难满足</a:t>
+            </a:r>
+          </a:p>
+          <a:p>
+            <a:pPr algn="l"/>
+            <a:endParaRPr lang="zh-CN" altLang="en-US" dirty="0" smtClean="0"/>
+          </a:p>
+          <a:p>
+            <a:pPr algn="l"/>
+            <a:r>
+              <a:rPr lang="zh-CN" altLang="en-US" dirty="0" smtClean="0"/>
+              <a:t>    适合一次写入多次读取 顺序读写</a:t>
+            </a:r>
+          </a:p>
+          <a:p>
+            <a:pPr algn="l"/>
+            <a:r>
+              <a:rPr lang="zh-CN" altLang="en-US" dirty="0" smtClean="0"/>
+              <a:t>    不支持多用户并发写相同文件</a:t>
             </a:r>
             <a:endParaRPr lang="en-US" altLang="zh-CN" dirty="0" smtClean="0"/>
           </a:p>

--- a/data/hadoop2体系/大数据.pptx
+++ b/data/hadoop2体系/大数据.pptx
@@ -119,6 +119,11 @@
       </a:defRPr>
     </a:lvl9pPr>
   </p:defaultTextStyle>
+  <p:extLst>
+    <p:ext uri="{EFAFB233-063F-42B5-8137-9DF3F51BA10A}">
+      <p15:sldGuideLst xmlns:p15="http://schemas.microsoft.com/office/powerpoint/2012/main"/>
+    </p:ext>
+  </p:extLst>
 </p:presentation>
 </file>
 
@@ -283,7 +288,7 @@
           <a:p>
             <a:fld id="{CBFFD406-4F53-40ED-9827-DA09242712BA}" type="datetimeFigureOut">
               <a:rPr lang="zh-CN" altLang="en-US" smtClean="0"/>
-              <a:t>2016/3/22</a:t>
+              <a:t>2016/3/23</a:t>
             </a:fld>
             <a:endParaRPr lang="zh-CN" altLang="en-US"/>
           </a:p>
@@ -453,7 +458,7 @@
           <a:p>
             <a:fld id="{CBFFD406-4F53-40ED-9827-DA09242712BA}" type="datetimeFigureOut">
               <a:rPr lang="zh-CN" altLang="en-US" smtClean="0"/>
-              <a:t>2016/3/22</a:t>
+              <a:t>2016/3/23</a:t>
             </a:fld>
             <a:endParaRPr lang="zh-CN" altLang="en-US"/>
           </a:p>
@@ -633,7 +638,7 @@
           <a:p>
             <a:fld id="{CBFFD406-4F53-40ED-9827-DA09242712BA}" type="datetimeFigureOut">
               <a:rPr lang="zh-CN" altLang="en-US" smtClean="0"/>
-              <a:t>2016/3/22</a:t>
+              <a:t>2016/3/23</a:t>
             </a:fld>
             <a:endParaRPr lang="zh-CN" altLang="en-US"/>
           </a:p>
@@ -803,7 +808,7 @@
           <a:p>
             <a:fld id="{CBFFD406-4F53-40ED-9827-DA09242712BA}" type="datetimeFigureOut">
               <a:rPr lang="zh-CN" altLang="en-US" smtClean="0"/>
-              <a:t>2016/3/22</a:t>
+              <a:t>2016/3/23</a:t>
             </a:fld>
             <a:endParaRPr lang="zh-CN" altLang="en-US"/>
           </a:p>
@@ -1049,7 +1054,7 @@
           <a:p>
             <a:fld id="{CBFFD406-4F53-40ED-9827-DA09242712BA}" type="datetimeFigureOut">
               <a:rPr lang="zh-CN" altLang="en-US" smtClean="0"/>
-              <a:t>2016/3/22</a:t>
+              <a:t>2016/3/23</a:t>
             </a:fld>
             <a:endParaRPr lang="zh-CN" altLang="en-US"/>
           </a:p>
@@ -1281,7 +1286,7 @@
           <a:p>
             <a:fld id="{CBFFD406-4F53-40ED-9827-DA09242712BA}" type="datetimeFigureOut">
               <a:rPr lang="zh-CN" altLang="en-US" smtClean="0"/>
-              <a:t>2016/3/22</a:t>
+              <a:t>2016/3/23</a:t>
             </a:fld>
             <a:endParaRPr lang="zh-CN" altLang="en-US"/>
           </a:p>
@@ -1648,7 +1653,7 @@
           <a:p>
             <a:fld id="{CBFFD406-4F53-40ED-9827-DA09242712BA}" type="datetimeFigureOut">
               <a:rPr lang="zh-CN" altLang="en-US" smtClean="0"/>
-              <a:t>2016/3/22</a:t>
+              <a:t>2016/3/23</a:t>
             </a:fld>
             <a:endParaRPr lang="zh-CN" altLang="en-US"/>
           </a:p>
@@ -1766,7 +1771,7 @@
           <a:p>
             <a:fld id="{CBFFD406-4F53-40ED-9827-DA09242712BA}" type="datetimeFigureOut">
               <a:rPr lang="zh-CN" altLang="en-US" smtClean="0"/>
-              <a:t>2016/3/22</a:t>
+              <a:t>2016/3/23</a:t>
             </a:fld>
             <a:endParaRPr lang="zh-CN" altLang="en-US"/>
           </a:p>
@@ -1861,7 +1866,7 @@
           <a:p>
             <a:fld id="{CBFFD406-4F53-40ED-9827-DA09242712BA}" type="datetimeFigureOut">
               <a:rPr lang="zh-CN" altLang="en-US" smtClean="0"/>
-              <a:t>2016/3/22</a:t>
+              <a:t>2016/3/23</a:t>
             </a:fld>
             <a:endParaRPr lang="zh-CN" altLang="en-US"/>
           </a:p>
@@ -2138,7 +2143,7 @@
           <a:p>
             <a:fld id="{CBFFD406-4F53-40ED-9827-DA09242712BA}" type="datetimeFigureOut">
               <a:rPr lang="zh-CN" altLang="en-US" smtClean="0"/>
-              <a:t>2016/3/22</a:t>
+              <a:t>2016/3/23</a:t>
             </a:fld>
             <a:endParaRPr lang="zh-CN" altLang="en-US"/>
           </a:p>
@@ -2391,7 +2396,7 @@
           <a:p>
             <a:fld id="{CBFFD406-4F53-40ED-9827-DA09242712BA}" type="datetimeFigureOut">
               <a:rPr lang="zh-CN" altLang="en-US" smtClean="0"/>
-              <a:t>2016/3/22</a:t>
+              <a:t>2016/3/23</a:t>
             </a:fld>
             <a:endParaRPr lang="zh-CN" altLang="en-US"/>
           </a:p>
@@ -2604,7 +2609,7 @@
           <a:p>
             <a:fld id="{CBFFD406-4F53-40ED-9827-DA09242712BA}" type="datetimeFigureOut">
               <a:rPr lang="zh-CN" altLang="en-US" smtClean="0"/>
-              <a:t>2016/3/22</a:t>
+              <a:t>2016/3/23</a:t>
             </a:fld>
             <a:endParaRPr lang="zh-CN" altLang="en-US"/>
           </a:p>
@@ -3652,11 +3657,19 @@
           <a:p>
             <a:r>
               <a:rPr lang="en-US" altLang="zh-CN" dirty="0" smtClean="0"/>
-              <a:t>Google </a:t>
-            </a:r>
-            <a:r>
-              <a:rPr lang="zh-CN" altLang="en-US" dirty="0" smtClean="0"/>
-              <a:t>三大论文</a:t>
+              <a:t>JDBC </a:t>
+            </a:r>
+            <a:r>
+              <a:rPr lang="zh-CN" altLang="en-US" dirty="0" smtClean="0"/>
+              <a:t>操作 </a:t>
+            </a:r>
+            <a:r>
+              <a:rPr lang="en-US" altLang="zh-CN" dirty="0"/>
+              <a:t>H</a:t>
+            </a:r>
+            <a:r>
+              <a:rPr lang="en-US" altLang="zh-CN" dirty="0" smtClean="0"/>
+              <a:t>ive</a:t>
             </a:r>
             <a:endParaRPr lang="zh-CN" altLang="en-US" dirty="0"/>
           </a:p>
@@ -3684,94 +3697,66 @@
           <a:p>
             <a:pPr algn="l"/>
             <a:r>
-              <a:rPr lang="en-US" altLang="zh-CN" dirty="0"/>
-              <a:t>Google File </a:t>
+              <a:rPr lang="zh-CN" altLang="en-US" dirty="0" smtClean="0"/>
+              <a:t>开启 </a:t>
             </a:r>
             <a:r>
               <a:rPr lang="en-US" altLang="zh-CN" dirty="0" smtClean="0"/>
-              <a:t>System</a:t>
-            </a:r>
-            <a:r>
-              <a:rPr lang="zh-CN" altLang="en-US" dirty="0"/>
-              <a:t> </a:t>
-            </a:r>
-            <a:r>
-              <a:rPr lang="zh-CN" altLang="en-US" dirty="0" smtClean="0"/>
-              <a:t> </a:t>
+              <a:t>hive </a:t>
+            </a:r>
+            <a:r>
+              <a:rPr lang="zh-CN" altLang="en-US" dirty="0" smtClean="0"/>
+              <a:t>服务    </a:t>
             </a:r>
             <a:r>
               <a:rPr lang="en-US" altLang="zh-CN" dirty="0" smtClean="0"/>
-              <a:t>--- </a:t>
-            </a:r>
-            <a:r>
-              <a:rPr lang="en-US" altLang="zh-CN" dirty="0" err="1" smtClean="0"/>
-              <a:t>hadoop</a:t>
+              <a:t>hive –service hiveserver2</a:t>
+            </a:r>
+          </a:p>
+          <a:p>
+            <a:pPr algn="l"/>
+            <a:r>
+              <a:rPr lang="zh-CN" altLang="en-US" dirty="0" smtClean="0"/>
+              <a:t>编写增删改查代码</a:t>
+            </a:r>
+            <a:endParaRPr lang="en-US" altLang="zh-CN" dirty="0" smtClean="0"/>
+          </a:p>
+          <a:p>
+            <a:pPr algn="l"/>
+            <a:r>
+              <a:rPr lang="zh-CN" altLang="en-US" dirty="0" smtClean="0"/>
+              <a:t>进入 </a:t>
             </a:r>
             <a:r>
               <a:rPr lang="en-US" altLang="zh-CN" dirty="0" smtClean="0"/>
-              <a:t> HDFS</a:t>
-            </a:r>
-            <a:r>
-              <a:rPr lang="zh-CN" altLang="en-US" dirty="0" smtClean="0"/>
-              <a:t/>
-            </a:r>
-            <a:br>
-              <a:rPr lang="zh-CN" altLang="en-US" dirty="0" smtClean="0"/>
-            </a:br>
-            <a:r>
-              <a:rPr lang="en-US" altLang="zh-CN" dirty="0"/>
-              <a:t>Google </a:t>
-            </a:r>
-            <a:r>
-              <a:rPr lang="en-US" altLang="zh-CN" dirty="0" err="1" smtClean="0"/>
-              <a:t>Bigtable</a:t>
-            </a:r>
-            <a:r>
-              <a:rPr lang="zh-CN" altLang="en-US" dirty="0"/>
-              <a:t> </a:t>
+              <a:t>hive </a:t>
+            </a:r>
+            <a:r>
+              <a:rPr lang="zh-CN" altLang="en-US" dirty="0" smtClean="0"/>
+              <a:t>库        </a:t>
             </a:r>
             <a:r>
               <a:rPr lang="en-US" altLang="zh-CN" dirty="0" smtClean="0"/>
-              <a:t>--- </a:t>
-            </a:r>
-            <a:r>
-              <a:rPr lang="en-US" altLang="zh-CN" dirty="0" err="1" smtClean="0"/>
-              <a:t>hbase</a:t>
-            </a:r>
-            <a:r>
-              <a:rPr lang="zh-CN" altLang="en-US" dirty="0" smtClean="0"/>
-              <a:t/>
-            </a:r>
-            <a:br>
-              <a:rPr lang="zh-CN" altLang="en-US" dirty="0" smtClean="0"/>
-            </a:br>
-            <a:r>
-              <a:rPr lang="en-US" altLang="zh-CN" dirty="0"/>
-              <a:t>Google </a:t>
-            </a:r>
-            <a:r>
-              <a:rPr lang="en-US" altLang="zh-CN" dirty="0" err="1" smtClean="0"/>
-              <a:t>MapReduce</a:t>
-            </a:r>
-            <a:r>
-              <a:rPr lang="zh-CN" altLang="en-US" dirty="0"/>
-              <a:t> </a:t>
-            </a:r>
+              <a:t>hive</a:t>
+            </a:r>
+          </a:p>
+          <a:p>
+            <a:pPr algn="l"/>
             <a:r>
               <a:rPr lang="en-US" altLang="zh-CN" dirty="0" smtClean="0"/>
-              <a:t>--- </a:t>
-            </a:r>
-            <a:r>
-              <a:rPr lang="en-US" altLang="zh-CN" dirty="0" err="1" smtClean="0"/>
-              <a:t>hadoop</a:t>
+              <a:t>hive&gt; # </a:t>
+            </a:r>
+            <a:r>
+              <a:rPr lang="zh-CN" altLang="en-US" dirty="0" smtClean="0"/>
+              <a:t>查看 </a:t>
             </a:r>
             <a:r>
               <a:rPr lang="en-US" altLang="zh-CN" dirty="0" smtClean="0"/>
-              <a:t> </a:t>
-            </a:r>
-            <a:r>
-              <a:rPr lang="en-US" altLang="zh-CN" dirty="0" err="1" smtClean="0"/>
-              <a:t>mapreduce</a:t>
+              <a:t>hive </a:t>
+            </a:r>
+            <a:r>
+              <a:rPr lang="zh-CN" altLang="en-US" smtClean="0"/>
+              <a:t>数据是否正确</a:t>
             </a:r>
             <a:endParaRPr lang="en-US" altLang="zh-CN" dirty="0" smtClean="0"/>
           </a:p>

--- a/data/hadoop2体系/大数据.pptx
+++ b/data/hadoop2体系/大数据.pptx
@@ -12,15 +12,16 @@
     <p:sldId id="259" r:id="rId6"/>
     <p:sldId id="261" r:id="rId7"/>
     <p:sldId id="262" r:id="rId8"/>
-    <p:sldId id="263" r:id="rId9"/>
-    <p:sldId id="267" r:id="rId10"/>
-    <p:sldId id="271" r:id="rId11"/>
-    <p:sldId id="264" r:id="rId12"/>
-    <p:sldId id="268" r:id="rId13"/>
-    <p:sldId id="265" r:id="rId14"/>
-    <p:sldId id="269" r:id="rId15"/>
-    <p:sldId id="266" r:id="rId16"/>
-    <p:sldId id="270" r:id="rId17"/>
+    <p:sldId id="272" r:id="rId9"/>
+    <p:sldId id="263" r:id="rId10"/>
+    <p:sldId id="267" r:id="rId11"/>
+    <p:sldId id="271" r:id="rId12"/>
+    <p:sldId id="264" r:id="rId13"/>
+    <p:sldId id="268" r:id="rId14"/>
+    <p:sldId id="265" r:id="rId15"/>
+    <p:sldId id="269" r:id="rId16"/>
+    <p:sldId id="266" r:id="rId17"/>
+    <p:sldId id="270" r:id="rId18"/>
   </p:sldIdLst>
   <p:sldSz cx="12192000" cy="6858000"/>
   <p:notesSz cx="6858000" cy="9144000"/>
@@ -288,7 +289,7 @@
           <a:p>
             <a:fld id="{CBFFD406-4F53-40ED-9827-DA09242712BA}" type="datetimeFigureOut">
               <a:rPr lang="zh-CN" altLang="en-US" smtClean="0"/>
-              <a:t>2016/3/23</a:t>
+              <a:t>2016/3/25</a:t>
             </a:fld>
             <a:endParaRPr lang="zh-CN" altLang="en-US"/>
           </a:p>
@@ -458,7 +459,7 @@
           <a:p>
             <a:fld id="{CBFFD406-4F53-40ED-9827-DA09242712BA}" type="datetimeFigureOut">
               <a:rPr lang="zh-CN" altLang="en-US" smtClean="0"/>
-              <a:t>2016/3/23</a:t>
+              <a:t>2016/3/25</a:t>
             </a:fld>
             <a:endParaRPr lang="zh-CN" altLang="en-US"/>
           </a:p>
@@ -638,7 +639,7 @@
           <a:p>
             <a:fld id="{CBFFD406-4F53-40ED-9827-DA09242712BA}" type="datetimeFigureOut">
               <a:rPr lang="zh-CN" altLang="en-US" smtClean="0"/>
-              <a:t>2016/3/23</a:t>
+              <a:t>2016/3/25</a:t>
             </a:fld>
             <a:endParaRPr lang="zh-CN" altLang="en-US"/>
           </a:p>
@@ -808,7 +809,7 @@
           <a:p>
             <a:fld id="{CBFFD406-4F53-40ED-9827-DA09242712BA}" type="datetimeFigureOut">
               <a:rPr lang="zh-CN" altLang="en-US" smtClean="0"/>
-              <a:t>2016/3/23</a:t>
+              <a:t>2016/3/25</a:t>
             </a:fld>
             <a:endParaRPr lang="zh-CN" altLang="en-US"/>
           </a:p>
@@ -1054,7 +1055,7 @@
           <a:p>
             <a:fld id="{CBFFD406-4F53-40ED-9827-DA09242712BA}" type="datetimeFigureOut">
               <a:rPr lang="zh-CN" altLang="en-US" smtClean="0"/>
-              <a:t>2016/3/23</a:t>
+              <a:t>2016/3/25</a:t>
             </a:fld>
             <a:endParaRPr lang="zh-CN" altLang="en-US"/>
           </a:p>
@@ -1286,7 +1287,7 @@
           <a:p>
             <a:fld id="{CBFFD406-4F53-40ED-9827-DA09242712BA}" type="datetimeFigureOut">
               <a:rPr lang="zh-CN" altLang="en-US" smtClean="0"/>
-              <a:t>2016/3/23</a:t>
+              <a:t>2016/3/25</a:t>
             </a:fld>
             <a:endParaRPr lang="zh-CN" altLang="en-US"/>
           </a:p>
@@ -1653,7 +1654,7 @@
           <a:p>
             <a:fld id="{CBFFD406-4F53-40ED-9827-DA09242712BA}" type="datetimeFigureOut">
               <a:rPr lang="zh-CN" altLang="en-US" smtClean="0"/>
-              <a:t>2016/3/23</a:t>
+              <a:t>2016/3/25</a:t>
             </a:fld>
             <a:endParaRPr lang="zh-CN" altLang="en-US"/>
           </a:p>
@@ -1771,7 +1772,7 @@
           <a:p>
             <a:fld id="{CBFFD406-4F53-40ED-9827-DA09242712BA}" type="datetimeFigureOut">
               <a:rPr lang="zh-CN" altLang="en-US" smtClean="0"/>
-              <a:t>2016/3/23</a:t>
+              <a:t>2016/3/25</a:t>
             </a:fld>
             <a:endParaRPr lang="zh-CN" altLang="en-US"/>
           </a:p>
@@ -1866,7 +1867,7 @@
           <a:p>
             <a:fld id="{CBFFD406-4F53-40ED-9827-DA09242712BA}" type="datetimeFigureOut">
               <a:rPr lang="zh-CN" altLang="en-US" smtClean="0"/>
-              <a:t>2016/3/23</a:t>
+              <a:t>2016/3/25</a:t>
             </a:fld>
             <a:endParaRPr lang="zh-CN" altLang="en-US"/>
           </a:p>
@@ -2143,7 +2144,7 @@
           <a:p>
             <a:fld id="{CBFFD406-4F53-40ED-9827-DA09242712BA}" type="datetimeFigureOut">
               <a:rPr lang="zh-CN" altLang="en-US" smtClean="0"/>
-              <a:t>2016/3/23</a:t>
+              <a:t>2016/3/25</a:t>
             </a:fld>
             <a:endParaRPr lang="zh-CN" altLang="en-US"/>
           </a:p>
@@ -2396,7 +2397,7 @@
           <a:p>
             <a:fld id="{CBFFD406-4F53-40ED-9827-DA09242712BA}" type="datetimeFigureOut">
               <a:rPr lang="zh-CN" altLang="en-US" smtClean="0"/>
-              <a:t>2016/3/23</a:t>
+              <a:t>2016/3/25</a:t>
             </a:fld>
             <a:endParaRPr lang="zh-CN" altLang="en-US"/>
           </a:p>
@@ -2609,7 +2610,7 @@
           <a:p>
             <a:fld id="{CBFFD406-4F53-40ED-9827-DA09242712BA}" type="datetimeFigureOut">
               <a:rPr lang="zh-CN" altLang="en-US" smtClean="0"/>
-              <a:t>2016/3/23</a:t>
+              <a:t>2016/3/25</a:t>
             </a:fld>
             <a:endParaRPr lang="zh-CN" altLang="en-US"/>
           </a:p>
@@ -3107,8 +3108,8 @@
           <a:lstStyle/>
           <a:p>
             <a:r>
-              <a:rPr lang="zh-CN" altLang="en-US" dirty="0" smtClean="0"/>
-              <a:t>优劣势</a:t>
+              <a:rPr lang="en-US" altLang="zh-CN" dirty="0" smtClean="0"/>
+              <a:t>HDFS</a:t>
             </a:r>
             <a:endParaRPr lang="zh-CN" altLang="en-US" dirty="0"/>
           </a:p>
@@ -3126,77 +3127,128 @@
         </p:nvSpPr>
         <p:spPr>
           <a:xfrm>
-            <a:off x="1524000" y="2331720"/>
-            <a:ext cx="9144000" cy="3931920"/>
-          </a:xfrm>
-        </p:spPr>
-        <p:txBody>
-          <a:bodyPr>
-            <a:normAutofit fontScale="92500" lnSpcReduction="10000"/>
-          </a:bodyPr>
+            <a:off x="1524000" y="2526030"/>
+            <a:ext cx="9144000" cy="2731770"/>
+          </a:xfrm>
+        </p:spPr>
+        <p:txBody>
+          <a:bodyPr/>
           <a:lstStyle/>
           <a:p>
             <a:pPr algn="l"/>
             <a:r>
               <a:rPr lang="zh-CN" altLang="en-US" dirty="0" smtClean="0"/>
-              <a:t>数据冗余 硬件容错</a:t>
-            </a:r>
+              <a:t>读 写数据</a:t>
+            </a:r>
+            <a:endParaRPr lang="en-US" altLang="zh-CN" dirty="0" smtClean="0"/>
           </a:p>
           <a:p>
             <a:pPr algn="l"/>
             <a:r>
               <a:rPr lang="zh-CN" altLang="en-US" dirty="0" smtClean="0"/>
-              <a:t>    流式的数据访问</a:t>
+              <a:t>相关术语</a:t>
+            </a:r>
+            <a:r>
+              <a:rPr lang="en-US" altLang="zh-CN" dirty="0"/>
+              <a:t> </a:t>
+            </a:r>
+            <a:r>
+              <a:rPr lang="en-US" altLang="zh-CN" dirty="0" err="1" smtClean="0"/>
+              <a:t>NameNode</a:t>
+            </a:r>
+            <a:r>
+              <a:rPr lang="en-US" altLang="zh-CN" dirty="0" smtClean="0"/>
+              <a:t> </a:t>
+            </a:r>
+            <a:r>
+              <a:rPr lang="en-US" altLang="zh-CN" dirty="0" err="1" smtClean="0"/>
+              <a:t>DataNode</a:t>
+            </a:r>
+            <a:r>
+              <a:rPr lang="en-US" altLang="zh-CN" dirty="0" smtClean="0"/>
+              <a:t> </a:t>
+            </a:r>
+            <a:r>
+              <a:rPr lang="en-US" altLang="zh-CN" dirty="0" err="1" smtClean="0"/>
+              <a:t>SecondaryNameNode</a:t>
+            </a:r>
+            <a:r>
+              <a:rPr lang="en-US" altLang="zh-CN" dirty="0" smtClean="0"/>
+              <a:t> Block</a:t>
             </a:r>
           </a:p>
           <a:p>
             <a:pPr algn="l"/>
-            <a:r>
-              <a:rPr lang="zh-CN" altLang="en-US" dirty="0" smtClean="0"/>
-              <a:t>    存储大文件</a:t>
-            </a:r>
+            <a:endParaRPr lang="en-US" altLang="zh-CN" dirty="0"/>
           </a:p>
           <a:p>
             <a:pPr algn="l"/>
-            <a:endParaRPr lang="zh-CN" altLang="en-US" dirty="0" smtClean="0"/>
+            <a:r>
+              <a:rPr lang="zh-CN" altLang="en-US" dirty="0" smtClean="0"/>
+              <a:t>命令</a:t>
+            </a:r>
+            <a:endParaRPr lang="en-US" altLang="zh-CN" dirty="0" smtClean="0"/>
           </a:p>
           <a:p>
             <a:pPr algn="l"/>
             <a:r>
-              <a:rPr lang="zh-CN" altLang="en-US" dirty="0" smtClean="0"/>
-              <a:t>    适用性和局限性</a:t>
+              <a:rPr lang="en-US" altLang="zh-CN" dirty="0" err="1" smtClean="0"/>
+              <a:t>Hadoop</a:t>
+            </a:r>
+            <a:r>
+              <a:rPr lang="en-US" altLang="zh-CN" dirty="0" smtClean="0"/>
+              <a:t> </a:t>
+            </a:r>
+            <a:r>
+              <a:rPr lang="en-US" altLang="zh-CN" dirty="0" err="1" smtClean="0"/>
+              <a:t>fs</a:t>
+            </a:r>
+            <a:r>
+              <a:rPr lang="en-US" altLang="zh-CN" dirty="0" smtClean="0"/>
+              <a:t> –</a:t>
+            </a:r>
+            <a:r>
+              <a:rPr lang="en-US" altLang="zh-CN" dirty="0" err="1" smtClean="0"/>
+              <a:t>ls</a:t>
+            </a:r>
+            <a:r>
+              <a:rPr lang="en-US" altLang="zh-CN" dirty="0" smtClean="0"/>
+              <a:t>  (</a:t>
+            </a:r>
+            <a:r>
+              <a:rPr lang="zh-CN" altLang="en-US" dirty="0" smtClean="0"/>
+              <a:t>其它相关命令参考  </a:t>
+            </a:r>
+            <a:r>
+              <a:rPr lang="en-US" altLang="zh-CN" dirty="0" smtClean="0"/>
+              <a:t>shell)</a:t>
             </a:r>
           </a:p>
           <a:p>
             <a:pPr algn="l"/>
             <a:r>
-              <a:rPr lang="zh-CN" altLang="en-US" dirty="0" smtClean="0"/>
-              <a:t>    适合数据指读写 吞吐量高</a:t>
-            </a:r>
-          </a:p>
-          <a:p>
-            <a:pPr algn="l"/>
-            <a:r>
-              <a:rPr lang="zh-CN" altLang="en-US" dirty="0" smtClean="0"/>
-              <a:t>    不适合交互式应用 低延迟很难满足</a:t>
-            </a:r>
-          </a:p>
-          <a:p>
-            <a:pPr algn="l"/>
-            <a:endParaRPr lang="zh-CN" altLang="en-US" dirty="0" smtClean="0"/>
-          </a:p>
-          <a:p>
-            <a:pPr algn="l"/>
-            <a:r>
-              <a:rPr lang="zh-CN" altLang="en-US" dirty="0" smtClean="0"/>
-              <a:t>    适合一次写入多次读取 顺序读写</a:t>
-            </a:r>
-          </a:p>
-          <a:p>
-            <a:pPr algn="l"/>
-            <a:r>
-              <a:rPr lang="zh-CN" altLang="en-US" dirty="0" smtClean="0"/>
-              <a:t>    不支持多用户并发写相同文件</a:t>
+              <a:rPr lang="en-US" altLang="zh-CN" dirty="0" smtClean="0"/>
+              <a:t>Hadoop1 </a:t>
+            </a:r>
+            <a:r>
+              <a:rPr lang="zh-CN" altLang="en-US" dirty="0" smtClean="0"/>
+              <a:t>使用 </a:t>
+            </a:r>
+            <a:r>
+              <a:rPr lang="en-US" altLang="zh-CN" dirty="0" err="1" smtClean="0"/>
+              <a:t>fs</a:t>
+            </a:r>
+            <a:r>
+              <a:rPr lang="en-US" altLang="zh-CN" dirty="0" smtClean="0"/>
+              <a:t>   hadoop2 </a:t>
+            </a:r>
+            <a:r>
+              <a:rPr lang="zh-CN" altLang="en-US" dirty="0" smtClean="0"/>
+              <a:t>使用 </a:t>
+            </a:r>
+            <a:r>
+              <a:rPr lang="en-US" altLang="zh-CN" dirty="0" err="1" smtClean="0"/>
+              <a:t>dfs</a:t>
             </a:r>
             <a:endParaRPr lang="en-US" altLang="zh-CN" dirty="0" smtClean="0"/>
           </a:p>
@@ -3205,7 +3257,7 @@
     </p:spTree>
     <p:extLst>
       <p:ext uri="{BB962C8B-B14F-4D97-AF65-F5344CB8AC3E}">
-        <p14:creationId xmlns:p14="http://schemas.microsoft.com/office/powerpoint/2010/main" val="4085232926"/>
+        <p14:creationId xmlns:p14="http://schemas.microsoft.com/office/powerpoint/2010/main" val="1027825157"/>
       </p:ext>
     </p:extLst>
   </p:cSld>
@@ -3253,8 +3305,8 @@
           <a:lstStyle/>
           <a:p>
             <a:r>
-              <a:rPr lang="en-US" altLang="zh-CN" dirty="0" err="1" smtClean="0"/>
-              <a:t>MapReduce</a:t>
+              <a:rPr lang="zh-CN" altLang="en-US" dirty="0" smtClean="0"/>
+              <a:t>优劣势</a:t>
             </a:r>
             <a:endParaRPr lang="zh-CN" altLang="en-US" dirty="0"/>
           </a:p>
@@ -3272,53 +3324,86 @@
         </p:nvSpPr>
         <p:spPr>
           <a:xfrm>
-            <a:off x="1524000" y="2526030"/>
-            <a:ext cx="9144000" cy="2731770"/>
-          </a:xfrm>
-        </p:spPr>
-        <p:txBody>
-          <a:bodyPr/>
+            <a:off x="1524000" y="2331720"/>
+            <a:ext cx="9144000" cy="3931920"/>
+          </a:xfrm>
+        </p:spPr>
+        <p:txBody>
+          <a:bodyPr>
+            <a:normAutofit fontScale="92500" lnSpcReduction="10000"/>
+          </a:bodyPr>
           <a:lstStyle/>
           <a:p>
             <a:pPr algn="l"/>
+            <a:r>
+              <a:rPr lang="zh-CN" altLang="en-US" dirty="0" smtClean="0"/>
+              <a:t>数据冗余 硬件容错</a:t>
+            </a:r>
+          </a:p>
+          <a:p>
+            <a:pPr algn="l"/>
+            <a:r>
+              <a:rPr lang="zh-CN" altLang="en-US" dirty="0" smtClean="0"/>
+              <a:t>    流式的数据访问</a:t>
+            </a:r>
+          </a:p>
+          <a:p>
+            <a:pPr algn="l"/>
+            <a:r>
+              <a:rPr lang="zh-CN" altLang="en-US" dirty="0" smtClean="0"/>
+              <a:t>    存储大文件</a:t>
+            </a:r>
+          </a:p>
+          <a:p>
+            <a:pPr algn="l"/>
+            <a:endParaRPr lang="zh-CN" altLang="en-US" dirty="0" smtClean="0"/>
+          </a:p>
+          <a:p>
+            <a:pPr algn="l"/>
+            <a:r>
+              <a:rPr lang="zh-CN" altLang="en-US" dirty="0" smtClean="0"/>
+              <a:t>    适用性和局限性</a:t>
+            </a:r>
+          </a:p>
+          <a:p>
+            <a:pPr algn="l"/>
+            <a:r>
+              <a:rPr lang="zh-CN" altLang="en-US" dirty="0" smtClean="0"/>
+              <a:t>    适合数据指读写 吞吐量高</a:t>
+            </a:r>
+          </a:p>
+          <a:p>
+            <a:pPr algn="l"/>
+            <a:r>
+              <a:rPr lang="zh-CN" altLang="en-US" dirty="0" smtClean="0"/>
+              <a:t>    不适合交互式应用 低延迟很难满足</a:t>
+            </a:r>
+          </a:p>
+          <a:p>
+            <a:pPr algn="l"/>
+            <a:endParaRPr lang="zh-CN" altLang="en-US" dirty="0" smtClean="0"/>
+          </a:p>
+          <a:p>
+            <a:pPr algn="l"/>
+            <a:r>
+              <a:rPr lang="zh-CN" altLang="en-US" dirty="0" smtClean="0"/>
+              <a:t>    适合一次写入多次读取 顺序读写</a:t>
+            </a:r>
+          </a:p>
+          <a:p>
+            <a:pPr algn="l"/>
+            <a:r>
+              <a:rPr lang="zh-CN" altLang="en-US" dirty="0" smtClean="0"/>
+              <a:t>    不支持多用户并发写相同文件</a:t>
+            </a:r>
             <a:endParaRPr lang="en-US" altLang="zh-CN" dirty="0" smtClean="0"/>
           </a:p>
         </p:txBody>
       </p:sp>
-      <p:pic>
-        <p:nvPicPr>
-          <p:cNvPr id="5" name="图片 4"/>
-          <p:cNvPicPr>
-            <a:picLocks noChangeAspect="1"/>
-          </p:cNvPicPr>
-          <p:nvPr/>
-        </p:nvPicPr>
-        <p:blipFill>
-          <a:blip r:embed="rId2">
-            <a:extLst>
-              <a:ext uri="{28A0092B-C50C-407E-A947-70E740481C1C}">
-                <a14:useLocalDpi xmlns:a14="http://schemas.microsoft.com/office/drawing/2010/main" val="0"/>
-              </a:ext>
-            </a:extLst>
-          </a:blip>
-          <a:stretch>
-            <a:fillRect/>
-          </a:stretch>
-        </p:blipFill>
-        <p:spPr>
-          <a:xfrm>
-            <a:off x="1569720" y="2526029"/>
-            <a:ext cx="9208770" cy="4211911"/>
-          </a:xfrm>
-          <a:prstGeom prst="rect">
-            <a:avLst/>
-          </a:prstGeom>
-        </p:spPr>
-      </p:pic>
     </p:spTree>
     <p:extLst>
       <p:ext uri="{BB962C8B-B14F-4D97-AF65-F5344CB8AC3E}">
-        <p14:creationId xmlns:p14="http://schemas.microsoft.com/office/powerpoint/2010/main" val="3059389352"/>
+        <p14:creationId xmlns:p14="http://schemas.microsoft.com/office/powerpoint/2010/main" val="4085232926"/>
       </p:ext>
     </p:extLst>
   </p:cSld>
@@ -3366,12 +3451,8 @@
           <a:lstStyle/>
           <a:p>
             <a:r>
-              <a:rPr lang="en-US" altLang="zh-CN" dirty="0" smtClean="0"/>
-              <a:t>Google </a:t>
-            </a:r>
-            <a:r>
-              <a:rPr lang="zh-CN" altLang="en-US" dirty="0" smtClean="0"/>
-              <a:t>三大论文</a:t>
+              <a:rPr lang="en-US" altLang="zh-CN" dirty="0" err="1" smtClean="0"/>
+              <a:t>MapReduce</a:t>
             </a:r>
             <a:endParaRPr lang="zh-CN" altLang="en-US" dirty="0"/>
           </a:p>
@@ -3398,104 +3479,44 @@
           <a:lstStyle/>
           <a:p>
             <a:pPr algn="l"/>
-            <a:r>
-              <a:rPr lang="en-US" altLang="zh-CN" dirty="0"/>
-              <a:t>Google File </a:t>
-            </a:r>
-            <a:r>
-              <a:rPr lang="en-US" altLang="zh-CN" dirty="0" smtClean="0"/>
-              <a:t>System</a:t>
-            </a:r>
-            <a:r>
-              <a:rPr lang="zh-CN" altLang="en-US" dirty="0"/>
-              <a:t> </a:t>
-            </a:r>
-            <a:r>
-              <a:rPr lang="zh-CN" altLang="en-US" dirty="0" smtClean="0"/>
-              <a:t> </a:t>
-            </a:r>
-            <a:r>
-              <a:rPr lang="en-US" altLang="zh-CN" dirty="0" smtClean="0"/>
-              <a:t>--- </a:t>
-            </a:r>
-            <a:r>
-              <a:rPr lang="en-US" altLang="zh-CN" dirty="0" err="1" smtClean="0"/>
-              <a:t>hadoop</a:t>
-            </a:r>
-            <a:r>
-              <a:rPr lang="en-US" altLang="zh-CN" dirty="0" smtClean="0"/>
-              <a:t> HDFS</a:t>
-            </a:r>
-            <a:r>
-              <a:rPr lang="zh-CN" altLang="en-US" dirty="0" smtClean="0"/>
-              <a:t/>
-            </a:r>
-            <a:br>
-              <a:rPr lang="zh-CN" altLang="en-US" dirty="0" smtClean="0"/>
-            </a:br>
-            <a:r>
-              <a:rPr lang="en-US" altLang="zh-CN" dirty="0"/>
-              <a:t>Google </a:t>
-            </a:r>
-            <a:r>
-              <a:rPr lang="en-US" altLang="zh-CN" dirty="0" err="1" smtClean="0"/>
-              <a:t>Bigtable</a:t>
-            </a:r>
-            <a:r>
-              <a:rPr lang="zh-CN" altLang="en-US" dirty="0"/>
-              <a:t> </a:t>
-            </a:r>
-            <a:r>
-              <a:rPr lang="en-US" altLang="zh-CN" dirty="0" smtClean="0"/>
-              <a:t>--- </a:t>
-            </a:r>
-            <a:r>
-              <a:rPr lang="en-US" altLang="zh-CN" dirty="0" err="1" smtClean="0"/>
-              <a:t>hbase</a:t>
-            </a:r>
-            <a:r>
-              <a:rPr lang="zh-CN" altLang="en-US" dirty="0" smtClean="0"/>
-              <a:t/>
-            </a:r>
-            <a:br>
-              <a:rPr lang="zh-CN" altLang="en-US" dirty="0" smtClean="0"/>
-            </a:br>
-            <a:r>
-              <a:rPr lang="en-US" altLang="zh-CN" dirty="0"/>
-              <a:t>Google </a:t>
-            </a:r>
-            <a:r>
-              <a:rPr lang="en-US" altLang="zh-CN" dirty="0" err="1" smtClean="0"/>
-              <a:t>MapReduce</a:t>
-            </a:r>
-            <a:r>
-              <a:rPr lang="zh-CN" altLang="en-US" dirty="0"/>
-              <a:t> </a:t>
-            </a:r>
-            <a:r>
-              <a:rPr lang="en-US" altLang="zh-CN" dirty="0" smtClean="0"/>
-              <a:t>--- </a:t>
-            </a:r>
-            <a:r>
-              <a:rPr lang="en-US" altLang="zh-CN" dirty="0" err="1" smtClean="0"/>
-              <a:t>hadoop</a:t>
-            </a:r>
-            <a:r>
-              <a:rPr lang="en-US" altLang="zh-CN" dirty="0" smtClean="0"/>
-              <a:t> </a:t>
-            </a:r>
-            <a:r>
-              <a:rPr lang="en-US" altLang="zh-CN" dirty="0" err="1" smtClean="0"/>
-              <a:t>mapreduce</a:t>
-            </a:r>
             <a:endParaRPr lang="en-US" altLang="zh-CN" dirty="0" smtClean="0"/>
           </a:p>
         </p:txBody>
       </p:sp>
+      <p:pic>
+        <p:nvPicPr>
+          <p:cNvPr id="5" name="图片 4"/>
+          <p:cNvPicPr>
+            <a:picLocks noChangeAspect="1"/>
+          </p:cNvPicPr>
+          <p:nvPr/>
+        </p:nvPicPr>
+        <p:blipFill>
+          <a:blip r:embed="rId2">
+            <a:extLst>
+              <a:ext uri="{28A0092B-C50C-407E-A947-70E740481C1C}">
+                <a14:useLocalDpi xmlns:a14="http://schemas.microsoft.com/office/drawing/2010/main" val="0"/>
+              </a:ext>
+            </a:extLst>
+          </a:blip>
+          <a:stretch>
+            <a:fillRect/>
+          </a:stretch>
+        </p:blipFill>
+        <p:spPr>
+          <a:xfrm>
+            <a:off x="1569720" y="2526029"/>
+            <a:ext cx="9208770" cy="4211911"/>
+          </a:xfrm>
+          <a:prstGeom prst="rect">
+            <a:avLst/>
+          </a:prstGeom>
+        </p:spPr>
+      </p:pic>
     </p:spTree>
     <p:extLst>
       <p:ext uri="{BB962C8B-B14F-4D97-AF65-F5344CB8AC3E}">
-        <p14:creationId xmlns:p14="http://schemas.microsoft.com/office/powerpoint/2010/main" val="2753018423"/>
+        <p14:creationId xmlns:p14="http://schemas.microsoft.com/office/powerpoint/2010/main" val="3059389352"/>
       </p:ext>
     </p:extLst>
   </p:cSld>
@@ -3544,7 +3565,11 @@
           <a:p>
             <a:r>
               <a:rPr lang="en-US" altLang="zh-CN" dirty="0" smtClean="0"/>
-              <a:t>hive</a:t>
+              <a:t>Google </a:t>
+            </a:r>
+            <a:r>
+              <a:rPr lang="zh-CN" altLang="en-US" dirty="0" smtClean="0"/>
+              <a:t>三大论文</a:t>
             </a:r>
             <a:endParaRPr lang="zh-CN" altLang="en-US" dirty="0"/>
           </a:p>
@@ -3571,44 +3596,104 @@
           <a:lstStyle/>
           <a:p>
             <a:pPr algn="l"/>
+            <a:r>
+              <a:rPr lang="en-US" altLang="zh-CN" dirty="0"/>
+              <a:t>Google File </a:t>
+            </a:r>
+            <a:r>
+              <a:rPr lang="en-US" altLang="zh-CN" dirty="0" smtClean="0"/>
+              <a:t>System</a:t>
+            </a:r>
+            <a:r>
+              <a:rPr lang="zh-CN" altLang="en-US" dirty="0"/>
+              <a:t> </a:t>
+            </a:r>
+            <a:r>
+              <a:rPr lang="zh-CN" altLang="en-US" dirty="0" smtClean="0"/>
+              <a:t> </a:t>
+            </a:r>
+            <a:r>
+              <a:rPr lang="en-US" altLang="zh-CN" dirty="0" smtClean="0"/>
+              <a:t>--- </a:t>
+            </a:r>
+            <a:r>
+              <a:rPr lang="en-US" altLang="zh-CN" dirty="0" err="1" smtClean="0"/>
+              <a:t>hadoop</a:t>
+            </a:r>
+            <a:r>
+              <a:rPr lang="en-US" altLang="zh-CN" dirty="0" smtClean="0"/>
+              <a:t> HDFS</a:t>
+            </a:r>
+            <a:r>
+              <a:rPr lang="zh-CN" altLang="en-US" dirty="0" smtClean="0"/>
+              <a:t/>
+            </a:r>
+            <a:br>
+              <a:rPr lang="zh-CN" altLang="en-US" dirty="0" smtClean="0"/>
+            </a:br>
+            <a:r>
+              <a:rPr lang="en-US" altLang="zh-CN" dirty="0"/>
+              <a:t>Google </a:t>
+            </a:r>
+            <a:r>
+              <a:rPr lang="en-US" altLang="zh-CN" dirty="0" err="1" smtClean="0"/>
+              <a:t>Bigtable</a:t>
+            </a:r>
+            <a:r>
+              <a:rPr lang="zh-CN" altLang="en-US" dirty="0"/>
+              <a:t> </a:t>
+            </a:r>
+            <a:r>
+              <a:rPr lang="en-US" altLang="zh-CN" dirty="0" smtClean="0"/>
+              <a:t>--- </a:t>
+            </a:r>
+            <a:r>
+              <a:rPr lang="en-US" altLang="zh-CN" dirty="0" err="1" smtClean="0"/>
+              <a:t>hbase</a:t>
+            </a:r>
+            <a:r>
+              <a:rPr lang="zh-CN" altLang="en-US" dirty="0" smtClean="0"/>
+              <a:t/>
+            </a:r>
+            <a:br>
+              <a:rPr lang="zh-CN" altLang="en-US" dirty="0" smtClean="0"/>
+            </a:br>
+            <a:r>
+              <a:rPr lang="en-US" altLang="zh-CN" dirty="0"/>
+              <a:t>Google </a:t>
+            </a:r>
+            <a:r>
+              <a:rPr lang="en-US" altLang="zh-CN" dirty="0" err="1" smtClean="0"/>
+              <a:t>MapReduce</a:t>
+            </a:r>
+            <a:r>
+              <a:rPr lang="zh-CN" altLang="en-US" dirty="0"/>
+              <a:t> </a:t>
+            </a:r>
+            <a:r>
+              <a:rPr lang="en-US" altLang="zh-CN" dirty="0" smtClean="0"/>
+              <a:t>--- </a:t>
+            </a:r>
+            <a:r>
+              <a:rPr lang="en-US" altLang="zh-CN" dirty="0" err="1" smtClean="0"/>
+              <a:t>hadoop</a:t>
+            </a:r>
+            <a:r>
+              <a:rPr lang="en-US" altLang="zh-CN" dirty="0" smtClean="0"/>
+              <a:t> </a:t>
+            </a:r>
+            <a:r>
+              <a:rPr lang="en-US" altLang="zh-CN" dirty="0" err="1" smtClean="0"/>
+              <a:t>mapreduce</a:t>
+            </a:r>
             <a:endParaRPr lang="en-US" altLang="zh-CN" dirty="0" smtClean="0"/>
           </a:p>
         </p:txBody>
       </p:sp>
-      <p:pic>
-        <p:nvPicPr>
-          <p:cNvPr id="4" name="图片 3"/>
-          <p:cNvPicPr>
-            <a:picLocks noChangeAspect="1"/>
-          </p:cNvPicPr>
-          <p:nvPr/>
-        </p:nvPicPr>
-        <p:blipFill>
-          <a:blip r:embed="rId2">
-            <a:extLst>
-              <a:ext uri="{28A0092B-C50C-407E-A947-70E740481C1C}">
-                <a14:useLocalDpi xmlns:a14="http://schemas.microsoft.com/office/drawing/2010/main" val="0"/>
-              </a:ext>
-            </a:extLst>
-          </a:blip>
-          <a:stretch>
-            <a:fillRect/>
-          </a:stretch>
-        </p:blipFill>
-        <p:spPr>
-          <a:xfrm>
-            <a:off x="1524000" y="2526030"/>
-            <a:ext cx="9144000" cy="5652258"/>
-          </a:xfrm>
-          <a:prstGeom prst="rect">
-            <a:avLst/>
-          </a:prstGeom>
-        </p:spPr>
-      </p:pic>
     </p:spTree>
     <p:extLst>
       <p:ext uri="{BB962C8B-B14F-4D97-AF65-F5344CB8AC3E}">
-        <p14:creationId xmlns:p14="http://schemas.microsoft.com/office/powerpoint/2010/main" val="2334459120"/>
+        <p14:creationId xmlns:p14="http://schemas.microsoft.com/office/powerpoint/2010/main" val="2753018423"/>
       </p:ext>
     </p:extLst>
   </p:cSld>
@@ -3657,19 +3742,7 @@
           <a:p>
             <a:r>
               <a:rPr lang="en-US" altLang="zh-CN" dirty="0" smtClean="0"/>
-              <a:t>JDBC </a:t>
-            </a:r>
-            <a:r>
-              <a:rPr lang="zh-CN" altLang="en-US" dirty="0" smtClean="0"/>
-              <a:t>操作 </a:t>
-            </a:r>
-            <a:r>
-              <a:rPr lang="en-US" altLang="zh-CN" dirty="0"/>
-              <a:t>H</a:t>
-            </a:r>
-            <a:r>
-              <a:rPr lang="en-US" altLang="zh-CN" dirty="0" smtClean="0"/>
-              <a:t>ive</a:t>
+              <a:t>hive</a:t>
             </a:r>
             <a:endParaRPr lang="zh-CN" altLang="en-US" dirty="0"/>
           </a:p>
@@ -3696,76 +3769,44 @@
           <a:lstStyle/>
           <a:p>
             <a:pPr algn="l"/>
-            <a:r>
-              <a:rPr lang="zh-CN" altLang="en-US" dirty="0" smtClean="0"/>
-              <a:t>开启 </a:t>
-            </a:r>
-            <a:r>
-              <a:rPr lang="en-US" altLang="zh-CN" dirty="0" smtClean="0"/>
-              <a:t>hive </a:t>
-            </a:r>
-            <a:r>
-              <a:rPr lang="zh-CN" altLang="en-US" dirty="0" smtClean="0"/>
-              <a:t>服务    </a:t>
-            </a:r>
-            <a:r>
-              <a:rPr lang="en-US" altLang="zh-CN" dirty="0" smtClean="0"/>
-              <a:t>hive –service hiveserver2</a:t>
-            </a:r>
-          </a:p>
-          <a:p>
-            <a:pPr algn="l"/>
-            <a:r>
-              <a:rPr lang="zh-CN" altLang="en-US" dirty="0" smtClean="0"/>
-              <a:t>编写增删改查代码</a:t>
-            </a:r>
             <a:endParaRPr lang="en-US" altLang="zh-CN" dirty="0" smtClean="0"/>
           </a:p>
-          <a:p>
-            <a:pPr algn="l"/>
-            <a:r>
-              <a:rPr lang="zh-CN" altLang="en-US" dirty="0" smtClean="0"/>
-              <a:t>进入 </a:t>
-            </a:r>
-            <a:r>
-              <a:rPr lang="en-US" altLang="zh-CN" dirty="0" smtClean="0"/>
-              <a:t>hive </a:t>
-            </a:r>
-            <a:r>
-              <a:rPr lang="zh-CN" altLang="en-US" dirty="0" smtClean="0"/>
-              <a:t>库        </a:t>
-            </a:r>
-            <a:r>
-              <a:rPr lang="en-US" altLang="zh-CN" dirty="0" smtClean="0"/>
-              <a:t>hive</a:t>
-            </a:r>
-          </a:p>
-          <a:p>
-            <a:pPr algn="l"/>
-            <a:r>
-              <a:rPr lang="en-US" altLang="zh-CN" dirty="0" smtClean="0"/>
-              <a:t>hive&gt; # </a:t>
-            </a:r>
-            <a:r>
-              <a:rPr lang="zh-CN" altLang="en-US" dirty="0" smtClean="0"/>
-              <a:t>查看 </a:t>
-            </a:r>
-            <a:r>
-              <a:rPr lang="en-US" altLang="zh-CN" dirty="0" smtClean="0"/>
-              <a:t>hive </a:t>
-            </a:r>
-            <a:r>
-              <a:rPr lang="zh-CN" altLang="en-US" smtClean="0"/>
-              <a:t>数据是否正确</a:t>
-            </a:r>
-            <a:endParaRPr lang="en-US" altLang="zh-CN" dirty="0" smtClean="0"/>
-          </a:p>
-        </p:txBody>
-      </p:sp>
+        </p:txBody>
+      </p:sp>
+      <p:pic>
+        <p:nvPicPr>
+          <p:cNvPr id="4" name="图片 3"/>
+          <p:cNvPicPr>
+            <a:picLocks noChangeAspect="1"/>
+          </p:cNvPicPr>
+          <p:nvPr/>
+        </p:nvPicPr>
+        <p:blipFill>
+          <a:blip r:embed="rId2">
+            <a:extLst>
+              <a:ext uri="{28A0092B-C50C-407E-A947-70E740481C1C}">
+                <a14:useLocalDpi xmlns:a14="http://schemas.microsoft.com/office/drawing/2010/main" val="0"/>
+              </a:ext>
+            </a:extLst>
+          </a:blip>
+          <a:stretch>
+            <a:fillRect/>
+          </a:stretch>
+        </p:blipFill>
+        <p:spPr>
+          <a:xfrm>
+            <a:off x="1524000" y="2526030"/>
+            <a:ext cx="9144000" cy="5652258"/>
+          </a:xfrm>
+          <a:prstGeom prst="rect">
+            <a:avLst/>
+          </a:prstGeom>
+        </p:spPr>
+      </p:pic>
     </p:spTree>
     <p:extLst>
       <p:ext uri="{BB962C8B-B14F-4D97-AF65-F5344CB8AC3E}">
-        <p14:creationId xmlns:p14="http://schemas.microsoft.com/office/powerpoint/2010/main" val="1614495860"/>
+        <p14:creationId xmlns:p14="http://schemas.microsoft.com/office/powerpoint/2010/main" val="2334459120"/>
       </p:ext>
     </p:extLst>
   </p:cSld>
@@ -3813,6 +3854,163 @@
           <a:lstStyle/>
           <a:p>
             <a:r>
+              <a:rPr lang="en-US" altLang="zh-CN" dirty="0" smtClean="0"/>
+              <a:t>JDBC </a:t>
+            </a:r>
+            <a:r>
+              <a:rPr lang="zh-CN" altLang="en-US" dirty="0" smtClean="0"/>
+              <a:t>操作 </a:t>
+            </a:r>
+            <a:r>
+              <a:rPr lang="en-US" altLang="zh-CN" dirty="0"/>
+              <a:t>H</a:t>
+            </a:r>
+            <a:r>
+              <a:rPr lang="en-US" altLang="zh-CN" dirty="0" smtClean="0"/>
+              <a:t>ive</a:t>
+            </a:r>
+            <a:endParaRPr lang="zh-CN" altLang="en-US" dirty="0"/>
+          </a:p>
+        </p:txBody>
+      </p:sp>
+      <p:sp>
+        <p:nvSpPr>
+          <p:cNvPr id="3" name="副标题 2"/>
+          <p:cNvSpPr>
+            <a:spLocks noGrp="1"/>
+          </p:cNvSpPr>
+          <p:nvPr>
+            <p:ph type="subTitle" idx="1"/>
+          </p:nvPr>
+        </p:nvSpPr>
+        <p:spPr>
+          <a:xfrm>
+            <a:off x="1524000" y="2526030"/>
+            <a:ext cx="9144000" cy="2731770"/>
+          </a:xfrm>
+        </p:spPr>
+        <p:txBody>
+          <a:bodyPr/>
+          <a:lstStyle/>
+          <a:p>
+            <a:pPr algn="l"/>
+            <a:r>
+              <a:rPr lang="zh-CN" altLang="en-US" dirty="0" smtClean="0"/>
+              <a:t>开启 </a:t>
+            </a:r>
+            <a:r>
+              <a:rPr lang="en-US" altLang="zh-CN" dirty="0" smtClean="0"/>
+              <a:t>hive </a:t>
+            </a:r>
+            <a:r>
+              <a:rPr lang="zh-CN" altLang="en-US" dirty="0" smtClean="0"/>
+              <a:t>服务    </a:t>
+            </a:r>
+            <a:r>
+              <a:rPr lang="en-US" altLang="zh-CN" dirty="0" smtClean="0"/>
+              <a:t>hive –service hiveserver2</a:t>
+            </a:r>
+          </a:p>
+          <a:p>
+            <a:pPr algn="l"/>
+            <a:r>
+              <a:rPr lang="zh-CN" altLang="en-US" dirty="0" smtClean="0"/>
+              <a:t>编写增删改查代码</a:t>
+            </a:r>
+            <a:endParaRPr lang="en-US" altLang="zh-CN" dirty="0" smtClean="0"/>
+          </a:p>
+          <a:p>
+            <a:pPr algn="l"/>
+            <a:r>
+              <a:rPr lang="zh-CN" altLang="en-US" dirty="0" smtClean="0"/>
+              <a:t>进入 </a:t>
+            </a:r>
+            <a:r>
+              <a:rPr lang="en-US" altLang="zh-CN" dirty="0" smtClean="0"/>
+              <a:t>hive </a:t>
+            </a:r>
+            <a:r>
+              <a:rPr lang="zh-CN" altLang="en-US" dirty="0" smtClean="0"/>
+              <a:t>库        </a:t>
+            </a:r>
+            <a:r>
+              <a:rPr lang="en-US" altLang="zh-CN" dirty="0" smtClean="0"/>
+              <a:t>hive</a:t>
+            </a:r>
+          </a:p>
+          <a:p>
+            <a:pPr algn="l"/>
+            <a:r>
+              <a:rPr lang="en-US" altLang="zh-CN" dirty="0" smtClean="0"/>
+              <a:t>hive&gt; # </a:t>
+            </a:r>
+            <a:r>
+              <a:rPr lang="zh-CN" altLang="en-US" dirty="0" smtClean="0"/>
+              <a:t>查看 </a:t>
+            </a:r>
+            <a:r>
+              <a:rPr lang="en-US" altLang="zh-CN" dirty="0" smtClean="0"/>
+              <a:t>hive </a:t>
+            </a:r>
+            <a:r>
+              <a:rPr lang="zh-CN" altLang="en-US" smtClean="0"/>
+              <a:t>数据是否正确</a:t>
+            </a:r>
+            <a:endParaRPr lang="en-US" altLang="zh-CN" dirty="0" smtClean="0"/>
+          </a:p>
+        </p:txBody>
+      </p:sp>
+    </p:spTree>
+    <p:extLst>
+      <p:ext uri="{BB962C8B-B14F-4D97-AF65-F5344CB8AC3E}">
+        <p14:creationId xmlns:p14="http://schemas.microsoft.com/office/powerpoint/2010/main" val="1614495860"/>
+      </p:ext>
+    </p:extLst>
+  </p:cSld>
+  <p:clrMapOvr>
+    <a:masterClrMapping/>
+  </p:clrMapOvr>
+</p:sld>
+</file>
+
+<file path=ppt/slides/slide16.xml><?xml version="1.0" encoding="utf-8"?>
+<p:sld xmlns:a="http://schemas.openxmlformats.org/drawingml/2006/main" xmlns:r="http://schemas.openxmlformats.org/officeDocument/2006/relationships" xmlns:p="http://schemas.openxmlformats.org/presentationml/2006/main">
+  <p:cSld>
+    <p:spTree>
+      <p:nvGrpSpPr>
+        <p:cNvPr id="1" name=""/>
+        <p:cNvGrpSpPr/>
+        <p:nvPr/>
+      </p:nvGrpSpPr>
+      <p:grpSpPr>
+        <a:xfrm>
+          <a:off x="0" y="0"/>
+          <a:ext cx="0" cy="0"/>
+          <a:chOff x="0" y="0"/>
+          <a:chExt cx="0" cy="0"/>
+        </a:xfrm>
+      </p:grpSpPr>
+      <p:sp>
+        <p:nvSpPr>
+          <p:cNvPr id="2" name="标题 1"/>
+          <p:cNvSpPr>
+            <a:spLocks noGrp="1"/>
+          </p:cNvSpPr>
+          <p:nvPr>
+            <p:ph type="ctrTitle"/>
+          </p:nvPr>
+        </p:nvSpPr>
+        <p:spPr>
+          <a:xfrm>
+            <a:off x="1524000" y="982980"/>
+            <a:ext cx="9254490" cy="1188720"/>
+          </a:xfrm>
+        </p:spPr>
+        <p:txBody>
+          <a:bodyPr/>
+          <a:lstStyle/>
+          <a:p>
+            <a:r>
               <a:rPr lang="en-US" altLang="zh-CN" dirty="0" err="1" smtClean="0"/>
               <a:t>hbase</a:t>
             </a:r>
@@ -3891,7 +4089,7 @@
 </p:sld>
 </file>
 
-<file path=ppt/slides/slide16.xml><?xml version="1.0" encoding="utf-8"?>
+<file path=ppt/slides/slide17.xml><?xml version="1.0" encoding="utf-8"?>
 <p:sld xmlns:a="http://schemas.openxmlformats.org/drawingml/2006/main" xmlns:r="http://schemas.openxmlformats.org/officeDocument/2006/relationships" xmlns:p="http://schemas.openxmlformats.org/presentationml/2006/main">
   <p:cSld>
     <p:spTree>
@@ -4934,8 +5132,8 @@
           <a:lstStyle/>
           <a:p>
             <a:r>
-              <a:rPr lang="en-US" altLang="zh-CN" dirty="0" smtClean="0"/>
-              <a:t>HDFS</a:t>
+              <a:rPr lang="zh-CN" altLang="en-US" dirty="0" smtClean="0"/>
+              <a:t>启动后相关页面</a:t>
             </a:r>
             <a:endParaRPr lang="zh-CN" altLang="en-US" dirty="0"/>
           </a:p>
@@ -4962,44 +5160,110 @@
           <a:lstStyle/>
           <a:p>
             <a:pPr algn="l"/>
+            <a:r>
+              <a:rPr lang="en-US" altLang="zh-CN" dirty="0" smtClean="0"/>
+              <a:t>Peng1:50070/</a:t>
+            </a:r>
+            <a:r>
+              <a:rPr lang="en-US" altLang="zh-CN" dirty="0" err="1" smtClean="0"/>
+              <a:t>dfshealth.jps</a:t>
+            </a:r>
+            <a:r>
+              <a:rPr lang="en-US" altLang="zh-CN" dirty="0" smtClean="0"/>
+              <a:t> # </a:t>
+            </a:r>
+            <a:r>
+              <a:rPr lang="en-US" altLang="zh-CN" dirty="0" err="1" smtClean="0"/>
+              <a:t>namenode</a:t>
+            </a:r>
+            <a:r>
+              <a:rPr lang="en-US" altLang="zh-CN" dirty="0" smtClean="0"/>
+              <a:t> </a:t>
+            </a:r>
+            <a:r>
+              <a:rPr lang="zh-CN" altLang="en-US" dirty="0" smtClean="0"/>
+              <a:t>信息</a:t>
+            </a:r>
             <a:endParaRPr lang="en-US" altLang="zh-CN" dirty="0" smtClean="0"/>
           </a:p>
-        </p:txBody>
-      </p:sp>
-      <p:pic>
-        <p:nvPicPr>
-          <p:cNvPr id="4" name="图片 3"/>
-          <p:cNvPicPr>
-            <a:picLocks noChangeAspect="1"/>
-          </p:cNvPicPr>
-          <p:nvPr/>
-        </p:nvPicPr>
-        <p:blipFill>
-          <a:blip r:embed="rId2">
-            <a:extLst>
-              <a:ext uri="{28A0092B-C50C-407E-A947-70E740481C1C}">
-                <a14:useLocalDpi xmlns:a14="http://schemas.microsoft.com/office/drawing/2010/main" val="0"/>
-              </a:ext>
-            </a:extLst>
-          </a:blip>
-          <a:stretch>
-            <a:fillRect/>
-          </a:stretch>
-        </p:blipFill>
-        <p:spPr>
-          <a:xfrm>
-            <a:off x="1019869" y="0"/>
-            <a:ext cx="9923662" cy="6858000"/>
-          </a:xfrm>
-          <a:prstGeom prst="rect">
-            <a:avLst/>
-          </a:prstGeom>
-        </p:spPr>
-      </p:pic>
+          <a:p>
+            <a:pPr algn="l"/>
+            <a:r>
+              <a:rPr lang="en-US" altLang="zh-CN" dirty="0" smtClean="0"/>
+              <a:t>Peng1:50070/explorer.html # </a:t>
+            </a:r>
+            <a:r>
+              <a:rPr lang="en-US" altLang="zh-CN" dirty="0" err="1" smtClean="0"/>
+              <a:t>hdfs</a:t>
+            </a:r>
+            <a:r>
+              <a:rPr lang="en-US" altLang="zh-CN" dirty="0" smtClean="0"/>
+              <a:t> </a:t>
+            </a:r>
+            <a:r>
+              <a:rPr lang="zh-CN" altLang="en-US" dirty="0" smtClean="0"/>
+              <a:t>上数据存储位置等信息</a:t>
+            </a:r>
+            <a:endParaRPr lang="en-US" altLang="zh-CN" dirty="0" smtClean="0"/>
+          </a:p>
+          <a:p>
+            <a:pPr algn="l"/>
+            <a:r>
+              <a:rPr lang="en-US" altLang="zh-CN" dirty="0" smtClean="0"/>
+              <a:t>Peng1:8088/cluster               # </a:t>
+            </a:r>
+            <a:r>
+              <a:rPr lang="en-US" altLang="zh-CN" dirty="0" err="1" smtClean="0"/>
+              <a:t>mapreduce</a:t>
+            </a:r>
+            <a:r>
+              <a:rPr lang="en-US" altLang="zh-CN" dirty="0" smtClean="0"/>
+              <a:t> </a:t>
+            </a:r>
+            <a:r>
+              <a:rPr lang="zh-CN" altLang="en-US" dirty="0" smtClean="0"/>
+              <a:t>相关信息</a:t>
+            </a:r>
+            <a:endParaRPr lang="en-US" altLang="zh-CN" dirty="0" smtClean="0"/>
+          </a:p>
+          <a:p>
+            <a:pPr algn="l"/>
+            <a:r>
+              <a:rPr lang="en-US" altLang="zh-CN" dirty="0" smtClean="0"/>
+              <a:t>Peng1:60010/master-status # </a:t>
+            </a:r>
+            <a:r>
+              <a:rPr lang="en-US" altLang="zh-CN" dirty="0" err="1" smtClean="0"/>
+              <a:t>hbase</a:t>
+            </a:r>
+            <a:r>
+              <a:rPr lang="en-US" altLang="zh-CN" dirty="0" smtClean="0"/>
+              <a:t> </a:t>
+            </a:r>
+            <a:r>
+              <a:rPr lang="zh-CN" altLang="en-US" dirty="0" smtClean="0"/>
+              <a:t>相关信息</a:t>
+            </a:r>
+            <a:endParaRPr lang="en-US" altLang="zh-CN" dirty="0" smtClean="0"/>
+          </a:p>
+          <a:p>
+            <a:pPr algn="l"/>
+            <a:r>
+              <a:rPr lang="en-US" altLang="zh-CN" dirty="0" smtClean="0"/>
+              <a:t>Peng1:8088                              # spark </a:t>
+            </a:r>
+            <a:r>
+              <a:rPr lang="zh-CN" altLang="en-US" smtClean="0"/>
+              <a:t>相关信息</a:t>
+            </a:r>
+            <a:endParaRPr lang="en-US" altLang="zh-CN" dirty="0" smtClean="0"/>
+          </a:p>
+        </p:txBody>
+      </p:sp>
     </p:spTree>
     <p:extLst>
       <p:ext uri="{BB962C8B-B14F-4D97-AF65-F5344CB8AC3E}">
-        <p14:creationId xmlns:p14="http://schemas.microsoft.com/office/powerpoint/2010/main" val="3727401503"/>
+        <p14:creationId xmlns:p14="http://schemas.microsoft.com/office/powerpoint/2010/main" val="422438344"/>
       </p:ext>
     </p:extLst>
   </p:cSld>
@@ -5075,128 +5339,44 @@
           <a:lstStyle/>
           <a:p>
             <a:pPr algn="l"/>
-            <a:r>
-              <a:rPr lang="zh-CN" altLang="en-US" dirty="0" smtClean="0"/>
-              <a:t>读 写数据</a:t>
-            </a:r>
             <a:endParaRPr lang="en-US" altLang="zh-CN" dirty="0" smtClean="0"/>
           </a:p>
-          <a:p>
-            <a:pPr algn="l"/>
-            <a:r>
-              <a:rPr lang="zh-CN" altLang="en-US" dirty="0" smtClean="0"/>
-              <a:t>相关术语</a:t>
-            </a:r>
-            <a:r>
-              <a:rPr lang="en-US" altLang="zh-CN" dirty="0"/>
-              <a:t> </a:t>
-            </a:r>
-            <a:r>
-              <a:rPr lang="en-US" altLang="zh-CN" dirty="0" err="1" smtClean="0"/>
-              <a:t>NameNode</a:t>
-            </a:r>
-            <a:r>
-              <a:rPr lang="en-US" altLang="zh-CN" dirty="0" smtClean="0"/>
-              <a:t> </a:t>
-            </a:r>
-            <a:r>
-              <a:rPr lang="en-US" altLang="zh-CN" dirty="0" err="1" smtClean="0"/>
-              <a:t>DataNode</a:t>
-            </a:r>
-            <a:r>
-              <a:rPr lang="en-US" altLang="zh-CN" dirty="0" smtClean="0"/>
-              <a:t> </a:t>
-            </a:r>
-            <a:r>
-              <a:rPr lang="en-US" altLang="zh-CN" dirty="0" err="1" smtClean="0"/>
-              <a:t>SecondaryNameNode</a:t>
-            </a:r>
-            <a:r>
-              <a:rPr lang="en-US" altLang="zh-CN" dirty="0" smtClean="0"/>
-              <a:t> Block</a:t>
-            </a:r>
-          </a:p>
-          <a:p>
-            <a:pPr algn="l"/>
-            <a:endParaRPr lang="en-US" altLang="zh-CN" dirty="0"/>
-          </a:p>
-          <a:p>
-            <a:pPr algn="l"/>
-            <a:r>
-              <a:rPr lang="zh-CN" altLang="en-US" dirty="0" smtClean="0"/>
-              <a:t>命令</a:t>
-            </a:r>
-            <a:endParaRPr lang="en-US" altLang="zh-CN" dirty="0" smtClean="0"/>
-          </a:p>
-          <a:p>
-            <a:pPr algn="l"/>
-            <a:r>
-              <a:rPr lang="en-US" altLang="zh-CN" dirty="0" err="1" smtClean="0"/>
-              <a:t>Hadoop</a:t>
-            </a:r>
-            <a:r>
-              <a:rPr lang="en-US" altLang="zh-CN" dirty="0" smtClean="0"/>
-              <a:t> </a:t>
-            </a:r>
-            <a:r>
-              <a:rPr lang="en-US" altLang="zh-CN" dirty="0" err="1" smtClean="0"/>
-              <a:t>fs</a:t>
-            </a:r>
-            <a:r>
-              <a:rPr lang="en-US" altLang="zh-CN" dirty="0" smtClean="0"/>
-              <a:t> –</a:t>
-            </a:r>
-            <a:r>
-              <a:rPr lang="en-US" altLang="zh-CN" dirty="0" err="1" smtClean="0"/>
-              <a:t>ls</a:t>
-            </a:r>
-            <a:r>
-              <a:rPr lang="en-US" altLang="zh-CN" dirty="0" smtClean="0"/>
-              <a:t>  (</a:t>
-            </a:r>
-            <a:r>
-              <a:rPr lang="zh-CN" altLang="en-US" dirty="0" smtClean="0"/>
-              <a:t>其它相关命令参考  </a:t>
-            </a:r>
-            <a:r>
-              <a:rPr lang="en-US" altLang="zh-CN" dirty="0" smtClean="0"/>
-              <a:t>shell)</a:t>
-            </a:r>
-          </a:p>
-          <a:p>
-            <a:pPr algn="l"/>
-            <a:r>
-              <a:rPr lang="en-US" altLang="zh-CN" dirty="0" smtClean="0"/>
-              <a:t>Hadoop1 </a:t>
-            </a:r>
-            <a:r>
-              <a:rPr lang="zh-CN" altLang="en-US" dirty="0" smtClean="0"/>
-              <a:t>使用 </a:t>
-            </a:r>
-            <a:r>
-              <a:rPr lang="en-US" altLang="zh-CN" dirty="0" err="1" smtClean="0"/>
-              <a:t>fs</a:t>
-            </a:r>
-            <a:r>
-              <a:rPr lang="en-US" altLang="zh-CN" dirty="0" smtClean="0"/>
-              <a:t>   hadoop2 </a:t>
-            </a:r>
-            <a:r>
-              <a:rPr lang="zh-CN" altLang="en-US" dirty="0" smtClean="0"/>
-              <a:t>使用 </a:t>
-            </a:r>
-            <a:r>
-              <a:rPr lang="en-US" altLang="zh-CN" dirty="0" err="1" smtClean="0"/>
-              <a:t>dfs</a:t>
-            </a:r>
-            <a:endParaRPr lang="en-US" altLang="zh-CN" dirty="0" smtClean="0"/>
-          </a:p>
-        </p:txBody>
-      </p:sp>
+        </p:txBody>
+      </p:sp>
+      <p:pic>
+        <p:nvPicPr>
+          <p:cNvPr id="4" name="图片 3"/>
+          <p:cNvPicPr>
+            <a:picLocks noChangeAspect="1"/>
+          </p:cNvPicPr>
+          <p:nvPr/>
+        </p:nvPicPr>
+        <p:blipFill>
+          <a:blip r:embed="rId2">
+            <a:extLst>
+              <a:ext uri="{28A0092B-C50C-407E-A947-70E740481C1C}">
+                <a14:useLocalDpi xmlns:a14="http://schemas.microsoft.com/office/drawing/2010/main" val="0"/>
+              </a:ext>
+            </a:extLst>
+          </a:blip>
+          <a:stretch>
+            <a:fillRect/>
+          </a:stretch>
+        </p:blipFill>
+        <p:spPr>
+          <a:xfrm>
+            <a:off x="1019869" y="0"/>
+            <a:ext cx="9923662" cy="6858000"/>
+          </a:xfrm>
+          <a:prstGeom prst="rect">
+            <a:avLst/>
+          </a:prstGeom>
+        </p:spPr>
+      </p:pic>
     </p:spTree>
     <p:extLst>
       <p:ext uri="{BB962C8B-B14F-4D97-AF65-F5344CB8AC3E}">
-        <p14:creationId xmlns:p14="http://schemas.microsoft.com/office/powerpoint/2010/main" val="1027825157"/>
+        <p14:creationId xmlns:p14="http://schemas.microsoft.com/office/powerpoint/2010/main" val="3727401503"/>
       </p:ext>
     </p:extLst>
   </p:cSld>

--- a/data/hadoop2体系/大数据.pptx
+++ b/data/hadoop2体系/大数据.pptx
@@ -8,20 +8,24 @@
     <p:sldId id="256" r:id="rId2"/>
     <p:sldId id="257" r:id="rId3"/>
     <p:sldId id="258" r:id="rId4"/>
-    <p:sldId id="260" r:id="rId5"/>
-    <p:sldId id="259" r:id="rId6"/>
-    <p:sldId id="261" r:id="rId7"/>
-    <p:sldId id="262" r:id="rId8"/>
-    <p:sldId id="272" r:id="rId9"/>
-    <p:sldId id="263" r:id="rId10"/>
-    <p:sldId id="267" r:id="rId11"/>
-    <p:sldId id="271" r:id="rId12"/>
-    <p:sldId id="264" r:id="rId13"/>
-    <p:sldId id="268" r:id="rId14"/>
-    <p:sldId id="265" r:id="rId15"/>
-    <p:sldId id="269" r:id="rId16"/>
-    <p:sldId id="266" r:id="rId17"/>
-    <p:sldId id="270" r:id="rId18"/>
+    <p:sldId id="273" r:id="rId5"/>
+    <p:sldId id="274" r:id="rId6"/>
+    <p:sldId id="260" r:id="rId7"/>
+    <p:sldId id="259" r:id="rId8"/>
+    <p:sldId id="262" r:id="rId9"/>
+    <p:sldId id="261" r:id="rId10"/>
+    <p:sldId id="272" r:id="rId11"/>
+    <p:sldId id="275" r:id="rId12"/>
+    <p:sldId id="263" r:id="rId13"/>
+    <p:sldId id="276" r:id="rId14"/>
+    <p:sldId id="267" r:id="rId15"/>
+    <p:sldId id="271" r:id="rId16"/>
+    <p:sldId id="264" r:id="rId17"/>
+    <p:sldId id="268" r:id="rId18"/>
+    <p:sldId id="265" r:id="rId19"/>
+    <p:sldId id="269" r:id="rId20"/>
+    <p:sldId id="266" r:id="rId21"/>
+    <p:sldId id="270" r:id="rId22"/>
   </p:sldIdLst>
   <p:sldSz cx="12192000" cy="6858000"/>
   <p:notesSz cx="6858000" cy="9144000"/>
@@ -289,7 +293,7 @@
           <a:p>
             <a:fld id="{CBFFD406-4F53-40ED-9827-DA09242712BA}" type="datetimeFigureOut">
               <a:rPr lang="zh-CN" altLang="en-US" smtClean="0"/>
-              <a:t>2016/3/25</a:t>
+              <a:t>2016/3/28</a:t>
             </a:fld>
             <a:endParaRPr lang="zh-CN" altLang="en-US"/>
           </a:p>
@@ -459,7 +463,7 @@
           <a:p>
             <a:fld id="{CBFFD406-4F53-40ED-9827-DA09242712BA}" type="datetimeFigureOut">
               <a:rPr lang="zh-CN" altLang="en-US" smtClean="0"/>
-              <a:t>2016/3/25</a:t>
+              <a:t>2016/3/28</a:t>
             </a:fld>
             <a:endParaRPr lang="zh-CN" altLang="en-US"/>
           </a:p>
@@ -639,7 +643,7 @@
           <a:p>
             <a:fld id="{CBFFD406-4F53-40ED-9827-DA09242712BA}" type="datetimeFigureOut">
               <a:rPr lang="zh-CN" altLang="en-US" smtClean="0"/>
-              <a:t>2016/3/25</a:t>
+              <a:t>2016/3/28</a:t>
             </a:fld>
             <a:endParaRPr lang="zh-CN" altLang="en-US"/>
           </a:p>
@@ -809,7 +813,7 @@
           <a:p>
             <a:fld id="{CBFFD406-4F53-40ED-9827-DA09242712BA}" type="datetimeFigureOut">
               <a:rPr lang="zh-CN" altLang="en-US" smtClean="0"/>
-              <a:t>2016/3/25</a:t>
+              <a:t>2016/3/28</a:t>
             </a:fld>
             <a:endParaRPr lang="zh-CN" altLang="en-US"/>
           </a:p>
@@ -1055,7 +1059,7 @@
           <a:p>
             <a:fld id="{CBFFD406-4F53-40ED-9827-DA09242712BA}" type="datetimeFigureOut">
               <a:rPr lang="zh-CN" altLang="en-US" smtClean="0"/>
-              <a:t>2016/3/25</a:t>
+              <a:t>2016/3/28</a:t>
             </a:fld>
             <a:endParaRPr lang="zh-CN" altLang="en-US"/>
           </a:p>
@@ -1287,7 +1291,7 @@
           <a:p>
             <a:fld id="{CBFFD406-4F53-40ED-9827-DA09242712BA}" type="datetimeFigureOut">
               <a:rPr lang="zh-CN" altLang="en-US" smtClean="0"/>
-              <a:t>2016/3/25</a:t>
+              <a:t>2016/3/28</a:t>
             </a:fld>
             <a:endParaRPr lang="zh-CN" altLang="en-US"/>
           </a:p>
@@ -1654,7 +1658,7 @@
           <a:p>
             <a:fld id="{CBFFD406-4F53-40ED-9827-DA09242712BA}" type="datetimeFigureOut">
               <a:rPr lang="zh-CN" altLang="en-US" smtClean="0"/>
-              <a:t>2016/3/25</a:t>
+              <a:t>2016/3/28</a:t>
             </a:fld>
             <a:endParaRPr lang="zh-CN" altLang="en-US"/>
           </a:p>
@@ -1772,7 +1776,7 @@
           <a:p>
             <a:fld id="{CBFFD406-4F53-40ED-9827-DA09242712BA}" type="datetimeFigureOut">
               <a:rPr lang="zh-CN" altLang="en-US" smtClean="0"/>
-              <a:t>2016/3/25</a:t>
+              <a:t>2016/3/28</a:t>
             </a:fld>
             <a:endParaRPr lang="zh-CN" altLang="en-US"/>
           </a:p>
@@ -1867,7 +1871,7 @@
           <a:p>
             <a:fld id="{CBFFD406-4F53-40ED-9827-DA09242712BA}" type="datetimeFigureOut">
               <a:rPr lang="zh-CN" altLang="en-US" smtClean="0"/>
-              <a:t>2016/3/25</a:t>
+              <a:t>2016/3/28</a:t>
             </a:fld>
             <a:endParaRPr lang="zh-CN" altLang="en-US"/>
           </a:p>
@@ -2144,7 +2148,7 @@
           <a:p>
             <a:fld id="{CBFFD406-4F53-40ED-9827-DA09242712BA}" type="datetimeFigureOut">
               <a:rPr lang="zh-CN" altLang="en-US" smtClean="0"/>
-              <a:t>2016/3/25</a:t>
+              <a:t>2016/3/28</a:t>
             </a:fld>
             <a:endParaRPr lang="zh-CN" altLang="en-US"/>
           </a:p>
@@ -2397,7 +2401,7 @@
           <a:p>
             <a:fld id="{CBFFD406-4F53-40ED-9827-DA09242712BA}" type="datetimeFigureOut">
               <a:rPr lang="zh-CN" altLang="en-US" smtClean="0"/>
-              <a:t>2016/3/25</a:t>
+              <a:t>2016/3/28</a:t>
             </a:fld>
             <a:endParaRPr lang="zh-CN" altLang="en-US"/>
           </a:p>
@@ -2610,7 +2614,7 @@
           <a:p>
             <a:fld id="{CBFFD406-4F53-40ED-9827-DA09242712BA}" type="datetimeFigureOut">
               <a:rPr lang="zh-CN" altLang="en-US" smtClean="0"/>
-              <a:t>2016/3/25</a:t>
+              <a:t>2016/3/28</a:t>
             </a:fld>
             <a:endParaRPr lang="zh-CN" altLang="en-US"/>
           </a:p>
@@ -3053,6 +3057,10 @@
           <a:bodyPr/>
           <a:lstStyle/>
           <a:p>
+            <a:r>
+              <a:rPr lang="en-US" altLang="zh-CN" dirty="0" smtClean="0"/>
+              <a:t> </a:t>
+            </a:r>
             <a:endParaRPr lang="zh-CN" altLang="en-US" dirty="0"/>
           </a:p>
         </p:txBody>
@@ -3108,8 +3116,8 @@
           <a:lstStyle/>
           <a:p>
             <a:r>
-              <a:rPr lang="en-US" altLang="zh-CN" dirty="0" smtClean="0"/>
-              <a:t>HDFS</a:t>
+              <a:rPr lang="zh-CN" altLang="en-US" dirty="0" smtClean="0"/>
+              <a:t>启动后相关页面</a:t>
             </a:r>
             <a:endParaRPr lang="zh-CN" altLang="en-US" dirty="0"/>
           </a:p>
@@ -3137,118 +3145,100 @@
           <a:p>
             <a:pPr algn="l"/>
             <a:r>
-              <a:rPr lang="zh-CN" altLang="en-US" dirty="0" smtClean="0"/>
-              <a:t>读 写数据</a:t>
+              <a:rPr lang="en-US" altLang="zh-CN" dirty="0" smtClean="0"/>
+              <a:t>Peng1:50070/</a:t>
+            </a:r>
+            <a:r>
+              <a:rPr lang="en-US" altLang="zh-CN" dirty="0" err="1" smtClean="0"/>
+              <a:t>dfshealth.jps</a:t>
+            </a:r>
+            <a:r>
+              <a:rPr lang="en-US" altLang="zh-CN" dirty="0" smtClean="0"/>
+              <a:t> # </a:t>
+            </a:r>
+            <a:r>
+              <a:rPr lang="en-US" altLang="zh-CN" dirty="0" err="1" smtClean="0"/>
+              <a:t>namenode</a:t>
+            </a:r>
+            <a:r>
+              <a:rPr lang="en-US" altLang="zh-CN" dirty="0" smtClean="0"/>
+              <a:t> </a:t>
+            </a:r>
+            <a:r>
+              <a:rPr lang="zh-CN" altLang="en-US" dirty="0" smtClean="0"/>
+              <a:t>信息</a:t>
             </a:r>
             <a:endParaRPr lang="en-US" altLang="zh-CN" dirty="0" smtClean="0"/>
           </a:p>
           <a:p>
             <a:pPr algn="l"/>
             <a:r>
-              <a:rPr lang="zh-CN" altLang="en-US" dirty="0" smtClean="0"/>
-              <a:t>相关术语</a:t>
-            </a:r>
-            <a:r>
-              <a:rPr lang="en-US" altLang="zh-CN" dirty="0"/>
+              <a:rPr lang="en-US" altLang="zh-CN" dirty="0" smtClean="0"/>
+              <a:t>Peng1:50070/explorer.html # </a:t>
+            </a:r>
+            <a:r>
+              <a:rPr lang="en-US" altLang="zh-CN" dirty="0" err="1" smtClean="0"/>
+              <a:t>hdfs</a:t>
+            </a:r>
+            <a:r>
+              <a:rPr lang="en-US" altLang="zh-CN" dirty="0" smtClean="0"/>
               <a:t> </a:t>
             </a:r>
             <a:r>
+              <a:rPr lang="zh-CN" altLang="en-US" dirty="0" smtClean="0"/>
+              <a:t>上数据存储位置等信息</a:t>
+            </a:r>
+            <a:endParaRPr lang="en-US" altLang="zh-CN" dirty="0" smtClean="0"/>
+          </a:p>
+          <a:p>
+            <a:pPr algn="l"/>
+            <a:r>
+              <a:rPr lang="en-US" altLang="zh-CN" dirty="0" smtClean="0"/>
+              <a:t>Peng1:8088/cluster               # </a:t>
+            </a:r>
+            <a:r>
               <a:rPr lang="en-US" altLang="zh-CN" dirty="0" err="1" smtClean="0"/>
-              <a:t>NameNode</a:t>
+              <a:t>mapreduce</a:t>
             </a:r>
             <a:r>
               <a:rPr lang="en-US" altLang="zh-CN" dirty="0" smtClean="0"/>
               <a:t> </a:t>
             </a:r>
             <a:r>
+              <a:rPr lang="zh-CN" altLang="en-US" dirty="0" smtClean="0"/>
+              <a:t>相关信息</a:t>
+            </a:r>
+            <a:endParaRPr lang="en-US" altLang="zh-CN" dirty="0" smtClean="0"/>
+          </a:p>
+          <a:p>
+            <a:pPr algn="l"/>
+            <a:r>
+              <a:rPr lang="en-US" altLang="zh-CN" dirty="0" smtClean="0"/>
+              <a:t>Peng1:60010/master-status # </a:t>
+            </a:r>
+            <a:r>
               <a:rPr lang="en-US" altLang="zh-CN" dirty="0" err="1" smtClean="0"/>
-              <a:t>DataNode</a:t>
+              <a:t>hbase</a:t>
             </a:r>
             <a:r>
               <a:rPr lang="en-US" altLang="zh-CN" dirty="0" smtClean="0"/>
               <a:t> </a:t>
             </a:r>
             <a:r>
-              <a:rPr lang="en-US" altLang="zh-CN" dirty="0" err="1" smtClean="0"/>
-              <a:t>SecondaryNameNode</a:t>
-            </a:r>
-            <a:r>
-              <a:rPr lang="en-US" altLang="zh-CN" dirty="0" smtClean="0"/>
-              <a:t> Block</a:t>
-            </a:r>
+              <a:rPr lang="zh-CN" altLang="en-US" dirty="0" smtClean="0"/>
+              <a:t>相关信息</a:t>
+            </a:r>
+            <a:endParaRPr lang="en-US" altLang="zh-CN" dirty="0" smtClean="0"/>
           </a:p>
           <a:p>
             <a:pPr algn="l"/>
-            <a:endParaRPr lang="en-US" altLang="zh-CN" dirty="0"/>
-          </a:p>
-          <a:p>
-            <a:pPr algn="l"/>
-            <a:r>
-              <a:rPr lang="zh-CN" altLang="en-US" dirty="0" smtClean="0"/>
-              <a:t>命令</a:t>
-            </a:r>
-            <a:endParaRPr lang="en-US" altLang="zh-CN" dirty="0" smtClean="0"/>
-          </a:p>
-          <a:p>
-            <a:pPr algn="l"/>
-            <a:r>
-              <a:rPr lang="en-US" altLang="zh-CN" dirty="0" err="1" smtClean="0"/>
-              <a:t>Hadoop</a:t>
-            </a:r>
-            <a:r>
-              <a:rPr lang="en-US" altLang="zh-CN" dirty="0" smtClean="0"/>
-              <a:t> </a:t>
-            </a:r>
-            <a:r>
-              <a:rPr lang="en-US" altLang="zh-CN" dirty="0" err="1" smtClean="0"/>
-              <a:t>fs</a:t>
-            </a:r>
-            <a:r>
-              <a:rPr lang="en-US" altLang="zh-CN" dirty="0" smtClean="0"/>
-              <a:t> –</a:t>
-            </a:r>
-            <a:r>
-              <a:rPr lang="en-US" altLang="zh-CN" dirty="0" err="1" smtClean="0"/>
-              <a:t>ls</a:t>
-            </a:r>
-            <a:r>
-              <a:rPr lang="en-US" altLang="zh-CN" dirty="0" smtClean="0"/>
-              <a:t>  (</a:t>
-            </a:r>
-            <a:r>
-              <a:rPr lang="zh-CN" altLang="en-US" dirty="0" smtClean="0"/>
-              <a:t>其它相关命令参考  </a:t>
-            </a:r>
-            <a:r>
-              <a:rPr lang="en-US" altLang="zh-CN" dirty="0" smtClean="0"/>
-              <a:t>shell)</a:t>
-            </a:r>
-          </a:p>
-          <a:p>
-            <a:pPr algn="l"/>
-            <a:r>
-              <a:rPr lang="en-US" altLang="zh-CN" dirty="0" smtClean="0"/>
-              <a:t>Hadoop1 </a:t>
-            </a:r>
-            <a:r>
-              <a:rPr lang="zh-CN" altLang="en-US" dirty="0" smtClean="0"/>
-              <a:t>使用 </a:t>
-            </a:r>
-            <a:r>
-              <a:rPr lang="en-US" altLang="zh-CN" dirty="0" err="1" smtClean="0"/>
-              <a:t>fs</a:t>
-            </a:r>
-            <a:r>
-              <a:rPr lang="en-US" altLang="zh-CN" dirty="0" smtClean="0"/>
-              <a:t>   hadoop2 </a:t>
-            </a:r>
-            <a:r>
-              <a:rPr lang="zh-CN" altLang="en-US" dirty="0" smtClean="0"/>
-              <a:t>使用 </a:t>
-            </a:r>
-            <a:r>
-              <a:rPr lang="en-US" altLang="zh-CN" dirty="0" err="1" smtClean="0"/>
-              <a:t>dfs</a:t>
+            <a:r>
+              <a:rPr lang="en-US" altLang="zh-CN" dirty="0" smtClean="0"/>
+              <a:t>Peng1:8088                              # spark </a:t>
+            </a:r>
+            <a:r>
+              <a:rPr lang="zh-CN" altLang="en-US" smtClean="0"/>
+              <a:t>相关信息</a:t>
             </a:r>
             <a:endParaRPr lang="en-US" altLang="zh-CN" dirty="0" smtClean="0"/>
           </a:p>
@@ -3257,7 +3247,7 @@
     </p:spTree>
     <p:extLst>
       <p:ext uri="{BB962C8B-B14F-4D97-AF65-F5344CB8AC3E}">
-        <p14:creationId xmlns:p14="http://schemas.microsoft.com/office/powerpoint/2010/main" val="1027825157"/>
+        <p14:creationId xmlns:p14="http://schemas.microsoft.com/office/powerpoint/2010/main" val="422438344"/>
       </p:ext>
     </p:extLst>
   </p:cSld>
@@ -3305,8 +3295,16 @@
           <a:lstStyle/>
           <a:p>
             <a:r>
-              <a:rPr lang="zh-CN" altLang="en-US" dirty="0" smtClean="0"/>
-              <a:t>优劣势</a:t>
+              <a:rPr lang="en-US" altLang="zh-CN" dirty="0" err="1" smtClean="0"/>
+              <a:t>Hadoop</a:t>
+            </a:r>
+            <a:r>
+              <a:rPr lang="en-US" altLang="zh-CN" dirty="0" smtClean="0"/>
+              <a:t> </a:t>
+            </a:r>
+            <a:r>
+              <a:rPr lang="zh-CN" altLang="en-US" dirty="0" smtClean="0"/>
+              <a:t>两大核心</a:t>
             </a:r>
             <a:endParaRPr lang="zh-CN" altLang="en-US" dirty="0"/>
           </a:p>
@@ -3324,77 +3322,46 @@
         </p:nvSpPr>
         <p:spPr>
           <a:xfrm>
-            <a:off x="1524000" y="2331720"/>
-            <a:ext cx="9144000" cy="3931920"/>
-          </a:xfrm>
-        </p:spPr>
-        <p:txBody>
-          <a:bodyPr>
-            <a:normAutofit fontScale="92500" lnSpcReduction="10000"/>
-          </a:bodyPr>
+            <a:off x="1524000" y="2526030"/>
+            <a:ext cx="9144000" cy="2731770"/>
+          </a:xfrm>
+        </p:spPr>
+        <p:txBody>
+          <a:bodyPr/>
           <a:lstStyle/>
           <a:p>
             <a:pPr algn="l"/>
             <a:r>
-              <a:rPr lang="zh-CN" altLang="en-US" dirty="0" smtClean="0"/>
-              <a:t>数据冗余 硬件容错</a:t>
-            </a:r>
+              <a:rPr lang="en-US" altLang="zh-CN" dirty="0" smtClean="0"/>
+              <a:t>HDFS (</a:t>
+            </a:r>
+            <a:r>
+              <a:rPr lang="en-US" altLang="zh-CN" dirty="0" err="1" smtClean="0"/>
+              <a:t>Hadoop</a:t>
+            </a:r>
+            <a:r>
+              <a:rPr lang="en-US" altLang="zh-CN" dirty="0" smtClean="0"/>
+              <a:t> Distributed File System) </a:t>
+            </a:r>
+            <a:r>
+              <a:rPr lang="zh-CN" altLang="en-US" dirty="0" smtClean="0"/>
+              <a:t>分布式文件系统 海量数量存储</a:t>
+            </a:r>
+            <a:endParaRPr lang="en-US" altLang="zh-CN" dirty="0" smtClean="0"/>
           </a:p>
           <a:p>
             <a:pPr algn="l"/>
             <a:r>
-              <a:rPr lang="zh-CN" altLang="en-US" dirty="0" smtClean="0"/>
-              <a:t>    流式的数据访问</a:t>
-            </a:r>
-          </a:p>
-          <a:p>
-            <a:pPr algn="l"/>
-            <a:r>
-              <a:rPr lang="zh-CN" altLang="en-US" dirty="0" smtClean="0"/>
-              <a:t>    存储大文件</a:t>
-            </a:r>
-          </a:p>
-          <a:p>
-            <a:pPr algn="l"/>
-            <a:endParaRPr lang="zh-CN" altLang="en-US" dirty="0" smtClean="0"/>
-          </a:p>
-          <a:p>
-            <a:pPr algn="l"/>
-            <a:r>
-              <a:rPr lang="zh-CN" altLang="en-US" dirty="0" smtClean="0"/>
-              <a:t>    适用性和局限性</a:t>
-            </a:r>
-          </a:p>
-          <a:p>
-            <a:pPr algn="l"/>
-            <a:r>
-              <a:rPr lang="zh-CN" altLang="en-US" dirty="0" smtClean="0"/>
-              <a:t>    适合数据指读写 吞吐量高</a:t>
-            </a:r>
-          </a:p>
-          <a:p>
-            <a:pPr algn="l"/>
-            <a:r>
-              <a:rPr lang="zh-CN" altLang="en-US" dirty="0" smtClean="0"/>
-              <a:t>    不适合交互式应用 低延迟很难满足</a:t>
-            </a:r>
-          </a:p>
-          <a:p>
-            <a:pPr algn="l"/>
-            <a:endParaRPr lang="zh-CN" altLang="en-US" dirty="0" smtClean="0"/>
-          </a:p>
-          <a:p>
-            <a:pPr algn="l"/>
-            <a:r>
-              <a:rPr lang="zh-CN" altLang="en-US" dirty="0" smtClean="0"/>
-              <a:t>    适合一次写入多次读取 顺序读写</a:t>
-            </a:r>
-          </a:p>
-          <a:p>
-            <a:pPr algn="l"/>
-            <a:r>
-              <a:rPr lang="zh-CN" altLang="en-US" dirty="0" smtClean="0"/>
-              <a:t>    不支持多用户并发写相同文件</a:t>
+              <a:rPr lang="en-US" altLang="zh-CN" dirty="0" err="1" smtClean="0"/>
+              <a:t>MapReduce</a:t>
+            </a:r>
+            <a:r>
+              <a:rPr lang="en-US" altLang="zh-CN" dirty="0" smtClean="0"/>
+              <a:t> </a:t>
+            </a:r>
+            <a:r>
+              <a:rPr lang="zh-CN" altLang="en-US" dirty="0" smtClean="0"/>
+              <a:t>并行的离线计算框架  海量数据分析 实现任务分解和调 度</a:t>
             </a:r>
             <a:endParaRPr lang="en-US" altLang="zh-CN" dirty="0" smtClean="0"/>
           </a:p>
@@ -3403,7 +3370,7 @@
     </p:spTree>
     <p:extLst>
       <p:ext uri="{BB962C8B-B14F-4D97-AF65-F5344CB8AC3E}">
-        <p14:creationId xmlns:p14="http://schemas.microsoft.com/office/powerpoint/2010/main" val="4085232926"/>
+        <p14:creationId xmlns:p14="http://schemas.microsoft.com/office/powerpoint/2010/main" val="3187795854"/>
       </p:ext>
     </p:extLst>
   </p:cSld>
@@ -3451,8 +3418,8 @@
           <a:lstStyle/>
           <a:p>
             <a:r>
-              <a:rPr lang="en-US" altLang="zh-CN" dirty="0" err="1" smtClean="0"/>
-              <a:t>MapReduce</a:t>
+              <a:rPr lang="en-US" altLang="zh-CN" dirty="0" smtClean="0"/>
+              <a:t>HDFS</a:t>
             </a:r>
             <a:endParaRPr lang="zh-CN" altLang="en-US" dirty="0"/>
           </a:p>
@@ -3485,7 +3452,7 @@
       </p:sp>
       <p:pic>
         <p:nvPicPr>
-          <p:cNvPr id="5" name="图片 4"/>
+          <p:cNvPr id="4" name="图片 3"/>
           <p:cNvPicPr>
             <a:picLocks noChangeAspect="1"/>
           </p:cNvPicPr>
@@ -3505,8 +3472,8 @@
         </p:blipFill>
         <p:spPr>
           <a:xfrm>
-            <a:off x="1569720" y="2526029"/>
-            <a:ext cx="9208770" cy="4211911"/>
+            <a:off x="1019869" y="0"/>
+            <a:ext cx="9923662" cy="6858000"/>
           </a:xfrm>
           <a:prstGeom prst="rect">
             <a:avLst/>
@@ -3516,7 +3483,7 @@
     </p:spTree>
     <p:extLst>
       <p:ext uri="{BB962C8B-B14F-4D97-AF65-F5344CB8AC3E}">
-        <p14:creationId xmlns:p14="http://schemas.microsoft.com/office/powerpoint/2010/main" val="3059389352"/>
+        <p14:creationId xmlns:p14="http://schemas.microsoft.com/office/powerpoint/2010/main" val="3727401503"/>
       </p:ext>
     </p:extLst>
   </p:cSld>
@@ -3565,11 +3532,11 @@
           <a:p>
             <a:r>
               <a:rPr lang="en-US" altLang="zh-CN" dirty="0" smtClean="0"/>
-              <a:t>Google </a:t>
-            </a:r>
-            <a:r>
-              <a:rPr lang="zh-CN" altLang="en-US" dirty="0" smtClean="0"/>
-              <a:t>三大论文</a:t>
+              <a:t>HDFS </a:t>
+            </a:r>
+            <a:r>
+              <a:rPr lang="zh-CN" altLang="en-US" dirty="0" smtClean="0"/>
+              <a:t>原理分析</a:t>
             </a:r>
             <a:endParaRPr lang="zh-CN" altLang="en-US" dirty="0"/>
           </a:p>
@@ -3597,94 +3564,36 @@
           <a:p>
             <a:pPr algn="l"/>
             <a:r>
-              <a:rPr lang="en-US" altLang="zh-CN" dirty="0"/>
-              <a:t>Google File </a:t>
-            </a:r>
-            <a:r>
-              <a:rPr lang="en-US" altLang="zh-CN" dirty="0" smtClean="0"/>
-              <a:t>System</a:t>
-            </a:r>
-            <a:r>
-              <a:rPr lang="zh-CN" altLang="en-US" dirty="0"/>
-              <a:t> </a:t>
-            </a:r>
-            <a:r>
-              <a:rPr lang="zh-CN" altLang="en-US" dirty="0" smtClean="0"/>
-              <a:t> </a:t>
-            </a:r>
-            <a:r>
-              <a:rPr lang="en-US" altLang="zh-CN" dirty="0" smtClean="0"/>
-              <a:t>--- </a:t>
+              <a:rPr lang="en-US" altLang="zh-CN" dirty="0" smtClean="0"/>
+              <a:t>Client --- NN</a:t>
+            </a:r>
+            <a:r>
+              <a:rPr lang="en-US" altLang="zh-CN" dirty="0" smtClean="0"/>
+              <a:t>(</a:t>
             </a:r>
             <a:r>
               <a:rPr lang="en-US" altLang="zh-CN" dirty="0" err="1" smtClean="0"/>
-              <a:t>hadoop</a:t>
-            </a:r>
-            <a:r>
-              <a:rPr lang="en-US" altLang="zh-CN" dirty="0" smtClean="0"/>
-              <a:t> HDFS</a:t>
-            </a:r>
-            <a:r>
-              <a:rPr lang="zh-CN" altLang="en-US" dirty="0" smtClean="0"/>
-              <a:t/>
-            </a:r>
-            <a:br>
-              <a:rPr lang="zh-CN" altLang="en-US" dirty="0" smtClean="0"/>
-            </a:br>
-            <a:r>
-              <a:rPr lang="en-US" altLang="zh-CN" dirty="0"/>
-              <a:t>Google </a:t>
-            </a:r>
-            <a:r>
-              <a:rPr lang="en-US" altLang="zh-CN" dirty="0" err="1" smtClean="0"/>
-              <a:t>Bigtable</a:t>
-            </a:r>
-            <a:r>
-              <a:rPr lang="zh-CN" altLang="en-US" dirty="0"/>
-              <a:t> </a:t>
-            </a:r>
-            <a:r>
-              <a:rPr lang="en-US" altLang="zh-CN" dirty="0" smtClean="0"/>
-              <a:t>--- </a:t>
-            </a:r>
-            <a:r>
-              <a:rPr lang="en-US" altLang="zh-CN" dirty="0" err="1" smtClean="0"/>
-              <a:t>hbase</a:t>
-            </a:r>
-            <a:r>
-              <a:rPr lang="zh-CN" altLang="en-US" dirty="0" smtClean="0"/>
-              <a:t/>
-            </a:r>
-            <a:br>
-              <a:rPr lang="zh-CN" altLang="en-US" dirty="0" smtClean="0"/>
-            </a:br>
-            <a:r>
-              <a:rPr lang="en-US" altLang="zh-CN" dirty="0"/>
-              <a:t>Google </a:t>
-            </a:r>
-            <a:r>
-              <a:rPr lang="en-US" altLang="zh-CN" dirty="0" err="1" smtClean="0"/>
-              <a:t>MapReduce</a:t>
-            </a:r>
-            <a:r>
-              <a:rPr lang="zh-CN" altLang="en-US" dirty="0"/>
-              <a:t> </a:t>
-            </a:r>
-            <a:r>
-              <a:rPr lang="en-US" altLang="zh-CN" dirty="0" smtClean="0"/>
-              <a:t>--- </a:t>
-            </a:r>
-            <a:r>
-              <a:rPr lang="en-US" altLang="zh-CN" dirty="0" err="1" smtClean="0"/>
-              <a:t>hadoop</a:t>
-            </a:r>
-            <a:r>
-              <a:rPr lang="en-US" altLang="zh-CN" dirty="0" smtClean="0"/>
-              <a:t> </a:t>
-            </a:r>
-            <a:r>
-              <a:rPr lang="en-US" altLang="zh-CN" dirty="0" err="1" smtClean="0"/>
-              <a:t>mapreduce</a:t>
+              <a:t>NameNode</a:t>
+            </a:r>
+            <a:r>
+              <a:rPr lang="en-US" altLang="zh-CN" dirty="0" smtClean="0"/>
+              <a:t>) </a:t>
+            </a:r>
+            <a:r>
+              <a:rPr lang="zh-CN" altLang="en-US" dirty="0" smtClean="0"/>
+              <a:t>交互 获取文件元数据信息 </a:t>
+            </a:r>
+            <a:r>
+              <a:rPr lang="en-US" altLang="zh-CN" dirty="0" smtClean="0"/>
+              <a:t>(</a:t>
+            </a:r>
+            <a:r>
+              <a:rPr lang="zh-CN" altLang="en-US" dirty="0" smtClean="0"/>
+              <a:t>位置信息</a:t>
+            </a:r>
+            <a:r>
+              <a:rPr lang="en-US" altLang="zh-CN" dirty="0" smtClean="0"/>
+              <a:t>)</a:t>
             </a:r>
             <a:endParaRPr lang="en-US" altLang="zh-CN" dirty="0" smtClean="0"/>
           </a:p>
@@ -3693,7 +3602,7 @@
     </p:spTree>
     <p:extLst>
       <p:ext uri="{BB962C8B-B14F-4D97-AF65-F5344CB8AC3E}">
-        <p14:creationId xmlns:p14="http://schemas.microsoft.com/office/powerpoint/2010/main" val="2753018423"/>
+        <p14:creationId xmlns:p14="http://schemas.microsoft.com/office/powerpoint/2010/main" val="4227254341"/>
       </p:ext>
     </p:extLst>
   </p:cSld>
@@ -3742,7 +3651,7 @@
           <a:p>
             <a:r>
               <a:rPr lang="en-US" altLang="zh-CN" dirty="0" smtClean="0"/>
-              <a:t>hive</a:t>
+              <a:t>HDFS</a:t>
             </a:r>
             <a:endParaRPr lang="zh-CN" altLang="en-US" dirty="0"/>
           </a:p>
@@ -3769,44 +3678,128 @@
           <a:lstStyle/>
           <a:p>
             <a:pPr algn="l"/>
+            <a:r>
+              <a:rPr lang="zh-CN" altLang="en-US" dirty="0" smtClean="0"/>
+              <a:t>读 写数据</a:t>
+            </a:r>
             <a:endParaRPr lang="en-US" altLang="zh-CN" dirty="0" smtClean="0"/>
           </a:p>
-        </p:txBody>
-      </p:sp>
-      <p:pic>
-        <p:nvPicPr>
-          <p:cNvPr id="4" name="图片 3"/>
-          <p:cNvPicPr>
-            <a:picLocks noChangeAspect="1"/>
-          </p:cNvPicPr>
-          <p:nvPr/>
-        </p:nvPicPr>
-        <p:blipFill>
-          <a:blip r:embed="rId2">
-            <a:extLst>
-              <a:ext uri="{28A0092B-C50C-407E-A947-70E740481C1C}">
-                <a14:useLocalDpi xmlns:a14="http://schemas.microsoft.com/office/drawing/2010/main" val="0"/>
-              </a:ext>
-            </a:extLst>
-          </a:blip>
-          <a:stretch>
-            <a:fillRect/>
-          </a:stretch>
-        </p:blipFill>
-        <p:spPr>
-          <a:xfrm>
-            <a:off x="1524000" y="2526030"/>
-            <a:ext cx="9144000" cy="5652258"/>
-          </a:xfrm>
-          <a:prstGeom prst="rect">
-            <a:avLst/>
-          </a:prstGeom>
-        </p:spPr>
-      </p:pic>
+          <a:p>
+            <a:pPr algn="l"/>
+            <a:r>
+              <a:rPr lang="zh-CN" altLang="en-US" dirty="0" smtClean="0"/>
+              <a:t>相关术语</a:t>
+            </a:r>
+            <a:r>
+              <a:rPr lang="en-US" altLang="zh-CN" dirty="0"/>
+              <a:t> </a:t>
+            </a:r>
+            <a:r>
+              <a:rPr lang="en-US" altLang="zh-CN" dirty="0" err="1" smtClean="0"/>
+              <a:t>NameNode</a:t>
+            </a:r>
+            <a:r>
+              <a:rPr lang="en-US" altLang="zh-CN" dirty="0" smtClean="0"/>
+              <a:t> </a:t>
+            </a:r>
+            <a:r>
+              <a:rPr lang="en-US" altLang="zh-CN" dirty="0" err="1" smtClean="0"/>
+              <a:t>DataNode</a:t>
+            </a:r>
+            <a:r>
+              <a:rPr lang="en-US" altLang="zh-CN" dirty="0" smtClean="0"/>
+              <a:t> </a:t>
+            </a:r>
+            <a:r>
+              <a:rPr lang="en-US" altLang="zh-CN" dirty="0" err="1" smtClean="0"/>
+              <a:t>SecondaryNameNode</a:t>
+            </a:r>
+            <a:r>
+              <a:rPr lang="en-US" altLang="zh-CN" dirty="0" smtClean="0"/>
+              <a:t> Block</a:t>
+            </a:r>
+          </a:p>
+          <a:p>
+            <a:pPr algn="l"/>
+            <a:endParaRPr lang="en-US" altLang="zh-CN" dirty="0"/>
+          </a:p>
+          <a:p>
+            <a:pPr algn="l"/>
+            <a:r>
+              <a:rPr lang="zh-CN" altLang="en-US" dirty="0" smtClean="0"/>
+              <a:t>命令</a:t>
+            </a:r>
+            <a:endParaRPr lang="en-US" altLang="zh-CN" dirty="0" smtClean="0"/>
+          </a:p>
+          <a:p>
+            <a:pPr algn="l"/>
+            <a:r>
+              <a:rPr lang="en-US" altLang="zh-CN" dirty="0" err="1" smtClean="0"/>
+              <a:t>Hadoop</a:t>
+            </a:r>
+            <a:r>
+              <a:rPr lang="en-US" altLang="zh-CN" dirty="0" smtClean="0"/>
+              <a:t> </a:t>
+            </a:r>
+            <a:r>
+              <a:rPr lang="en-US" altLang="zh-CN" dirty="0" err="1" smtClean="0"/>
+              <a:t>fs</a:t>
+            </a:r>
+            <a:r>
+              <a:rPr lang="en-US" altLang="zh-CN" dirty="0" smtClean="0"/>
+              <a:t> –</a:t>
+            </a:r>
+            <a:r>
+              <a:rPr lang="en-US" altLang="zh-CN" dirty="0" err="1" smtClean="0"/>
+              <a:t>ls</a:t>
+            </a:r>
+            <a:r>
+              <a:rPr lang="en-US" altLang="zh-CN" dirty="0" smtClean="0"/>
+              <a:t>  (</a:t>
+            </a:r>
+            <a:r>
+              <a:rPr lang="zh-CN" altLang="en-US" dirty="0" smtClean="0"/>
+              <a:t>其它相关命令参考  </a:t>
+            </a:r>
+            <a:r>
+              <a:rPr lang="en-US" altLang="zh-CN" dirty="0" smtClean="0"/>
+              <a:t>shell)</a:t>
+            </a:r>
+          </a:p>
+          <a:p>
+            <a:pPr algn="l"/>
+            <a:r>
+              <a:rPr lang="en-US" altLang="zh-CN" dirty="0" smtClean="0"/>
+              <a:t>Hadoop1 </a:t>
+            </a:r>
+            <a:r>
+              <a:rPr lang="zh-CN" altLang="en-US" dirty="0" smtClean="0"/>
+              <a:t>使用 </a:t>
+            </a:r>
+            <a:r>
+              <a:rPr lang="en-US" altLang="zh-CN" dirty="0" err="1" smtClean="0"/>
+              <a:t>fs</a:t>
+            </a:r>
+            <a:r>
+              <a:rPr lang="en-US" altLang="zh-CN" dirty="0" smtClean="0"/>
+              <a:t>   hadoop2 </a:t>
+            </a:r>
+            <a:r>
+              <a:rPr lang="zh-CN" altLang="en-US" dirty="0" smtClean="0"/>
+              <a:t>使用 </a:t>
+            </a:r>
+            <a:r>
+              <a:rPr lang="en-US" altLang="zh-CN" dirty="0" err="1" smtClean="0"/>
+              <a:t>dfs</a:t>
+            </a:r>
+            <a:endParaRPr lang="en-US" altLang="zh-CN" dirty="0" smtClean="0"/>
+          </a:p>
+        </p:txBody>
+      </p:sp>
     </p:spTree>
     <p:extLst>
       <p:ext uri="{BB962C8B-B14F-4D97-AF65-F5344CB8AC3E}">
-        <p14:creationId xmlns:p14="http://schemas.microsoft.com/office/powerpoint/2010/main" val="2334459120"/>
+        <p14:creationId xmlns:p14="http://schemas.microsoft.com/office/powerpoint/2010/main" val="1027825157"/>
       </p:ext>
     </p:extLst>
   </p:cSld>
@@ -3854,20 +3847,8 @@
           <a:lstStyle/>
           <a:p>
             <a:r>
-              <a:rPr lang="en-US" altLang="zh-CN" dirty="0" smtClean="0"/>
-              <a:t>JDBC </a:t>
-            </a:r>
-            <a:r>
-              <a:rPr lang="zh-CN" altLang="en-US" dirty="0" smtClean="0"/>
-              <a:t>操作 </a:t>
-            </a:r>
-            <a:r>
-              <a:rPr lang="en-US" altLang="zh-CN" dirty="0"/>
-              <a:t>H</a:t>
-            </a:r>
-            <a:r>
-              <a:rPr lang="en-US" altLang="zh-CN" dirty="0" smtClean="0"/>
-              <a:t>ive</a:t>
+              <a:rPr lang="zh-CN" altLang="en-US" dirty="0" smtClean="0"/>
+              <a:t>优劣势</a:t>
             </a:r>
             <a:endParaRPr lang="zh-CN" altLang="en-US" dirty="0"/>
           </a:p>
@@ -3885,76 +3866,77 @@
         </p:nvSpPr>
         <p:spPr>
           <a:xfrm>
-            <a:off x="1524000" y="2526030"/>
-            <a:ext cx="9144000" cy="2731770"/>
-          </a:xfrm>
-        </p:spPr>
-        <p:txBody>
-          <a:bodyPr/>
+            <a:off x="1524000" y="2331720"/>
+            <a:ext cx="9144000" cy="3931920"/>
+          </a:xfrm>
+        </p:spPr>
+        <p:txBody>
+          <a:bodyPr>
+            <a:normAutofit fontScale="92500" lnSpcReduction="10000"/>
+          </a:bodyPr>
           <a:lstStyle/>
           <a:p>
             <a:pPr algn="l"/>
             <a:r>
               <a:rPr lang="zh-CN" altLang="en-US" dirty="0" smtClean="0"/>
-              <a:t>开启 </a:t>
-            </a:r>
-            <a:r>
-              <a:rPr lang="en-US" altLang="zh-CN" dirty="0" smtClean="0"/>
-              <a:t>hive </a:t>
-            </a:r>
-            <a:r>
-              <a:rPr lang="zh-CN" altLang="en-US" dirty="0" smtClean="0"/>
-              <a:t>服务    </a:t>
-            </a:r>
-            <a:r>
-              <a:rPr lang="en-US" altLang="zh-CN" dirty="0" smtClean="0"/>
-              <a:t>hive –service hiveserver2</a:t>
+              <a:t>数据冗余 硬件容错</a:t>
             </a:r>
           </a:p>
           <a:p>
             <a:pPr algn="l"/>
             <a:r>
               <a:rPr lang="zh-CN" altLang="en-US" dirty="0" smtClean="0"/>
-              <a:t>编写增删改查代码</a:t>
-            </a:r>
-            <a:endParaRPr lang="en-US" altLang="zh-CN" dirty="0" smtClean="0"/>
+              <a:t>    流式的数据访问</a:t>
+            </a:r>
           </a:p>
           <a:p>
             <a:pPr algn="l"/>
             <a:r>
               <a:rPr lang="zh-CN" altLang="en-US" dirty="0" smtClean="0"/>
-              <a:t>进入 </a:t>
-            </a:r>
-            <a:r>
-              <a:rPr lang="en-US" altLang="zh-CN" dirty="0" smtClean="0"/>
-              <a:t>hive </a:t>
-            </a:r>
-            <a:r>
-              <a:rPr lang="zh-CN" altLang="en-US" dirty="0" smtClean="0"/>
-              <a:t>库        </a:t>
-            </a:r>
-            <a:r>
-              <a:rPr lang="en-US" altLang="zh-CN" dirty="0" smtClean="0"/>
-              <a:t>hive</a:t>
+              <a:t>    存储大文件</a:t>
             </a:r>
           </a:p>
           <a:p>
             <a:pPr algn="l"/>
-            <a:r>
-              <a:rPr lang="en-US" altLang="zh-CN" dirty="0" smtClean="0"/>
-              <a:t>hive&gt; # </a:t>
-            </a:r>
-            <a:r>
-              <a:rPr lang="zh-CN" altLang="en-US" dirty="0" smtClean="0"/>
-              <a:t>查看 </a:t>
-            </a:r>
-            <a:r>
-              <a:rPr lang="en-US" altLang="zh-CN" dirty="0" smtClean="0"/>
-              <a:t>hive </a:t>
-            </a:r>
-            <a:r>
-              <a:rPr lang="zh-CN" altLang="en-US" smtClean="0"/>
-              <a:t>数据是否正确</a:t>
+            <a:endParaRPr lang="zh-CN" altLang="en-US" dirty="0" smtClean="0"/>
+          </a:p>
+          <a:p>
+            <a:pPr algn="l"/>
+            <a:r>
+              <a:rPr lang="zh-CN" altLang="en-US" dirty="0" smtClean="0"/>
+              <a:t>    适用性和局限性</a:t>
+            </a:r>
+          </a:p>
+          <a:p>
+            <a:pPr algn="l"/>
+            <a:r>
+              <a:rPr lang="zh-CN" altLang="en-US" dirty="0" smtClean="0"/>
+              <a:t>    适合数据指读写 吞吐量高</a:t>
+            </a:r>
+          </a:p>
+          <a:p>
+            <a:pPr algn="l"/>
+            <a:r>
+              <a:rPr lang="zh-CN" altLang="en-US" dirty="0" smtClean="0"/>
+              <a:t>    不适合交互式应用 低延迟很难满足</a:t>
+            </a:r>
+          </a:p>
+          <a:p>
+            <a:pPr algn="l"/>
+            <a:endParaRPr lang="zh-CN" altLang="en-US" dirty="0" smtClean="0"/>
+          </a:p>
+          <a:p>
+            <a:pPr algn="l"/>
+            <a:r>
+              <a:rPr lang="zh-CN" altLang="en-US" dirty="0" smtClean="0"/>
+              <a:t>    适合一次写入多次读取 顺序读写</a:t>
+            </a:r>
+          </a:p>
+          <a:p>
+            <a:pPr algn="l"/>
+            <a:r>
+              <a:rPr lang="zh-CN" altLang="en-US" dirty="0" smtClean="0"/>
+              <a:t>    不支持多用户并发写相同文件</a:t>
             </a:r>
             <a:endParaRPr lang="en-US" altLang="zh-CN" dirty="0" smtClean="0"/>
           </a:p>
@@ -3963,7 +3945,7 @@
     </p:spTree>
     <p:extLst>
       <p:ext uri="{BB962C8B-B14F-4D97-AF65-F5344CB8AC3E}">
-        <p14:creationId xmlns:p14="http://schemas.microsoft.com/office/powerpoint/2010/main" val="1614495860"/>
+        <p14:creationId xmlns:p14="http://schemas.microsoft.com/office/powerpoint/2010/main" val="4085232926"/>
       </p:ext>
     </p:extLst>
   </p:cSld>
@@ -4012,7 +3994,7 @@
           <a:p>
             <a:r>
               <a:rPr lang="en-US" altLang="zh-CN" dirty="0" err="1" smtClean="0"/>
-              <a:t>hbase</a:t>
+              <a:t>MapReduce</a:t>
             </a:r>
             <a:endParaRPr lang="zh-CN" altLang="en-US" dirty="0"/>
           </a:p>
@@ -4039,16 +4021,13 @@
           <a:lstStyle/>
           <a:p>
             <a:pPr algn="l"/>
-            <a:r>
-              <a:rPr lang="en-US" altLang="zh-CN" dirty="0" smtClean="0"/>
-              <a:t> </a:t>
-            </a:r>
+            <a:endParaRPr lang="en-US" altLang="zh-CN" dirty="0" smtClean="0"/>
           </a:p>
         </p:txBody>
       </p:sp>
       <p:pic>
         <p:nvPicPr>
-          <p:cNvPr id="4" name="图片 3"/>
+          <p:cNvPr id="5" name="图片 4"/>
           <p:cNvPicPr>
             <a:picLocks noChangeAspect="1"/>
           </p:cNvPicPr>
@@ -4068,8 +4047,8 @@
         </p:blipFill>
         <p:spPr>
           <a:xfrm>
-            <a:off x="1413510" y="2184483"/>
-            <a:ext cx="9254490" cy="4673517"/>
+            <a:off x="1569720" y="2526029"/>
+            <a:ext cx="9208770" cy="4211911"/>
           </a:xfrm>
           <a:prstGeom prst="rect">
             <a:avLst/>
@@ -4079,7 +4058,7 @@
     </p:spTree>
     <p:extLst>
       <p:ext uri="{BB962C8B-B14F-4D97-AF65-F5344CB8AC3E}">
-        <p14:creationId xmlns:p14="http://schemas.microsoft.com/office/powerpoint/2010/main" val="1379824367"/>
+        <p14:creationId xmlns:p14="http://schemas.microsoft.com/office/powerpoint/2010/main" val="3059389352"/>
       </p:ext>
     </p:extLst>
   </p:cSld>
@@ -4127,12 +4106,16 @@
           <a:lstStyle/>
           <a:p>
             <a:r>
-              <a:rPr lang="en-US" altLang="zh-CN" dirty="0" smtClean="0"/>
-              <a:t>Google </a:t>
-            </a:r>
-            <a:r>
-              <a:rPr lang="zh-CN" altLang="en-US" dirty="0" smtClean="0"/>
-              <a:t>三大论文</a:t>
+              <a:rPr lang="en-US" altLang="zh-CN" dirty="0" err="1" smtClean="0"/>
+              <a:t>MapReduce</a:t>
+            </a:r>
+            <a:r>
+              <a:rPr lang="en-US" altLang="zh-CN" dirty="0" smtClean="0"/>
+              <a:t> </a:t>
+            </a:r>
+            <a:r>
+              <a:rPr lang="zh-CN" altLang="en-US" dirty="0" smtClean="0"/>
+              <a:t>原理分析</a:t>
             </a:r>
             <a:endParaRPr lang="zh-CN" altLang="en-US" dirty="0"/>
           </a:p>
@@ -4160,94 +4143,78 @@
           <a:p>
             <a:pPr algn="l"/>
             <a:r>
-              <a:rPr lang="en-US" altLang="zh-CN" dirty="0"/>
-              <a:t>Google File </a:t>
-            </a:r>
-            <a:r>
-              <a:rPr lang="en-US" altLang="zh-CN" dirty="0" smtClean="0"/>
-              <a:t>System</a:t>
-            </a:r>
-            <a:r>
-              <a:rPr lang="zh-CN" altLang="en-US" dirty="0"/>
+              <a:rPr lang="en-US" altLang="zh-CN" dirty="0" smtClean="0"/>
+              <a:t>Input </a:t>
+            </a:r>
+            <a:r>
+              <a:rPr lang="zh-CN" altLang="en-US" dirty="0" smtClean="0"/>
+              <a:t>输入 </a:t>
+            </a:r>
+            <a:r>
+              <a:rPr lang="en-US" altLang="zh-CN" dirty="0" smtClean="0"/>
+              <a:t>(</a:t>
+            </a:r>
+            <a:r>
+              <a:rPr lang="zh-CN" altLang="en-US" dirty="0" smtClean="0"/>
+              <a:t>接受输入文件</a:t>
+            </a:r>
+            <a:r>
+              <a:rPr lang="en-US" altLang="zh-CN" dirty="0" smtClean="0"/>
+              <a:t>)</a:t>
+            </a:r>
+          </a:p>
+          <a:p>
+            <a:pPr algn="l"/>
+            <a:r>
+              <a:rPr lang="en-US" altLang="zh-CN" dirty="0" err="1" smtClean="0"/>
+              <a:t>Spliting</a:t>
+            </a:r>
+            <a:r>
+              <a:rPr lang="en-US" altLang="zh-CN" dirty="0" smtClean="0"/>
               <a:t> </a:t>
             </a:r>
             <a:r>
               <a:rPr lang="zh-CN" altLang="en-US" dirty="0" smtClean="0"/>
-              <a:t> </a:t>
-            </a:r>
-            <a:r>
-              <a:rPr lang="en-US" altLang="zh-CN" dirty="0" smtClean="0"/>
-              <a:t>--- </a:t>
-            </a:r>
-            <a:r>
-              <a:rPr lang="en-US" altLang="zh-CN" dirty="0" err="1" smtClean="0"/>
-              <a:t>hadoop</a:t>
-            </a:r>
-            <a:r>
-              <a:rPr lang="en-US" altLang="zh-CN" dirty="0" smtClean="0"/>
-              <a:t> HDFS</a:t>
-            </a:r>
-            <a:r>
-              <a:rPr lang="zh-CN" altLang="en-US" dirty="0" smtClean="0"/>
-              <a:t/>
-            </a:r>
-            <a:br>
-              <a:rPr lang="zh-CN" altLang="en-US" dirty="0" smtClean="0"/>
-            </a:br>
-            <a:r>
-              <a:rPr lang="en-US" altLang="zh-CN" dirty="0"/>
-              <a:t>Google </a:t>
-            </a:r>
-            <a:r>
-              <a:rPr lang="en-US" altLang="zh-CN" dirty="0" err="1" smtClean="0"/>
-              <a:t>Bigtable</a:t>
-            </a:r>
-            <a:r>
-              <a:rPr lang="zh-CN" altLang="en-US" dirty="0"/>
-              <a:t> </a:t>
-            </a:r>
-            <a:r>
-              <a:rPr lang="en-US" altLang="zh-CN" dirty="0" smtClean="0"/>
-              <a:t>--- </a:t>
-            </a:r>
-            <a:r>
-              <a:rPr lang="en-US" altLang="zh-CN" dirty="0" err="1" smtClean="0"/>
-              <a:t>hbase</a:t>
-            </a:r>
-            <a:r>
-              <a:rPr lang="zh-CN" altLang="en-US" dirty="0" smtClean="0"/>
-              <a:t/>
-            </a:r>
-            <a:br>
-              <a:rPr lang="zh-CN" altLang="en-US" dirty="0" smtClean="0"/>
-            </a:br>
-            <a:r>
-              <a:rPr lang="en-US" altLang="zh-CN" dirty="0"/>
-              <a:t>Google </a:t>
-            </a:r>
-            <a:r>
-              <a:rPr lang="en-US" altLang="zh-CN" dirty="0" err="1" smtClean="0"/>
-              <a:t>MapReduce</a:t>
-            </a:r>
-            <a:r>
-              <a:rPr lang="zh-CN" altLang="en-US" dirty="0"/>
-              <a:t> </a:t>
-            </a:r>
-            <a:r>
-              <a:rPr lang="en-US" altLang="zh-CN" dirty="0" smtClean="0"/>
-              <a:t>--- </a:t>
-            </a:r>
-            <a:r>
-              <a:rPr lang="en-US" altLang="zh-CN" dirty="0" err="1" smtClean="0"/>
-              <a:t>hadoop</a:t>
-            </a:r>
-            <a:r>
-              <a:rPr lang="en-US" altLang="zh-CN" dirty="0" smtClean="0"/>
-              <a:t> </a:t>
-            </a:r>
-            <a:r>
-              <a:rPr lang="en-US" altLang="zh-CN" dirty="0" err="1" smtClean="0"/>
-              <a:t>mapreduce</a:t>
+              <a:t>将输入文件切分为若干份</a:t>
+            </a:r>
+            <a:endParaRPr lang="en-US" altLang="zh-CN" dirty="0" smtClean="0"/>
+          </a:p>
+          <a:p>
+            <a:pPr algn="l"/>
+            <a:r>
+              <a:rPr lang="en-US" altLang="zh-CN" dirty="0" smtClean="0"/>
+              <a:t>Mapping </a:t>
+            </a:r>
+            <a:r>
+              <a:rPr lang="zh-CN" altLang="en-US" dirty="0" smtClean="0"/>
+              <a:t>一行一个 </a:t>
+            </a:r>
+            <a:r>
+              <a:rPr lang="en-US" altLang="zh-CN" dirty="0" smtClean="0"/>
+              <a:t>map</a:t>
+            </a:r>
+            <a:r>
+              <a:rPr lang="zh-CN" altLang="en-US" dirty="0" smtClean="0"/>
+              <a:t>任务</a:t>
+            </a:r>
+            <a:endParaRPr lang="en-US" altLang="zh-CN" dirty="0" smtClean="0"/>
+          </a:p>
+          <a:p>
+            <a:pPr algn="l"/>
+            <a:r>
+              <a:rPr lang="en-US" altLang="zh-CN" dirty="0" smtClean="0"/>
+              <a:t>Shuffling</a:t>
+            </a:r>
+          </a:p>
+          <a:p>
+            <a:pPr algn="l"/>
+            <a:r>
+              <a:rPr lang="en-US" altLang="zh-CN" dirty="0" smtClean="0"/>
+              <a:t>Reduce </a:t>
+            </a:r>
+            <a:r>
+              <a:rPr lang="zh-CN" altLang="en-US" smtClean="0"/>
+              <a:t>合并计算</a:t>
             </a:r>
             <a:endParaRPr lang="en-US" altLang="zh-CN" dirty="0" smtClean="0"/>
           </a:p>
@@ -4256,7 +4223,277 @@
     </p:spTree>
     <p:extLst>
       <p:ext uri="{BB962C8B-B14F-4D97-AF65-F5344CB8AC3E}">
-        <p14:creationId xmlns:p14="http://schemas.microsoft.com/office/powerpoint/2010/main" val="2351286495"/>
+        <p14:creationId xmlns:p14="http://schemas.microsoft.com/office/powerpoint/2010/main" val="2753018423"/>
+      </p:ext>
+    </p:extLst>
+  </p:cSld>
+  <p:clrMapOvr>
+    <a:masterClrMapping/>
+  </p:clrMapOvr>
+</p:sld>
+</file>
+
+<file path=ppt/slides/slide18.xml><?xml version="1.0" encoding="utf-8"?>
+<p:sld xmlns:a="http://schemas.openxmlformats.org/drawingml/2006/main" xmlns:r="http://schemas.openxmlformats.org/officeDocument/2006/relationships" xmlns:p="http://schemas.openxmlformats.org/presentationml/2006/main">
+  <p:cSld>
+    <p:spTree>
+      <p:nvGrpSpPr>
+        <p:cNvPr id="1" name=""/>
+        <p:cNvGrpSpPr/>
+        <p:nvPr/>
+      </p:nvGrpSpPr>
+      <p:grpSpPr>
+        <a:xfrm>
+          <a:off x="0" y="0"/>
+          <a:ext cx="0" cy="0"/>
+          <a:chOff x="0" y="0"/>
+          <a:chExt cx="0" cy="0"/>
+        </a:xfrm>
+      </p:grpSpPr>
+      <p:sp>
+        <p:nvSpPr>
+          <p:cNvPr id="2" name="标题 1"/>
+          <p:cNvSpPr>
+            <a:spLocks noGrp="1"/>
+          </p:cNvSpPr>
+          <p:nvPr>
+            <p:ph type="ctrTitle"/>
+          </p:nvPr>
+        </p:nvSpPr>
+        <p:spPr>
+          <a:xfrm>
+            <a:off x="1524000" y="982980"/>
+            <a:ext cx="9254490" cy="1188720"/>
+          </a:xfrm>
+        </p:spPr>
+        <p:txBody>
+          <a:bodyPr/>
+          <a:lstStyle/>
+          <a:p>
+            <a:r>
+              <a:rPr lang="en-US" altLang="zh-CN" dirty="0" smtClean="0"/>
+              <a:t>hive</a:t>
+            </a:r>
+            <a:endParaRPr lang="zh-CN" altLang="en-US" dirty="0"/>
+          </a:p>
+        </p:txBody>
+      </p:sp>
+      <p:sp>
+        <p:nvSpPr>
+          <p:cNvPr id="3" name="副标题 2"/>
+          <p:cNvSpPr>
+            <a:spLocks noGrp="1"/>
+          </p:cNvSpPr>
+          <p:nvPr>
+            <p:ph type="subTitle" idx="1"/>
+          </p:nvPr>
+        </p:nvSpPr>
+        <p:spPr>
+          <a:xfrm>
+            <a:off x="1524000" y="2526030"/>
+            <a:ext cx="9144000" cy="2731770"/>
+          </a:xfrm>
+        </p:spPr>
+        <p:txBody>
+          <a:bodyPr/>
+          <a:lstStyle/>
+          <a:p>
+            <a:pPr algn="l"/>
+            <a:endParaRPr lang="en-US" altLang="zh-CN" dirty="0" smtClean="0"/>
+          </a:p>
+        </p:txBody>
+      </p:sp>
+      <p:pic>
+        <p:nvPicPr>
+          <p:cNvPr id="4" name="图片 3"/>
+          <p:cNvPicPr>
+            <a:picLocks noChangeAspect="1"/>
+          </p:cNvPicPr>
+          <p:nvPr/>
+        </p:nvPicPr>
+        <p:blipFill>
+          <a:blip r:embed="rId2">
+            <a:extLst>
+              <a:ext uri="{28A0092B-C50C-407E-A947-70E740481C1C}">
+                <a14:useLocalDpi xmlns:a14="http://schemas.microsoft.com/office/drawing/2010/main" val="0"/>
+              </a:ext>
+            </a:extLst>
+          </a:blip>
+          <a:stretch>
+            <a:fillRect/>
+          </a:stretch>
+        </p:blipFill>
+        <p:spPr>
+          <a:xfrm>
+            <a:off x="1524000" y="2526030"/>
+            <a:ext cx="9144000" cy="5652258"/>
+          </a:xfrm>
+          <a:prstGeom prst="rect">
+            <a:avLst/>
+          </a:prstGeom>
+        </p:spPr>
+      </p:pic>
+    </p:spTree>
+    <p:extLst>
+      <p:ext uri="{BB962C8B-B14F-4D97-AF65-F5344CB8AC3E}">
+        <p14:creationId xmlns:p14="http://schemas.microsoft.com/office/powerpoint/2010/main" val="2334459120"/>
+      </p:ext>
+    </p:extLst>
+  </p:cSld>
+  <p:clrMapOvr>
+    <a:masterClrMapping/>
+  </p:clrMapOvr>
+</p:sld>
+</file>
+
+<file path=ppt/slides/slide19.xml><?xml version="1.0" encoding="utf-8"?>
+<p:sld xmlns:a="http://schemas.openxmlformats.org/drawingml/2006/main" xmlns:r="http://schemas.openxmlformats.org/officeDocument/2006/relationships" xmlns:p="http://schemas.openxmlformats.org/presentationml/2006/main">
+  <p:cSld>
+    <p:spTree>
+      <p:nvGrpSpPr>
+        <p:cNvPr id="1" name=""/>
+        <p:cNvGrpSpPr/>
+        <p:nvPr/>
+      </p:nvGrpSpPr>
+      <p:grpSpPr>
+        <a:xfrm>
+          <a:off x="0" y="0"/>
+          <a:ext cx="0" cy="0"/>
+          <a:chOff x="0" y="0"/>
+          <a:chExt cx="0" cy="0"/>
+        </a:xfrm>
+      </p:grpSpPr>
+      <p:sp>
+        <p:nvSpPr>
+          <p:cNvPr id="2" name="标题 1"/>
+          <p:cNvSpPr>
+            <a:spLocks noGrp="1"/>
+          </p:cNvSpPr>
+          <p:nvPr>
+            <p:ph type="ctrTitle"/>
+          </p:nvPr>
+        </p:nvSpPr>
+        <p:spPr>
+          <a:xfrm>
+            <a:off x="1524000" y="982980"/>
+            <a:ext cx="9254490" cy="1188720"/>
+          </a:xfrm>
+        </p:spPr>
+        <p:txBody>
+          <a:bodyPr/>
+          <a:lstStyle/>
+          <a:p>
+            <a:r>
+              <a:rPr lang="en-US" altLang="zh-CN" dirty="0" smtClean="0"/>
+              <a:t>JDBC </a:t>
+            </a:r>
+            <a:r>
+              <a:rPr lang="zh-CN" altLang="en-US" dirty="0" smtClean="0"/>
+              <a:t>操作 </a:t>
+            </a:r>
+            <a:r>
+              <a:rPr lang="en-US" altLang="zh-CN" dirty="0"/>
+              <a:t>H</a:t>
+            </a:r>
+            <a:r>
+              <a:rPr lang="en-US" altLang="zh-CN" dirty="0" smtClean="0"/>
+              <a:t>ive</a:t>
+            </a:r>
+            <a:endParaRPr lang="zh-CN" altLang="en-US" dirty="0"/>
+          </a:p>
+        </p:txBody>
+      </p:sp>
+      <p:sp>
+        <p:nvSpPr>
+          <p:cNvPr id="3" name="副标题 2"/>
+          <p:cNvSpPr>
+            <a:spLocks noGrp="1"/>
+          </p:cNvSpPr>
+          <p:nvPr>
+            <p:ph type="subTitle" idx="1"/>
+          </p:nvPr>
+        </p:nvSpPr>
+        <p:spPr>
+          <a:xfrm>
+            <a:off x="1524000" y="2526030"/>
+            <a:ext cx="9144000" cy="2731770"/>
+          </a:xfrm>
+        </p:spPr>
+        <p:txBody>
+          <a:bodyPr/>
+          <a:lstStyle/>
+          <a:p>
+            <a:pPr algn="l"/>
+            <a:r>
+              <a:rPr lang="zh-CN" altLang="en-US" dirty="0" smtClean="0"/>
+              <a:t>开启 </a:t>
+            </a:r>
+            <a:r>
+              <a:rPr lang="en-US" altLang="zh-CN" dirty="0" smtClean="0"/>
+              <a:t>hive </a:t>
+            </a:r>
+            <a:r>
+              <a:rPr lang="zh-CN" altLang="en-US" dirty="0" smtClean="0"/>
+              <a:t>服务    </a:t>
+            </a:r>
+            <a:r>
+              <a:rPr lang="en-US" altLang="zh-CN" dirty="0" smtClean="0"/>
+              <a:t>hive –service hiveserver2</a:t>
+            </a:r>
+          </a:p>
+          <a:p>
+            <a:pPr algn="l"/>
+            <a:r>
+              <a:rPr lang="zh-CN" altLang="en-US" dirty="0" smtClean="0"/>
+              <a:t>编写增删改查代码</a:t>
+            </a:r>
+            <a:endParaRPr lang="en-US" altLang="zh-CN" dirty="0" smtClean="0"/>
+          </a:p>
+          <a:p>
+            <a:pPr algn="l"/>
+            <a:r>
+              <a:rPr lang="zh-CN" altLang="en-US" dirty="0" smtClean="0"/>
+              <a:t>进入 </a:t>
+            </a:r>
+            <a:r>
+              <a:rPr lang="en-US" altLang="zh-CN" dirty="0" smtClean="0"/>
+              <a:t>hive </a:t>
+            </a:r>
+            <a:r>
+              <a:rPr lang="zh-CN" altLang="en-US" dirty="0" smtClean="0"/>
+              <a:t>库        </a:t>
+            </a:r>
+            <a:r>
+              <a:rPr lang="en-US" altLang="zh-CN" dirty="0" smtClean="0"/>
+              <a:t>hive</a:t>
+            </a:r>
+          </a:p>
+          <a:p>
+            <a:pPr algn="l"/>
+            <a:r>
+              <a:rPr lang="en-US" altLang="zh-CN" dirty="0" smtClean="0"/>
+              <a:t>hive&gt; # </a:t>
+            </a:r>
+            <a:r>
+              <a:rPr lang="zh-CN" altLang="en-US" dirty="0" smtClean="0"/>
+              <a:t>查看 </a:t>
+            </a:r>
+            <a:r>
+              <a:rPr lang="en-US" altLang="zh-CN" dirty="0" smtClean="0"/>
+              <a:t>hive </a:t>
+            </a:r>
+            <a:r>
+              <a:rPr lang="zh-CN" altLang="en-US" smtClean="0"/>
+              <a:t>数据是否正确</a:t>
+            </a:r>
+            <a:endParaRPr lang="en-US" altLang="zh-CN" dirty="0" smtClean="0"/>
+          </a:p>
+        </p:txBody>
+      </p:sp>
+    </p:spTree>
+    <p:extLst>
+      <p:ext uri="{BB962C8B-B14F-4D97-AF65-F5344CB8AC3E}">
+        <p14:creationId xmlns:p14="http://schemas.microsoft.com/office/powerpoint/2010/main" val="1614495860"/>
       </p:ext>
     </p:extLst>
   </p:cSld>
@@ -4381,6 +4618,299 @@
     <p:extLst>
       <p:ext uri="{BB962C8B-B14F-4D97-AF65-F5344CB8AC3E}">
         <p14:creationId xmlns:p14="http://schemas.microsoft.com/office/powerpoint/2010/main" val="1965612275"/>
+      </p:ext>
+    </p:extLst>
+  </p:cSld>
+  <p:clrMapOvr>
+    <a:masterClrMapping/>
+  </p:clrMapOvr>
+</p:sld>
+</file>
+
+<file path=ppt/slides/slide20.xml><?xml version="1.0" encoding="utf-8"?>
+<p:sld xmlns:a="http://schemas.openxmlformats.org/drawingml/2006/main" xmlns:r="http://schemas.openxmlformats.org/officeDocument/2006/relationships" xmlns:p="http://schemas.openxmlformats.org/presentationml/2006/main">
+  <p:cSld>
+    <p:spTree>
+      <p:nvGrpSpPr>
+        <p:cNvPr id="1" name=""/>
+        <p:cNvGrpSpPr/>
+        <p:nvPr/>
+      </p:nvGrpSpPr>
+      <p:grpSpPr>
+        <a:xfrm>
+          <a:off x="0" y="0"/>
+          <a:ext cx="0" cy="0"/>
+          <a:chOff x="0" y="0"/>
+          <a:chExt cx="0" cy="0"/>
+        </a:xfrm>
+      </p:grpSpPr>
+      <p:sp>
+        <p:nvSpPr>
+          <p:cNvPr id="2" name="标题 1"/>
+          <p:cNvSpPr>
+            <a:spLocks noGrp="1"/>
+          </p:cNvSpPr>
+          <p:nvPr>
+            <p:ph type="ctrTitle"/>
+          </p:nvPr>
+        </p:nvSpPr>
+        <p:spPr>
+          <a:xfrm>
+            <a:off x="1524000" y="982980"/>
+            <a:ext cx="9254490" cy="1188720"/>
+          </a:xfrm>
+        </p:spPr>
+        <p:txBody>
+          <a:bodyPr/>
+          <a:lstStyle/>
+          <a:p>
+            <a:r>
+              <a:rPr lang="en-US" altLang="zh-CN" dirty="0" err="1" smtClean="0"/>
+              <a:t>hbase</a:t>
+            </a:r>
+            <a:endParaRPr lang="zh-CN" altLang="en-US" dirty="0"/>
+          </a:p>
+        </p:txBody>
+      </p:sp>
+      <p:sp>
+        <p:nvSpPr>
+          <p:cNvPr id="3" name="副标题 2"/>
+          <p:cNvSpPr>
+            <a:spLocks noGrp="1"/>
+          </p:cNvSpPr>
+          <p:nvPr>
+            <p:ph type="subTitle" idx="1"/>
+          </p:nvPr>
+        </p:nvSpPr>
+        <p:spPr>
+          <a:xfrm>
+            <a:off x="1524000" y="2526030"/>
+            <a:ext cx="9144000" cy="2731770"/>
+          </a:xfrm>
+        </p:spPr>
+        <p:txBody>
+          <a:bodyPr/>
+          <a:lstStyle/>
+          <a:p>
+            <a:pPr algn="l"/>
+            <a:r>
+              <a:rPr lang="en-US" altLang="zh-CN" dirty="0" smtClean="0"/>
+              <a:t> </a:t>
+            </a:r>
+          </a:p>
+        </p:txBody>
+      </p:sp>
+      <p:pic>
+        <p:nvPicPr>
+          <p:cNvPr id="4" name="图片 3"/>
+          <p:cNvPicPr>
+            <a:picLocks noChangeAspect="1"/>
+          </p:cNvPicPr>
+          <p:nvPr/>
+        </p:nvPicPr>
+        <p:blipFill>
+          <a:blip r:embed="rId2">
+            <a:extLst>
+              <a:ext uri="{28A0092B-C50C-407E-A947-70E740481C1C}">
+                <a14:useLocalDpi xmlns:a14="http://schemas.microsoft.com/office/drawing/2010/main" val="0"/>
+              </a:ext>
+            </a:extLst>
+          </a:blip>
+          <a:stretch>
+            <a:fillRect/>
+          </a:stretch>
+        </p:blipFill>
+        <p:spPr>
+          <a:xfrm>
+            <a:off x="1413510" y="2184483"/>
+            <a:ext cx="9254490" cy="4673517"/>
+          </a:xfrm>
+          <a:prstGeom prst="rect">
+            <a:avLst/>
+          </a:prstGeom>
+        </p:spPr>
+      </p:pic>
+    </p:spTree>
+    <p:extLst>
+      <p:ext uri="{BB962C8B-B14F-4D97-AF65-F5344CB8AC3E}">
+        <p14:creationId xmlns:p14="http://schemas.microsoft.com/office/powerpoint/2010/main" val="1379824367"/>
+      </p:ext>
+    </p:extLst>
+  </p:cSld>
+  <p:clrMapOvr>
+    <a:masterClrMapping/>
+  </p:clrMapOvr>
+</p:sld>
+</file>
+
+<file path=ppt/slides/slide21.xml><?xml version="1.0" encoding="utf-8"?>
+<p:sld xmlns:a="http://schemas.openxmlformats.org/drawingml/2006/main" xmlns:r="http://schemas.openxmlformats.org/officeDocument/2006/relationships" xmlns:p="http://schemas.openxmlformats.org/presentationml/2006/main">
+  <p:cSld>
+    <p:spTree>
+      <p:nvGrpSpPr>
+        <p:cNvPr id="1" name=""/>
+        <p:cNvGrpSpPr/>
+        <p:nvPr/>
+      </p:nvGrpSpPr>
+      <p:grpSpPr>
+        <a:xfrm>
+          <a:off x="0" y="0"/>
+          <a:ext cx="0" cy="0"/>
+          <a:chOff x="0" y="0"/>
+          <a:chExt cx="0" cy="0"/>
+        </a:xfrm>
+      </p:grpSpPr>
+      <p:sp>
+        <p:nvSpPr>
+          <p:cNvPr id="2" name="标题 1"/>
+          <p:cNvSpPr>
+            <a:spLocks noGrp="1"/>
+          </p:cNvSpPr>
+          <p:nvPr>
+            <p:ph type="ctrTitle"/>
+          </p:nvPr>
+        </p:nvSpPr>
+        <p:spPr>
+          <a:xfrm>
+            <a:off x="1524000" y="982980"/>
+            <a:ext cx="9254490" cy="1188720"/>
+          </a:xfrm>
+        </p:spPr>
+        <p:txBody>
+          <a:bodyPr/>
+          <a:lstStyle/>
+          <a:p>
+            <a:r>
+              <a:rPr lang="en-US" altLang="zh-CN" dirty="0" smtClean="0"/>
+              <a:t>Google </a:t>
+            </a:r>
+            <a:r>
+              <a:rPr lang="zh-CN" altLang="en-US" dirty="0" smtClean="0"/>
+              <a:t>三大论文</a:t>
+            </a:r>
+            <a:endParaRPr lang="zh-CN" altLang="en-US" dirty="0"/>
+          </a:p>
+        </p:txBody>
+      </p:sp>
+      <p:sp>
+        <p:nvSpPr>
+          <p:cNvPr id="3" name="副标题 2"/>
+          <p:cNvSpPr>
+            <a:spLocks noGrp="1"/>
+          </p:cNvSpPr>
+          <p:nvPr>
+            <p:ph type="subTitle" idx="1"/>
+          </p:nvPr>
+        </p:nvSpPr>
+        <p:spPr>
+          <a:xfrm>
+            <a:off x="1524000" y="2526030"/>
+            <a:ext cx="9144000" cy="2731770"/>
+          </a:xfrm>
+        </p:spPr>
+        <p:txBody>
+          <a:bodyPr/>
+          <a:lstStyle/>
+          <a:p>
+            <a:pPr algn="l"/>
+            <a:r>
+              <a:rPr lang="en-US" altLang="zh-CN" dirty="0"/>
+              <a:t>Google File </a:t>
+            </a:r>
+            <a:r>
+              <a:rPr lang="en-US" altLang="zh-CN" dirty="0" smtClean="0"/>
+              <a:t>System</a:t>
+            </a:r>
+            <a:r>
+              <a:rPr lang="zh-CN" altLang="en-US" dirty="0"/>
+              <a:t> </a:t>
+            </a:r>
+            <a:r>
+              <a:rPr lang="zh-CN" altLang="en-US" dirty="0" smtClean="0"/>
+              <a:t> </a:t>
+            </a:r>
+            <a:r>
+              <a:rPr lang="en-US" altLang="zh-CN" dirty="0" smtClean="0"/>
+              <a:t>--- </a:t>
+            </a:r>
+            <a:r>
+              <a:rPr lang="en-US" altLang="zh-CN" dirty="0" err="1" smtClean="0"/>
+              <a:t>hadoop</a:t>
+            </a:r>
+            <a:r>
+              <a:rPr lang="en-US" altLang="zh-CN" dirty="0" smtClean="0"/>
+              <a:t> HDFS</a:t>
+            </a:r>
+            <a:r>
+              <a:rPr lang="zh-CN" altLang="en-US" dirty="0" smtClean="0"/>
+              <a:t/>
+            </a:r>
+            <a:br>
+              <a:rPr lang="zh-CN" altLang="en-US" dirty="0" smtClean="0"/>
+            </a:br>
+            <a:r>
+              <a:rPr lang="en-US" altLang="zh-CN" dirty="0"/>
+              <a:t>Google </a:t>
+            </a:r>
+            <a:r>
+              <a:rPr lang="en-US" altLang="zh-CN" dirty="0" err="1" smtClean="0"/>
+              <a:t>Bigtable</a:t>
+            </a:r>
+            <a:r>
+              <a:rPr lang="zh-CN" altLang="en-US" dirty="0"/>
+              <a:t> </a:t>
+            </a:r>
+            <a:r>
+              <a:rPr lang="en-US" altLang="zh-CN" dirty="0" smtClean="0"/>
+              <a:t>--- </a:t>
+            </a:r>
+            <a:r>
+              <a:rPr lang="en-US" altLang="zh-CN" dirty="0" err="1" smtClean="0"/>
+              <a:t>hbase</a:t>
+            </a:r>
+            <a:r>
+              <a:rPr lang="zh-CN" altLang="en-US" dirty="0" smtClean="0"/>
+              <a:t/>
+            </a:r>
+            <a:br>
+              <a:rPr lang="zh-CN" altLang="en-US" dirty="0" smtClean="0"/>
+            </a:br>
+            <a:r>
+              <a:rPr lang="en-US" altLang="zh-CN" dirty="0"/>
+              <a:t>Google </a:t>
+            </a:r>
+            <a:r>
+              <a:rPr lang="en-US" altLang="zh-CN" dirty="0" err="1" smtClean="0"/>
+              <a:t>MapReduce</a:t>
+            </a:r>
+            <a:r>
+              <a:rPr lang="zh-CN" altLang="en-US" dirty="0"/>
+              <a:t> </a:t>
+            </a:r>
+            <a:r>
+              <a:rPr lang="en-US" altLang="zh-CN" dirty="0" smtClean="0"/>
+              <a:t>--- </a:t>
+            </a:r>
+            <a:r>
+              <a:rPr lang="en-US" altLang="zh-CN" dirty="0" err="1" smtClean="0"/>
+              <a:t>hadoop</a:t>
+            </a:r>
+            <a:r>
+              <a:rPr lang="en-US" altLang="zh-CN" dirty="0" smtClean="0"/>
+              <a:t> </a:t>
+            </a:r>
+            <a:r>
+              <a:rPr lang="en-US" altLang="zh-CN" dirty="0" err="1" smtClean="0"/>
+              <a:t>mapreduce</a:t>
+            </a:r>
+            <a:endParaRPr lang="en-US" altLang="zh-CN" dirty="0" smtClean="0"/>
+          </a:p>
+        </p:txBody>
+      </p:sp>
+    </p:spTree>
+    <p:extLst>
+      <p:ext uri="{BB962C8B-B14F-4D97-AF65-F5344CB8AC3E}">
+        <p14:creationId xmlns:p14="http://schemas.microsoft.com/office/powerpoint/2010/main" val="2351286495"/>
       </p:ext>
     </p:extLst>
   </p:cSld>
@@ -4532,29 +5062,21 @@
         </p:nvSpPr>
         <p:spPr>
           <a:xfrm>
-            <a:off x="1524000" y="982980"/>
-            <a:ext cx="9254490" cy="1188720"/>
-          </a:xfrm>
-        </p:spPr>
-        <p:txBody>
-          <a:bodyPr/>
-          <a:lstStyle/>
-          <a:p>
-            <a:r>
-              <a:rPr lang="zh-CN" altLang="en-US" dirty="0" smtClean="0"/>
-              <a:t>大数据处理 </a:t>
-            </a:r>
-            <a:r>
-              <a:rPr lang="en-US" altLang="zh-CN" dirty="0" smtClean="0"/>
-              <a:t>--- </a:t>
-            </a:r>
-            <a:r>
-              <a:rPr lang="en-US" altLang="zh-CN" dirty="0" err="1"/>
-              <a:t>H</a:t>
-            </a:r>
-            <a:r>
-              <a:rPr lang="en-US" altLang="zh-CN" dirty="0" err="1" smtClean="0"/>
-              <a:t>adoop</a:t>
+            <a:off x="1524000" y="1122363"/>
+            <a:ext cx="9254490" cy="1255077"/>
+          </a:xfrm>
+        </p:spPr>
+        <p:txBody>
+          <a:bodyPr/>
+          <a:lstStyle/>
+          <a:p>
+            <a:r>
+              <a:rPr lang="zh-CN" altLang="en-US" dirty="0" smtClean="0"/>
+              <a:t>大</a:t>
+            </a:r>
+            <a:r>
+              <a:rPr lang="zh-CN" altLang="en-US" dirty="0" smtClean="0"/>
+              <a:t>数据做什么</a:t>
             </a:r>
             <a:endParaRPr lang="zh-CN" altLang="en-US" dirty="0"/>
           </a:p>
@@ -4570,102 +5092,50 @@
             <p:ph type="subTitle" idx="1"/>
           </p:nvPr>
         </p:nvSpPr>
-        <p:spPr>
-          <a:xfrm>
-            <a:off x="1524000" y="2526030"/>
-            <a:ext cx="9144000" cy="2731770"/>
-          </a:xfrm>
-        </p:spPr>
+        <p:spPr/>
         <p:txBody>
           <a:bodyPr/>
           <a:lstStyle/>
           <a:p>
             <a:pPr algn="l"/>
-            <a:r>
-              <a:rPr lang="en-US" altLang="zh-CN" dirty="0" err="1" smtClean="0">
-                <a:hlinkClick r:id="rId2"/>
-              </a:rPr>
-              <a:t>Hadoop</a:t>
-            </a:r>
-            <a:r>
-              <a:rPr lang="zh-CN" altLang="en-US" dirty="0" smtClean="0"/>
-              <a:t>是一个由</a:t>
-            </a:r>
-            <a:r>
-              <a:rPr lang="en-US" altLang="zh-CN" dirty="0" smtClean="0"/>
-              <a:t>Apache</a:t>
-            </a:r>
-            <a:r>
-              <a:rPr lang="zh-CN" altLang="en-US" dirty="0" smtClean="0"/>
-              <a:t>基金会所开发的</a:t>
-            </a:r>
-            <a:r>
-              <a:rPr lang="zh-CN" altLang="en-US" dirty="0" smtClean="0">
-                <a:hlinkClick r:id="rId3"/>
-              </a:rPr>
-              <a:t>分布式系统</a:t>
-            </a:r>
-            <a:r>
-              <a:rPr lang="zh-CN" altLang="en-US" dirty="0" smtClean="0"/>
-              <a:t>基础架构。</a:t>
-            </a:r>
-            <a:endParaRPr lang="en-US" altLang="zh-CN" dirty="0" smtClean="0"/>
-          </a:p>
-          <a:p>
-            <a:pPr algn="l"/>
-            <a:endParaRPr lang="en-US" altLang="zh-CN" dirty="0" smtClean="0"/>
-          </a:p>
-          <a:p>
-            <a:pPr algn="l"/>
-            <a:r>
-              <a:rPr lang="zh-CN" altLang="en-US" dirty="0" smtClean="0"/>
-              <a:t>包括两个核心组成</a:t>
-            </a:r>
-          </a:p>
-          <a:p>
-            <a:pPr algn="l"/>
-            <a:r>
-              <a:rPr lang="zh-CN" altLang="en-US" dirty="0" smtClean="0"/>
-              <a:t>    </a:t>
-            </a:r>
-            <a:r>
-              <a:rPr lang="en-US" altLang="zh-CN" dirty="0" smtClean="0"/>
-              <a:t>HDFS </a:t>
-            </a:r>
-            <a:r>
-              <a:rPr lang="zh-CN" altLang="en-US" dirty="0" smtClean="0"/>
-              <a:t>分布式文件系统 存储海量的数据</a:t>
-            </a:r>
-          </a:p>
-          <a:p>
-            <a:pPr algn="l"/>
-            <a:r>
-              <a:rPr lang="zh-CN" altLang="en-US" dirty="0" smtClean="0"/>
-              <a:t>    </a:t>
-            </a:r>
-            <a:r>
-              <a:rPr lang="en-US" altLang="zh-CN" dirty="0" err="1" smtClean="0"/>
-              <a:t>MapReduce</a:t>
-            </a:r>
-            <a:r>
-              <a:rPr lang="en-US" altLang="zh-CN" dirty="0" smtClean="0"/>
-              <a:t> </a:t>
-            </a:r>
-            <a:r>
-              <a:rPr lang="zh-CN" altLang="en-US" dirty="0" smtClean="0"/>
-              <a:t>并行处理框架 实现任务分解和调度</a:t>
-            </a:r>
-          </a:p>
-          <a:p>
-            <a:pPr algn="l"/>
-            <a:endParaRPr lang="en-US" altLang="zh-CN" dirty="0" smtClean="0"/>
-          </a:p>
-        </p:txBody>
-      </p:sp>
+            <a:endParaRPr lang="zh-CN" altLang="en-US" dirty="0"/>
+          </a:p>
+        </p:txBody>
+      </p:sp>
+      <p:pic>
+        <p:nvPicPr>
+          <p:cNvPr id="5" name="图片 4"/>
+          <p:cNvPicPr>
+            <a:picLocks noChangeAspect="1"/>
+          </p:cNvPicPr>
+          <p:nvPr/>
+        </p:nvPicPr>
+        <p:blipFill>
+          <a:blip r:embed="rId2">
+            <a:extLst>
+              <a:ext uri="{28A0092B-C50C-407E-A947-70E740481C1C}">
+                <a14:useLocalDpi xmlns:a14="http://schemas.microsoft.com/office/drawing/2010/main" val="0"/>
+              </a:ext>
+            </a:extLst>
+          </a:blip>
+          <a:stretch>
+            <a:fillRect/>
+          </a:stretch>
+        </p:blipFill>
+        <p:spPr>
+          <a:xfrm>
+            <a:off x="1252165" y="873466"/>
+            <a:ext cx="9276190" cy="5457143"/>
+          </a:xfrm>
+          <a:prstGeom prst="rect">
+            <a:avLst/>
+          </a:prstGeom>
+        </p:spPr>
+      </p:pic>
     </p:spTree>
     <p:extLst>
       <p:ext uri="{BB962C8B-B14F-4D97-AF65-F5344CB8AC3E}">
-        <p14:creationId xmlns:p14="http://schemas.microsoft.com/office/powerpoint/2010/main" val="3127919976"/>
+        <p14:creationId xmlns:p14="http://schemas.microsoft.com/office/powerpoint/2010/main" val="3146529114"/>
       </p:ext>
     </p:extLst>
   </p:cSld>
@@ -4713,12 +5183,12 @@
           <a:lstStyle/>
           <a:p>
             <a:r>
-              <a:rPr lang="en-US" altLang="zh-CN" dirty="0" smtClean="0"/>
-              <a:t>Google </a:t>
-            </a:r>
-            <a:r>
-              <a:rPr lang="zh-CN" altLang="en-US" dirty="0" smtClean="0"/>
-              <a:t>三大论文</a:t>
+              <a:rPr lang="zh-CN" altLang="en-US" dirty="0" smtClean="0"/>
+              <a:t>大数据处理 </a:t>
+            </a:r>
+            <a:r>
+              <a:rPr lang="zh-CN" altLang="en-US" dirty="0" smtClean="0"/>
+              <a:t>之韩信点兵</a:t>
             </a:r>
             <a:endParaRPr lang="zh-CN" altLang="en-US" dirty="0"/>
           </a:p>
@@ -4746,94 +5216,56 @@
           <a:p>
             <a:pPr algn="l"/>
             <a:r>
-              <a:rPr lang="en-US" altLang="zh-CN" dirty="0"/>
-              <a:t>Google File </a:t>
-            </a:r>
-            <a:r>
-              <a:rPr lang="en-US" altLang="zh-CN" dirty="0" smtClean="0"/>
-              <a:t>System</a:t>
-            </a:r>
-            <a:r>
-              <a:rPr lang="zh-CN" altLang="en-US" dirty="0"/>
-              <a:t> </a:t>
-            </a:r>
-            <a:r>
-              <a:rPr lang="zh-CN" altLang="en-US" dirty="0" smtClean="0"/>
-              <a:t> </a:t>
-            </a:r>
-            <a:r>
-              <a:rPr lang="en-US" altLang="zh-CN" dirty="0" smtClean="0"/>
-              <a:t>--- </a:t>
-            </a:r>
-            <a:r>
-              <a:rPr lang="en-US" altLang="zh-CN" dirty="0" err="1" smtClean="0"/>
-              <a:t>hadoop</a:t>
-            </a:r>
-            <a:r>
-              <a:rPr lang="en-US" altLang="zh-CN" dirty="0" smtClean="0"/>
-              <a:t> HDFS</a:t>
-            </a:r>
-            <a:r>
-              <a:rPr lang="zh-CN" altLang="en-US" dirty="0" smtClean="0"/>
-              <a:t/>
-            </a:r>
-            <a:br>
-              <a:rPr lang="zh-CN" altLang="en-US" dirty="0" smtClean="0"/>
-            </a:br>
-            <a:r>
-              <a:rPr lang="en-US" altLang="zh-CN" dirty="0"/>
-              <a:t>Google </a:t>
-            </a:r>
-            <a:r>
-              <a:rPr lang="en-US" altLang="zh-CN" dirty="0" err="1" smtClean="0"/>
-              <a:t>Bigtable</a:t>
-            </a:r>
-            <a:r>
-              <a:rPr lang="zh-CN" altLang="en-US" dirty="0"/>
-              <a:t> </a:t>
-            </a:r>
-            <a:r>
-              <a:rPr lang="en-US" altLang="zh-CN" dirty="0" smtClean="0"/>
-              <a:t>--- </a:t>
-            </a:r>
-            <a:r>
-              <a:rPr lang="en-US" altLang="zh-CN" dirty="0" err="1" smtClean="0"/>
-              <a:t>hbase</a:t>
-            </a:r>
-            <a:r>
-              <a:rPr lang="zh-CN" altLang="en-US" dirty="0" smtClean="0"/>
-              <a:t/>
-            </a:r>
-            <a:br>
-              <a:rPr lang="zh-CN" altLang="en-US" dirty="0" smtClean="0"/>
-            </a:br>
-            <a:r>
-              <a:rPr lang="en-US" altLang="zh-CN" dirty="0"/>
-              <a:t>Google </a:t>
-            </a:r>
-            <a:r>
-              <a:rPr lang="en-US" altLang="zh-CN" dirty="0" err="1" smtClean="0"/>
-              <a:t>MapReduce</a:t>
-            </a:r>
-            <a:r>
-              <a:rPr lang="zh-CN" altLang="en-US" dirty="0"/>
-              <a:t> </a:t>
-            </a:r>
-            <a:r>
-              <a:rPr lang="en-US" altLang="zh-CN" dirty="0" smtClean="0"/>
-              <a:t>--- </a:t>
-            </a:r>
-            <a:r>
-              <a:rPr lang="en-US" altLang="zh-CN" dirty="0" err="1" smtClean="0"/>
-              <a:t>hadoop</a:t>
-            </a:r>
-            <a:r>
-              <a:rPr lang="en-US" altLang="zh-CN" dirty="0" smtClean="0"/>
-              <a:t> </a:t>
-            </a:r>
-            <a:r>
-              <a:rPr lang="en-US" altLang="zh-CN" dirty="0" err="1" smtClean="0"/>
-              <a:t>mapreduce</a:t>
+              <a:rPr lang="en-US" altLang="zh-CN" dirty="0" smtClean="0"/>
+              <a:t>1500 </a:t>
+            </a:r>
+            <a:r>
+              <a:rPr lang="zh-CN" altLang="en-US" dirty="0" smtClean="0"/>
+              <a:t>人  战死四五百  后遇敌军</a:t>
+            </a:r>
+            <a:endParaRPr lang="en-US" altLang="zh-CN" dirty="0" smtClean="0"/>
+          </a:p>
+          <a:p>
+            <a:pPr algn="l"/>
+            <a:r>
+              <a:rPr lang="zh-CN" altLang="en-US" dirty="0" smtClean="0"/>
+              <a:t>站三人一排 多出</a:t>
+            </a:r>
+            <a:r>
+              <a:rPr lang="zh-CN" altLang="en-US" dirty="0" smtClean="0"/>
+              <a:t>二人</a:t>
+            </a:r>
+            <a:endParaRPr lang="en-US" altLang="zh-CN" dirty="0" smtClean="0"/>
+          </a:p>
+          <a:p>
+            <a:pPr algn="l"/>
+            <a:r>
+              <a:rPr lang="zh-CN" altLang="en-US" dirty="0" smtClean="0"/>
+              <a:t>站五人一排 多出四人</a:t>
+            </a:r>
+            <a:endParaRPr lang="en-US" altLang="zh-CN" dirty="0" smtClean="0"/>
+          </a:p>
+          <a:p>
+            <a:pPr algn="l"/>
+            <a:r>
+              <a:rPr lang="zh-CN" altLang="en-US" dirty="0" smtClean="0"/>
+              <a:t>站七人一排 多出六人</a:t>
+            </a:r>
+            <a:endParaRPr lang="en-US" altLang="zh-CN" dirty="0" smtClean="0"/>
+          </a:p>
+          <a:p>
+            <a:pPr algn="l"/>
+            <a:r>
+              <a:rPr lang="zh-CN" altLang="en-US" dirty="0" smtClean="0"/>
+              <a:t>我军有一千余人 </a:t>
+            </a:r>
+            <a:r>
+              <a:rPr lang="en-US" altLang="zh-CN" dirty="0" smtClean="0"/>
+              <a:t>(1049) </a:t>
+            </a:r>
+            <a:r>
+              <a:rPr lang="zh-CN" altLang="en-US" dirty="0" smtClean="0"/>
+              <a:t>敌五百 </a:t>
             </a:r>
             <a:endParaRPr lang="en-US" altLang="zh-CN" dirty="0" smtClean="0"/>
           </a:p>
@@ -4842,7 +5274,7 @@
     </p:spTree>
     <p:extLst>
       <p:ext uri="{BB962C8B-B14F-4D97-AF65-F5344CB8AC3E}">
-        <p14:creationId xmlns:p14="http://schemas.microsoft.com/office/powerpoint/2010/main" val="4241399980"/>
+        <p14:creationId xmlns:p14="http://schemas.microsoft.com/office/powerpoint/2010/main" val="1316064579"/>
       </p:ext>
     </p:extLst>
   </p:cSld>
@@ -4890,16 +5322,20 @@
           <a:lstStyle/>
           <a:p>
             <a:r>
+              <a:rPr lang="zh-CN" altLang="en-US" dirty="0" smtClean="0"/>
+              <a:t>大数据处理 </a:t>
+            </a:r>
+            <a:r>
+              <a:rPr lang="en-US" altLang="zh-CN" dirty="0" smtClean="0"/>
+              <a:t>--- </a:t>
+            </a:r>
+            <a:r>
+              <a:rPr lang="en-US" altLang="zh-CN" dirty="0" err="1"/>
+              <a:t>H</a:t>
+            </a:r>
+            <a:r>
               <a:rPr lang="en-US" altLang="zh-CN" dirty="0" err="1" smtClean="0"/>
-              <a:t>Hadoop</a:t>
-            </a:r>
-            <a:r>
-              <a:rPr lang="en-US" altLang="zh-CN" dirty="0" smtClean="0"/>
-              <a:t> </a:t>
-            </a:r>
-            <a:r>
-              <a:rPr lang="zh-CN" altLang="en-US" dirty="0" smtClean="0"/>
-              <a:t>版本</a:t>
+              <a:t>adoop</a:t>
             </a:r>
             <a:endParaRPr lang="zh-CN" altLang="en-US" dirty="0"/>
           </a:p>
@@ -4926,44 +5362,91 @@
           <a:lstStyle/>
           <a:p>
             <a:pPr algn="l"/>
+            <a:r>
+              <a:rPr lang="en-US" altLang="zh-CN" dirty="0" err="1" smtClean="0">
+                <a:hlinkClick r:id="rId2"/>
+              </a:rPr>
+              <a:t>Hadoop</a:t>
+            </a:r>
+            <a:r>
+              <a:rPr lang="zh-CN" altLang="en-US" dirty="0" smtClean="0"/>
+              <a:t>是一个由</a:t>
+            </a:r>
+            <a:r>
+              <a:rPr lang="en-US" altLang="zh-CN" dirty="0" smtClean="0"/>
+              <a:t>Apache</a:t>
+            </a:r>
+            <a:r>
+              <a:rPr lang="zh-CN" altLang="en-US" dirty="0" smtClean="0"/>
+              <a:t>基金会所开发的</a:t>
+            </a:r>
+            <a:r>
+              <a:rPr lang="zh-CN" altLang="en-US" dirty="0" smtClean="0">
+                <a:hlinkClick r:id="rId3"/>
+              </a:rPr>
+              <a:t>分布式系统</a:t>
+            </a:r>
+            <a:r>
+              <a:rPr lang="zh-CN" altLang="en-US" dirty="0" smtClean="0"/>
+              <a:t>基础架构。</a:t>
+            </a:r>
             <a:endParaRPr lang="en-US" altLang="zh-CN" dirty="0" smtClean="0"/>
           </a:p>
-        </p:txBody>
-      </p:sp>
-      <p:pic>
-        <p:nvPicPr>
-          <p:cNvPr id="4" name="图片 3"/>
-          <p:cNvPicPr>
-            <a:picLocks noChangeAspect="1"/>
-          </p:cNvPicPr>
-          <p:nvPr/>
-        </p:nvPicPr>
-        <p:blipFill>
-          <a:blip r:embed="rId2">
-            <a:extLst>
-              <a:ext uri="{28A0092B-C50C-407E-A947-70E740481C1C}">
-                <a14:useLocalDpi xmlns:a14="http://schemas.microsoft.com/office/drawing/2010/main" val="0"/>
-              </a:ext>
-            </a:extLst>
-          </a:blip>
-          <a:stretch>
-            <a:fillRect/>
-          </a:stretch>
-        </p:blipFill>
-        <p:spPr>
-          <a:xfrm>
-            <a:off x="1524000" y="2526029"/>
-            <a:ext cx="9254490" cy="3696515"/>
-          </a:xfrm>
-          <a:prstGeom prst="rect">
-            <a:avLst/>
-          </a:prstGeom>
-        </p:spPr>
-      </p:pic>
+          <a:p>
+            <a:pPr algn="l"/>
+            <a:endParaRPr lang="en-US" altLang="zh-CN" dirty="0" smtClean="0"/>
+          </a:p>
+          <a:p>
+            <a:pPr algn="l"/>
+            <a:r>
+              <a:rPr lang="zh-CN" altLang="en-US" dirty="0" smtClean="0"/>
+              <a:t>包括两个核心组成</a:t>
+            </a:r>
+          </a:p>
+          <a:p>
+            <a:pPr algn="l"/>
+            <a:r>
+              <a:rPr lang="zh-CN" altLang="en-US" dirty="0" smtClean="0"/>
+              <a:t>    </a:t>
+            </a:r>
+            <a:r>
+              <a:rPr lang="en-US" altLang="zh-CN" dirty="0" smtClean="0"/>
+              <a:t>HDFS </a:t>
+            </a:r>
+            <a:r>
+              <a:rPr lang="zh-CN" altLang="en-US" dirty="0" smtClean="0"/>
+              <a:t>分布式文件系统 存储海量的数据</a:t>
+            </a:r>
+          </a:p>
+          <a:p>
+            <a:pPr algn="l"/>
+            <a:r>
+              <a:rPr lang="zh-CN" altLang="en-US" dirty="0" smtClean="0"/>
+              <a:t>    </a:t>
+            </a:r>
+            <a:r>
+              <a:rPr lang="en-US" altLang="zh-CN" dirty="0" err="1" smtClean="0"/>
+              <a:t>MapReduce</a:t>
+            </a:r>
+            <a:r>
+              <a:rPr lang="en-US" altLang="zh-CN" dirty="0" smtClean="0"/>
+              <a:t> </a:t>
+            </a:r>
+            <a:r>
+              <a:rPr lang="zh-CN" altLang="en-US" dirty="0" smtClean="0"/>
+              <a:t>并行处理框架 实现任务分解和调度</a:t>
+            </a:r>
+          </a:p>
+          <a:p>
+            <a:pPr algn="l"/>
+            <a:endParaRPr lang="en-US" altLang="zh-CN" dirty="0" smtClean="0"/>
+          </a:p>
+        </p:txBody>
+      </p:sp>
     </p:spTree>
     <p:extLst>
       <p:ext uri="{BB962C8B-B14F-4D97-AF65-F5344CB8AC3E}">
-        <p14:creationId xmlns:p14="http://schemas.microsoft.com/office/powerpoint/2010/main" val="4256649945"/>
+        <p14:creationId xmlns:p14="http://schemas.microsoft.com/office/powerpoint/2010/main" val="3127919976"/>
       </p:ext>
     </p:extLst>
   </p:cSld>
@@ -5011,16 +5494,12 @@
           <a:lstStyle/>
           <a:p>
             <a:r>
-              <a:rPr lang="en-US" altLang="zh-CN" dirty="0" err="1" smtClean="0"/>
-              <a:t>Hadood</a:t>
-            </a:r>
-            <a:r>
-              <a:rPr lang="en-US" altLang="zh-CN" dirty="0" smtClean="0"/>
-              <a:t> </a:t>
-            </a:r>
-            <a:r>
-              <a:rPr lang="zh-CN" altLang="en-US" dirty="0" smtClean="0"/>
-              <a:t>体系</a:t>
+              <a:rPr lang="en-US" altLang="zh-CN" dirty="0" smtClean="0"/>
+              <a:t>Google </a:t>
+            </a:r>
+            <a:r>
+              <a:rPr lang="zh-CN" altLang="en-US" dirty="0" smtClean="0"/>
+              <a:t>三大论文</a:t>
             </a:r>
             <a:endParaRPr lang="zh-CN" altLang="en-US" dirty="0"/>
           </a:p>
@@ -5047,44 +5526,104 @@
           <a:lstStyle/>
           <a:p>
             <a:pPr algn="l"/>
+            <a:r>
+              <a:rPr lang="en-US" altLang="zh-CN" dirty="0"/>
+              <a:t>Google File </a:t>
+            </a:r>
+            <a:r>
+              <a:rPr lang="en-US" altLang="zh-CN" dirty="0" smtClean="0"/>
+              <a:t>System</a:t>
+            </a:r>
+            <a:r>
+              <a:rPr lang="zh-CN" altLang="en-US" dirty="0"/>
+              <a:t> </a:t>
+            </a:r>
+            <a:r>
+              <a:rPr lang="zh-CN" altLang="en-US" dirty="0" smtClean="0"/>
+              <a:t> </a:t>
+            </a:r>
+            <a:r>
+              <a:rPr lang="en-US" altLang="zh-CN" dirty="0" smtClean="0"/>
+              <a:t>--- </a:t>
+            </a:r>
+            <a:r>
+              <a:rPr lang="en-US" altLang="zh-CN" dirty="0" err="1" smtClean="0"/>
+              <a:t>hadoop</a:t>
+            </a:r>
+            <a:r>
+              <a:rPr lang="en-US" altLang="zh-CN" dirty="0" smtClean="0"/>
+              <a:t> HDFS</a:t>
+            </a:r>
+            <a:r>
+              <a:rPr lang="zh-CN" altLang="en-US" dirty="0" smtClean="0"/>
+              <a:t/>
+            </a:r>
+            <a:br>
+              <a:rPr lang="zh-CN" altLang="en-US" dirty="0" smtClean="0"/>
+            </a:br>
+            <a:r>
+              <a:rPr lang="en-US" altLang="zh-CN" dirty="0"/>
+              <a:t>Google </a:t>
+            </a:r>
+            <a:r>
+              <a:rPr lang="en-US" altLang="zh-CN" dirty="0" err="1" smtClean="0"/>
+              <a:t>Bigtable</a:t>
+            </a:r>
+            <a:r>
+              <a:rPr lang="zh-CN" altLang="en-US" dirty="0"/>
+              <a:t> </a:t>
+            </a:r>
+            <a:r>
+              <a:rPr lang="en-US" altLang="zh-CN" dirty="0" smtClean="0"/>
+              <a:t>--- </a:t>
+            </a:r>
+            <a:r>
+              <a:rPr lang="en-US" altLang="zh-CN" dirty="0" err="1" smtClean="0"/>
+              <a:t>hbase</a:t>
+            </a:r>
+            <a:r>
+              <a:rPr lang="zh-CN" altLang="en-US" dirty="0" smtClean="0"/>
+              <a:t/>
+            </a:r>
+            <a:br>
+              <a:rPr lang="zh-CN" altLang="en-US" dirty="0" smtClean="0"/>
+            </a:br>
+            <a:r>
+              <a:rPr lang="en-US" altLang="zh-CN" dirty="0"/>
+              <a:t>Google </a:t>
+            </a:r>
+            <a:r>
+              <a:rPr lang="en-US" altLang="zh-CN" dirty="0" err="1" smtClean="0"/>
+              <a:t>MapReduce</a:t>
+            </a:r>
+            <a:r>
+              <a:rPr lang="zh-CN" altLang="en-US" dirty="0"/>
+              <a:t> </a:t>
+            </a:r>
+            <a:r>
+              <a:rPr lang="en-US" altLang="zh-CN" dirty="0" smtClean="0"/>
+              <a:t>--- </a:t>
+            </a:r>
+            <a:r>
+              <a:rPr lang="en-US" altLang="zh-CN" dirty="0" err="1" smtClean="0"/>
+              <a:t>hadoop</a:t>
+            </a:r>
+            <a:r>
+              <a:rPr lang="en-US" altLang="zh-CN" dirty="0" smtClean="0"/>
+              <a:t> </a:t>
+            </a:r>
+            <a:r>
+              <a:rPr lang="en-US" altLang="zh-CN" dirty="0" err="1" smtClean="0"/>
+              <a:t>mapreduce</a:t>
+            </a:r>
             <a:endParaRPr lang="en-US" altLang="zh-CN" dirty="0" smtClean="0"/>
           </a:p>
         </p:txBody>
       </p:sp>
-      <p:pic>
-        <p:nvPicPr>
-          <p:cNvPr id="5" name="图片 4"/>
-          <p:cNvPicPr>
-            <a:picLocks noChangeAspect="1"/>
-          </p:cNvPicPr>
-          <p:nvPr/>
-        </p:nvPicPr>
-        <p:blipFill>
-          <a:blip r:embed="rId2">
-            <a:extLst>
-              <a:ext uri="{28A0092B-C50C-407E-A947-70E740481C1C}">
-                <a14:useLocalDpi xmlns:a14="http://schemas.microsoft.com/office/drawing/2010/main" val="0"/>
-              </a:ext>
-            </a:extLst>
-          </a:blip>
-          <a:stretch>
-            <a:fillRect/>
-          </a:stretch>
-        </p:blipFill>
-        <p:spPr>
-          <a:xfrm>
-            <a:off x="1524000" y="2526030"/>
-            <a:ext cx="9772650" cy="3219450"/>
-          </a:xfrm>
-          <a:prstGeom prst="rect">
-            <a:avLst/>
-          </a:prstGeom>
-        </p:spPr>
-      </p:pic>
     </p:spTree>
     <p:extLst>
       <p:ext uri="{BB962C8B-B14F-4D97-AF65-F5344CB8AC3E}">
-        <p14:creationId xmlns:p14="http://schemas.microsoft.com/office/powerpoint/2010/main" val="1359797618"/>
+        <p14:creationId xmlns:p14="http://schemas.microsoft.com/office/powerpoint/2010/main" val="4241399980"/>
       </p:ext>
     </p:extLst>
   </p:cSld>
@@ -5132,8 +5671,16 @@
           <a:lstStyle/>
           <a:p>
             <a:r>
-              <a:rPr lang="zh-CN" altLang="en-US" dirty="0" smtClean="0"/>
-              <a:t>启动后相关页面</a:t>
+              <a:rPr lang="en-US" altLang="zh-CN" dirty="0" err="1" smtClean="0"/>
+              <a:t>Hadood</a:t>
+            </a:r>
+            <a:r>
+              <a:rPr lang="en-US" altLang="zh-CN" dirty="0" smtClean="0"/>
+              <a:t> </a:t>
+            </a:r>
+            <a:r>
+              <a:rPr lang="zh-CN" altLang="en-US" dirty="0" smtClean="0"/>
+              <a:t>体系</a:t>
             </a:r>
             <a:endParaRPr lang="zh-CN" altLang="en-US" dirty="0"/>
           </a:p>
@@ -5160,110 +5707,44 @@
           <a:lstStyle/>
           <a:p>
             <a:pPr algn="l"/>
-            <a:r>
-              <a:rPr lang="en-US" altLang="zh-CN" dirty="0" smtClean="0"/>
-              <a:t>Peng1:50070/</a:t>
-            </a:r>
-            <a:r>
-              <a:rPr lang="en-US" altLang="zh-CN" dirty="0" err="1" smtClean="0"/>
-              <a:t>dfshealth.jps</a:t>
-            </a:r>
-            <a:r>
-              <a:rPr lang="en-US" altLang="zh-CN" dirty="0" smtClean="0"/>
-              <a:t> # </a:t>
-            </a:r>
-            <a:r>
-              <a:rPr lang="en-US" altLang="zh-CN" dirty="0" err="1" smtClean="0"/>
-              <a:t>namenode</a:t>
-            </a:r>
-            <a:r>
-              <a:rPr lang="en-US" altLang="zh-CN" dirty="0" smtClean="0"/>
-              <a:t> </a:t>
-            </a:r>
-            <a:r>
-              <a:rPr lang="zh-CN" altLang="en-US" dirty="0" smtClean="0"/>
-              <a:t>信息</a:t>
-            </a:r>
             <a:endParaRPr lang="en-US" altLang="zh-CN" dirty="0" smtClean="0"/>
           </a:p>
-          <a:p>
-            <a:pPr algn="l"/>
-            <a:r>
-              <a:rPr lang="en-US" altLang="zh-CN" dirty="0" smtClean="0"/>
-              <a:t>Peng1:50070/explorer.html # </a:t>
-            </a:r>
-            <a:r>
-              <a:rPr lang="en-US" altLang="zh-CN" dirty="0" err="1" smtClean="0"/>
-              <a:t>hdfs</a:t>
-            </a:r>
-            <a:r>
-              <a:rPr lang="en-US" altLang="zh-CN" dirty="0" smtClean="0"/>
-              <a:t> </a:t>
-            </a:r>
-            <a:r>
-              <a:rPr lang="zh-CN" altLang="en-US" dirty="0" smtClean="0"/>
-              <a:t>上数据存储位置等信息</a:t>
-            </a:r>
-            <a:endParaRPr lang="en-US" altLang="zh-CN" dirty="0" smtClean="0"/>
-          </a:p>
-          <a:p>
-            <a:pPr algn="l"/>
-            <a:r>
-              <a:rPr lang="en-US" altLang="zh-CN" dirty="0" smtClean="0"/>
-              <a:t>Peng1:8088/cluster               # </a:t>
-            </a:r>
-            <a:r>
-              <a:rPr lang="en-US" altLang="zh-CN" dirty="0" err="1" smtClean="0"/>
-              <a:t>mapreduce</a:t>
-            </a:r>
-            <a:r>
-              <a:rPr lang="en-US" altLang="zh-CN" dirty="0" smtClean="0"/>
-              <a:t> </a:t>
-            </a:r>
-            <a:r>
-              <a:rPr lang="zh-CN" altLang="en-US" dirty="0" smtClean="0"/>
-              <a:t>相关信息</a:t>
-            </a:r>
-            <a:endParaRPr lang="en-US" altLang="zh-CN" dirty="0" smtClean="0"/>
-          </a:p>
-          <a:p>
-            <a:pPr algn="l"/>
-            <a:r>
-              <a:rPr lang="en-US" altLang="zh-CN" dirty="0" smtClean="0"/>
-              <a:t>Peng1:60010/master-status # </a:t>
-            </a:r>
-            <a:r>
-              <a:rPr lang="en-US" altLang="zh-CN" dirty="0" err="1" smtClean="0"/>
-              <a:t>hbase</a:t>
-            </a:r>
-            <a:r>
-              <a:rPr lang="en-US" altLang="zh-CN" dirty="0" smtClean="0"/>
-              <a:t> </a:t>
-            </a:r>
-            <a:r>
-              <a:rPr lang="zh-CN" altLang="en-US" dirty="0" smtClean="0"/>
-              <a:t>相关信息</a:t>
-            </a:r>
-            <a:endParaRPr lang="en-US" altLang="zh-CN" dirty="0" smtClean="0"/>
-          </a:p>
-          <a:p>
-            <a:pPr algn="l"/>
-            <a:r>
-              <a:rPr lang="en-US" altLang="zh-CN" dirty="0" smtClean="0"/>
-              <a:t>Peng1:8088                              # spark </a:t>
-            </a:r>
-            <a:r>
-              <a:rPr lang="zh-CN" altLang="en-US" smtClean="0"/>
-              <a:t>相关信息</a:t>
-            </a:r>
-            <a:endParaRPr lang="en-US" altLang="zh-CN" dirty="0" smtClean="0"/>
-          </a:p>
-        </p:txBody>
-      </p:sp>
+        </p:txBody>
+      </p:sp>
+      <p:pic>
+        <p:nvPicPr>
+          <p:cNvPr id="5" name="图片 4"/>
+          <p:cNvPicPr>
+            <a:picLocks noChangeAspect="1"/>
+          </p:cNvPicPr>
+          <p:nvPr/>
+        </p:nvPicPr>
+        <p:blipFill>
+          <a:blip r:embed="rId2">
+            <a:extLst>
+              <a:ext uri="{28A0092B-C50C-407E-A947-70E740481C1C}">
+                <a14:useLocalDpi xmlns:a14="http://schemas.microsoft.com/office/drawing/2010/main" val="0"/>
+              </a:ext>
+            </a:extLst>
+          </a:blip>
+          <a:stretch>
+            <a:fillRect/>
+          </a:stretch>
+        </p:blipFill>
+        <p:spPr>
+          <a:xfrm>
+            <a:off x="1524000" y="2526030"/>
+            <a:ext cx="9772650" cy="3219450"/>
+          </a:xfrm>
+          <a:prstGeom prst="rect">
+            <a:avLst/>
+          </a:prstGeom>
+        </p:spPr>
+      </p:pic>
     </p:spTree>
     <p:extLst>
       <p:ext uri="{BB962C8B-B14F-4D97-AF65-F5344CB8AC3E}">
-        <p14:creationId xmlns:p14="http://schemas.microsoft.com/office/powerpoint/2010/main" val="422438344"/>
+        <p14:creationId xmlns:p14="http://schemas.microsoft.com/office/powerpoint/2010/main" val="1359797618"/>
       </p:ext>
     </p:extLst>
   </p:cSld>
@@ -5311,8 +5792,16 @@
           <a:lstStyle/>
           <a:p>
             <a:r>
-              <a:rPr lang="en-US" altLang="zh-CN" dirty="0" smtClean="0"/>
-              <a:t>HDFS</a:t>
+              <a:rPr lang="en-US" altLang="zh-CN" dirty="0" err="1" smtClean="0"/>
+              <a:t>Hadoop</a:t>
+            </a:r>
+            <a:r>
+              <a:rPr lang="en-US" altLang="zh-CN" dirty="0" smtClean="0"/>
+              <a:t> </a:t>
+            </a:r>
+            <a:r>
+              <a:rPr lang="zh-CN" altLang="en-US" dirty="0" smtClean="0"/>
+              <a:t>版本</a:t>
             </a:r>
             <a:endParaRPr lang="zh-CN" altLang="en-US" dirty="0"/>
           </a:p>
@@ -5365,8 +5854,8 @@
         </p:blipFill>
         <p:spPr>
           <a:xfrm>
-            <a:off x="1019869" y="0"/>
-            <a:ext cx="9923662" cy="6858000"/>
+            <a:off x="1524000" y="2526029"/>
+            <a:ext cx="9254490" cy="3696515"/>
           </a:xfrm>
           <a:prstGeom prst="rect">
             <a:avLst/>
@@ -5376,7 +5865,7 @@
     </p:spTree>
     <p:extLst>
       <p:ext uri="{BB962C8B-B14F-4D97-AF65-F5344CB8AC3E}">
-        <p14:creationId xmlns:p14="http://schemas.microsoft.com/office/powerpoint/2010/main" val="3727401503"/>
+        <p14:creationId xmlns:p14="http://schemas.microsoft.com/office/powerpoint/2010/main" val="4256649945"/>
       </p:ext>
     </p:extLst>
   </p:cSld>

--- a/data/hadoop2体系/大数据.pptx
+++ b/data/hadoop2体系/大数据.pptx
@@ -18,14 +18,16 @@
     <p:sldId id="275" r:id="rId12"/>
     <p:sldId id="263" r:id="rId13"/>
     <p:sldId id="276" r:id="rId14"/>
-    <p:sldId id="267" r:id="rId15"/>
-    <p:sldId id="271" r:id="rId16"/>
-    <p:sldId id="264" r:id="rId17"/>
-    <p:sldId id="268" r:id="rId18"/>
-    <p:sldId id="265" r:id="rId19"/>
-    <p:sldId id="269" r:id="rId20"/>
-    <p:sldId id="266" r:id="rId21"/>
-    <p:sldId id="270" r:id="rId22"/>
+    <p:sldId id="277" r:id="rId15"/>
+    <p:sldId id="267" r:id="rId16"/>
+    <p:sldId id="271" r:id="rId17"/>
+    <p:sldId id="264" r:id="rId18"/>
+    <p:sldId id="268" r:id="rId19"/>
+    <p:sldId id="278" r:id="rId20"/>
+    <p:sldId id="265" r:id="rId21"/>
+    <p:sldId id="269" r:id="rId22"/>
+    <p:sldId id="266" r:id="rId23"/>
+    <p:sldId id="270" r:id="rId24"/>
   </p:sldIdLst>
   <p:sldSz cx="12192000" cy="6858000"/>
   <p:notesSz cx="6858000" cy="9144000"/>
@@ -293,7 +295,7 @@
           <a:p>
             <a:fld id="{CBFFD406-4F53-40ED-9827-DA09242712BA}" type="datetimeFigureOut">
               <a:rPr lang="zh-CN" altLang="en-US" smtClean="0"/>
-              <a:t>2016/3/28</a:t>
+              <a:t>2016/3/29</a:t>
             </a:fld>
             <a:endParaRPr lang="zh-CN" altLang="en-US"/>
           </a:p>
@@ -463,7 +465,7 @@
           <a:p>
             <a:fld id="{CBFFD406-4F53-40ED-9827-DA09242712BA}" type="datetimeFigureOut">
               <a:rPr lang="zh-CN" altLang="en-US" smtClean="0"/>
-              <a:t>2016/3/28</a:t>
+              <a:t>2016/3/29</a:t>
             </a:fld>
             <a:endParaRPr lang="zh-CN" altLang="en-US"/>
           </a:p>
@@ -643,7 +645,7 @@
           <a:p>
             <a:fld id="{CBFFD406-4F53-40ED-9827-DA09242712BA}" type="datetimeFigureOut">
               <a:rPr lang="zh-CN" altLang="en-US" smtClean="0"/>
-              <a:t>2016/3/28</a:t>
+              <a:t>2016/3/29</a:t>
             </a:fld>
             <a:endParaRPr lang="zh-CN" altLang="en-US"/>
           </a:p>
@@ -813,7 +815,7 @@
           <a:p>
             <a:fld id="{CBFFD406-4F53-40ED-9827-DA09242712BA}" type="datetimeFigureOut">
               <a:rPr lang="zh-CN" altLang="en-US" smtClean="0"/>
-              <a:t>2016/3/28</a:t>
+              <a:t>2016/3/29</a:t>
             </a:fld>
             <a:endParaRPr lang="zh-CN" altLang="en-US"/>
           </a:p>
@@ -1059,7 +1061,7 @@
           <a:p>
             <a:fld id="{CBFFD406-4F53-40ED-9827-DA09242712BA}" type="datetimeFigureOut">
               <a:rPr lang="zh-CN" altLang="en-US" smtClean="0"/>
-              <a:t>2016/3/28</a:t>
+              <a:t>2016/3/29</a:t>
             </a:fld>
             <a:endParaRPr lang="zh-CN" altLang="en-US"/>
           </a:p>
@@ -1291,7 +1293,7 @@
           <a:p>
             <a:fld id="{CBFFD406-4F53-40ED-9827-DA09242712BA}" type="datetimeFigureOut">
               <a:rPr lang="zh-CN" altLang="en-US" smtClean="0"/>
-              <a:t>2016/3/28</a:t>
+              <a:t>2016/3/29</a:t>
             </a:fld>
             <a:endParaRPr lang="zh-CN" altLang="en-US"/>
           </a:p>
@@ -1658,7 +1660,7 @@
           <a:p>
             <a:fld id="{CBFFD406-4F53-40ED-9827-DA09242712BA}" type="datetimeFigureOut">
               <a:rPr lang="zh-CN" altLang="en-US" smtClean="0"/>
-              <a:t>2016/3/28</a:t>
+              <a:t>2016/3/29</a:t>
             </a:fld>
             <a:endParaRPr lang="zh-CN" altLang="en-US"/>
           </a:p>
@@ -1776,7 +1778,7 @@
           <a:p>
             <a:fld id="{CBFFD406-4F53-40ED-9827-DA09242712BA}" type="datetimeFigureOut">
               <a:rPr lang="zh-CN" altLang="en-US" smtClean="0"/>
-              <a:t>2016/3/28</a:t>
+              <a:t>2016/3/29</a:t>
             </a:fld>
             <a:endParaRPr lang="zh-CN" altLang="en-US"/>
           </a:p>
@@ -1871,7 +1873,7 @@
           <a:p>
             <a:fld id="{CBFFD406-4F53-40ED-9827-DA09242712BA}" type="datetimeFigureOut">
               <a:rPr lang="zh-CN" altLang="en-US" smtClean="0"/>
-              <a:t>2016/3/28</a:t>
+              <a:t>2016/3/29</a:t>
             </a:fld>
             <a:endParaRPr lang="zh-CN" altLang="en-US"/>
           </a:p>
@@ -2148,7 +2150,7 @@
           <a:p>
             <a:fld id="{CBFFD406-4F53-40ED-9827-DA09242712BA}" type="datetimeFigureOut">
               <a:rPr lang="zh-CN" altLang="en-US" smtClean="0"/>
-              <a:t>2016/3/28</a:t>
+              <a:t>2016/3/29</a:t>
             </a:fld>
             <a:endParaRPr lang="zh-CN" altLang="en-US"/>
           </a:p>
@@ -2401,7 +2403,7 @@
           <a:p>
             <a:fld id="{CBFFD406-4F53-40ED-9827-DA09242712BA}" type="datetimeFigureOut">
               <a:rPr lang="zh-CN" altLang="en-US" smtClean="0"/>
-              <a:t>2016/3/28</a:t>
+              <a:t>2016/3/29</a:t>
             </a:fld>
             <a:endParaRPr lang="zh-CN" altLang="en-US"/>
           </a:p>
@@ -2614,7 +2616,7 @@
           <a:p>
             <a:fld id="{CBFFD406-4F53-40ED-9827-DA09242712BA}" type="datetimeFigureOut">
               <a:rPr lang="zh-CN" altLang="en-US" smtClean="0"/>
-              <a:t>2016/3/28</a:t>
+              <a:t>2016/3/29</a:t>
             </a:fld>
             <a:endParaRPr lang="zh-CN" altLang="en-US"/>
           </a:p>
@@ -3554,46 +3556,234 @@
         </p:nvSpPr>
         <p:spPr>
           <a:xfrm>
-            <a:off x="1524000" y="2526030"/>
-            <a:ext cx="9144000" cy="2731770"/>
-          </a:xfrm>
-        </p:spPr>
-        <p:txBody>
-          <a:bodyPr/>
-          <a:lstStyle/>
-          <a:p>
-            <a:pPr algn="l"/>
-            <a:r>
-              <a:rPr lang="en-US" altLang="zh-CN" dirty="0" smtClean="0"/>
-              <a:t>Client --- NN</a:t>
-            </a:r>
-            <a:r>
-              <a:rPr lang="en-US" altLang="zh-CN" dirty="0" smtClean="0"/>
+            <a:off x="1524000" y="2171700"/>
+            <a:ext cx="9368790" cy="4549140"/>
+          </a:xfrm>
+        </p:spPr>
+        <p:txBody>
+          <a:bodyPr>
+            <a:normAutofit lnSpcReduction="10000"/>
+          </a:bodyPr>
+          <a:lstStyle/>
+          <a:p>
+            <a:pPr algn="l"/>
+            <a:r>
+              <a:rPr lang="en-US" altLang="zh-CN" dirty="0" smtClean="0"/>
+              <a:t>HDFS </a:t>
+            </a:r>
+            <a:r>
+              <a:rPr lang="zh-CN" altLang="en-US" dirty="0" smtClean="0"/>
+              <a:t>写入文件的流程</a:t>
+            </a:r>
+            <a:endParaRPr lang="en-US" altLang="zh-CN" dirty="0" smtClean="0"/>
+          </a:p>
+          <a:p>
+            <a:pPr algn="l"/>
+            <a:r>
+              <a:rPr lang="zh-CN" altLang="en-US" dirty="0" smtClean="0"/>
+              <a:t>第一步 </a:t>
+            </a:r>
+            <a:r>
+              <a:rPr lang="en-US" altLang="zh-CN" dirty="0" smtClean="0"/>
+              <a:t>client </a:t>
+            </a:r>
+            <a:r>
+              <a:rPr lang="zh-CN" altLang="en-US" dirty="0" smtClean="0"/>
+              <a:t>向 </a:t>
+            </a:r>
+            <a:r>
+              <a:rPr lang="en-US" altLang="zh-CN" dirty="0" err="1" smtClean="0"/>
+              <a:t>namenode</a:t>
+            </a:r>
+            <a:r>
+              <a:rPr lang="en-US" altLang="zh-CN" dirty="0" smtClean="0"/>
+              <a:t> </a:t>
+            </a:r>
+            <a:r>
+              <a:rPr lang="zh-CN" altLang="en-US" dirty="0" smtClean="0"/>
+              <a:t>发起写数据请求</a:t>
+            </a:r>
+            <a:endParaRPr lang="en-US" altLang="zh-CN" dirty="0" smtClean="0"/>
+          </a:p>
+          <a:p>
+            <a:pPr algn="l"/>
+            <a:r>
+              <a:rPr lang="zh-CN" altLang="en-US" dirty="0" smtClean="0"/>
+              <a:t>第二步 </a:t>
+            </a:r>
+            <a:r>
+              <a:rPr lang="en-US" altLang="zh-CN" dirty="0" err="1" smtClean="0"/>
+              <a:t>namenode</a:t>
+            </a:r>
+            <a:r>
+              <a:rPr lang="en-US" altLang="zh-CN" dirty="0" smtClean="0"/>
+              <a:t> </a:t>
+            </a:r>
+            <a:r>
+              <a:rPr lang="zh-CN" altLang="en-US" dirty="0" smtClean="0"/>
+              <a:t>返回元数据给 </a:t>
+            </a:r>
+            <a:r>
+              <a:rPr lang="en-US" altLang="zh-CN" dirty="0" smtClean="0"/>
+              <a:t>client</a:t>
+            </a:r>
+          </a:p>
+          <a:p>
+            <a:pPr algn="l"/>
+            <a:r>
+              <a:rPr lang="zh-CN" altLang="en-US" dirty="0" smtClean="0"/>
+              <a:t>第三步 写入 </a:t>
+            </a:r>
+            <a:r>
+              <a:rPr lang="en-US" altLang="zh-CN" dirty="0" smtClean="0"/>
+              <a:t>block</a:t>
+            </a:r>
+          </a:p>
+          <a:p>
+            <a:pPr algn="l"/>
+            <a:r>
+              <a:rPr lang="zh-CN" altLang="en-US" dirty="0" smtClean="0"/>
+              <a:t>第四步 </a:t>
+            </a:r>
+            <a:r>
+              <a:rPr lang="en-US" altLang="zh-CN" dirty="0" smtClean="0"/>
+              <a:t>block </a:t>
+            </a:r>
+            <a:r>
+              <a:rPr lang="zh-CN" altLang="en-US" dirty="0" smtClean="0"/>
+              <a:t>之间进行复制</a:t>
+            </a:r>
+            <a:endParaRPr lang="en-US" altLang="zh-CN" dirty="0" smtClean="0"/>
+          </a:p>
+          <a:p>
+            <a:pPr algn="l"/>
+            <a:r>
+              <a:rPr lang="en-US" altLang="zh-CN" dirty="0" err="1"/>
+              <a:t>NameNode</a:t>
+            </a:r>
+            <a:r>
+              <a:rPr lang="en-US" altLang="zh-CN" dirty="0"/>
+              <a:t> </a:t>
+            </a:r>
+            <a:r>
+              <a:rPr lang="zh-CN" altLang="en-US" dirty="0"/>
+              <a:t>会决定把第一个 </a:t>
+            </a:r>
+            <a:r>
+              <a:rPr lang="en-US" altLang="zh-CN" dirty="0"/>
+              <a:t>Block </a:t>
+            </a:r>
+            <a:r>
+              <a:rPr lang="zh-CN" altLang="en-US" dirty="0"/>
+              <a:t>及其副本写在哪些机器 </a:t>
+            </a:r>
+            <a:r>
+              <a:rPr lang="en-US" altLang="zh-CN" dirty="0"/>
               <a:t>(</a:t>
             </a:r>
             <a:r>
+              <a:rPr lang="zh-CN" altLang="en-US" dirty="0"/>
+              <a:t>一般而言如果有三个副本 那么两个副本在同一个 </a:t>
+            </a:r>
+            <a:r>
+              <a:rPr lang="en-US" altLang="zh-CN" dirty="0"/>
+              <a:t>Rack </a:t>
+            </a:r>
+            <a:r>
+              <a:rPr lang="zh-CN" altLang="en-US" dirty="0"/>
+              <a:t>另外一个副本在另一个机架中的</a:t>
+            </a:r>
+            <a:r>
+              <a:rPr lang="en-US" altLang="zh-CN" dirty="0"/>
+              <a:t>) </a:t>
+            </a:r>
+            <a:r>
+              <a:rPr lang="zh-CN" altLang="en-US" dirty="0"/>
+              <a:t>但是实际上写入数据的时候  </a:t>
+            </a:r>
+            <a:r>
+              <a:rPr lang="zh-CN" altLang="en-US" dirty="0" smtClean="0"/>
+              <a:t>客户端</a:t>
+            </a:r>
+            <a:r>
+              <a:rPr lang="zh-CN" altLang="en-US" dirty="0"/>
+              <a:t>只写入每个 </a:t>
+            </a:r>
+            <a:r>
+              <a:rPr lang="en-US" altLang="zh-CN" dirty="0"/>
+              <a:t>Block </a:t>
+            </a:r>
+            <a:r>
+              <a:rPr lang="zh-CN" altLang="en-US" dirty="0"/>
+              <a:t>的第一个副本给 </a:t>
+            </a:r>
+            <a:r>
+              <a:rPr lang="en-US" altLang="zh-CN" dirty="0" smtClean="0"/>
+              <a:t>HDFS  Client </a:t>
+            </a:r>
+            <a:r>
+              <a:rPr lang="zh-CN" altLang="en-US" dirty="0"/>
+              <a:t>写入每个 </a:t>
+            </a:r>
+            <a:r>
+              <a:rPr lang="en-US" altLang="zh-CN" dirty="0"/>
+              <a:t>Block </a:t>
+            </a:r>
+            <a:r>
+              <a:rPr lang="zh-CN" altLang="en-US" dirty="0"/>
+              <a:t>的第一个副本后  该 </a:t>
+            </a:r>
+            <a:r>
+              <a:rPr lang="en-US" altLang="zh-CN" dirty="0"/>
+              <a:t>Block </a:t>
+            </a:r>
+            <a:r>
+              <a:rPr lang="zh-CN" altLang="en-US" dirty="0"/>
+              <a:t>的副本是在 </a:t>
+            </a:r>
+            <a:r>
+              <a:rPr lang="en-US" altLang="zh-CN" dirty="0" err="1"/>
+              <a:t>NameNode</a:t>
+            </a:r>
+            <a:r>
+              <a:rPr lang="en-US" altLang="zh-CN" dirty="0"/>
+              <a:t> </a:t>
+            </a:r>
+            <a:r>
+              <a:rPr lang="zh-CN" altLang="en-US" dirty="0"/>
+              <a:t>的管理下基于第一个副本的数据进行 </a:t>
+            </a:r>
+            <a:r>
+              <a:rPr lang="en-US" altLang="zh-CN" dirty="0"/>
+              <a:t>Pipeline </a:t>
+            </a:r>
+            <a:r>
+              <a:rPr lang="zh-CN" altLang="en-US" dirty="0"/>
+              <a:t>方式的写入</a:t>
+            </a:r>
+            <a:endParaRPr lang="en-US" altLang="zh-CN" dirty="0" smtClean="0"/>
+          </a:p>
+          <a:p>
+            <a:pPr algn="l"/>
+            <a:r>
+              <a:rPr lang="zh-CN" altLang="en-US" dirty="0" smtClean="0"/>
+              <a:t>第五步 </a:t>
+            </a:r>
+            <a:r>
               <a:rPr lang="en-US" altLang="zh-CN" dirty="0" err="1" smtClean="0"/>
-              <a:t>NameNode</a:t>
-            </a:r>
-            <a:r>
-              <a:rPr lang="en-US" altLang="zh-CN" dirty="0" smtClean="0"/>
-              <a:t>) </a:t>
-            </a:r>
-            <a:r>
-              <a:rPr lang="zh-CN" altLang="en-US" dirty="0" smtClean="0"/>
-              <a:t>交互 获取文件元数据信息 </a:t>
-            </a:r>
-            <a:r>
-              <a:rPr lang="en-US" altLang="zh-CN" dirty="0" smtClean="0"/>
-              <a:t>(</a:t>
-            </a:r>
-            <a:r>
-              <a:rPr lang="zh-CN" altLang="en-US" dirty="0" smtClean="0"/>
-              <a:t>位置信息</a:t>
-            </a:r>
-            <a:r>
-              <a:rPr lang="en-US" altLang="zh-CN" dirty="0" smtClean="0"/>
-              <a:t>)</a:t>
+              <a:t>datanode</a:t>
+            </a:r>
+            <a:r>
+              <a:rPr lang="en-US" altLang="zh-CN" dirty="0" smtClean="0"/>
+              <a:t> </a:t>
+            </a:r>
+            <a:r>
+              <a:rPr lang="zh-CN" altLang="en-US" dirty="0" smtClean="0"/>
+              <a:t>更新元数据至 </a:t>
+            </a:r>
+            <a:r>
+              <a:rPr lang="en-US" altLang="zh-CN" dirty="0" err="1" smtClean="0"/>
+              <a:t>namenode</a:t>
             </a:r>
             <a:endParaRPr lang="en-US" altLang="zh-CN" dirty="0" smtClean="0"/>
           </a:p>
@@ -3651,7 +3841,11 @@
           <a:p>
             <a:r>
               <a:rPr lang="en-US" altLang="zh-CN" dirty="0" smtClean="0"/>
-              <a:t>HDFS</a:t>
+              <a:t>HDFS </a:t>
+            </a:r>
+            <a:r>
+              <a:rPr lang="zh-CN" altLang="en-US" dirty="0" smtClean="0"/>
+              <a:t>原理分析</a:t>
             </a:r>
             <a:endParaRPr lang="zh-CN" altLang="en-US" dirty="0"/>
           </a:p>
@@ -3669,18 +3863,28 @@
         </p:nvSpPr>
         <p:spPr>
           <a:xfrm>
-            <a:off x="1524000" y="2526030"/>
-            <a:ext cx="9144000" cy="2731770"/>
-          </a:xfrm>
-        </p:spPr>
-        <p:txBody>
-          <a:bodyPr/>
-          <a:lstStyle/>
-          <a:p>
-            <a:pPr algn="l"/>
-            <a:r>
-              <a:rPr lang="zh-CN" altLang="en-US" dirty="0" smtClean="0"/>
-              <a:t>读 写数据</a:t>
+            <a:off x="1524000" y="2171700"/>
+            <a:ext cx="9368790" cy="4549140"/>
+          </a:xfrm>
+        </p:spPr>
+        <p:txBody>
+          <a:bodyPr>
+            <a:normAutofit/>
+          </a:bodyPr>
+          <a:lstStyle/>
+          <a:p>
+            <a:pPr algn="l"/>
+            <a:r>
+              <a:rPr lang="en-US" altLang="zh-CN" dirty="0" smtClean="0"/>
+              <a:t>HDFS </a:t>
+            </a:r>
+            <a:r>
+              <a:rPr lang="zh-CN" altLang="en-US" dirty="0" smtClean="0"/>
+              <a:t>读取</a:t>
+            </a:r>
+            <a:r>
+              <a:rPr lang="zh-CN" altLang="en-US" dirty="0" smtClean="0"/>
+              <a:t>文件的流程</a:t>
             </a:r>
             <a:endParaRPr lang="en-US" altLang="zh-CN" dirty="0" smtClean="0"/>
           </a:p>
@@ -3688,109 +3892,193 @@
             <a:pPr algn="l"/>
             <a:r>
               <a:rPr lang="zh-CN" altLang="en-US" dirty="0" smtClean="0"/>
-              <a:t>相关术语</a:t>
+              <a:t>第一步 </a:t>
+            </a:r>
+            <a:r>
+              <a:rPr lang="en-US" altLang="zh-CN" dirty="0" smtClean="0"/>
+              <a:t>client </a:t>
+            </a:r>
+            <a:r>
+              <a:rPr lang="zh-CN" altLang="en-US" dirty="0" smtClean="0"/>
+              <a:t>向 </a:t>
+            </a:r>
+            <a:r>
+              <a:rPr lang="en-US" altLang="zh-CN" dirty="0" err="1" smtClean="0"/>
+              <a:t>namenode</a:t>
+            </a:r>
+            <a:r>
+              <a:rPr lang="en-US" altLang="zh-CN" dirty="0" smtClean="0"/>
+              <a:t> </a:t>
+            </a:r>
+            <a:r>
+              <a:rPr lang="zh-CN" altLang="en-US" dirty="0" smtClean="0"/>
+              <a:t>发起读取数据的请求</a:t>
+            </a:r>
+            <a:endParaRPr lang="en-US" altLang="zh-CN" dirty="0" smtClean="0"/>
+          </a:p>
+          <a:p>
+            <a:pPr algn="l"/>
+            <a:r>
+              <a:rPr lang="zh-CN" altLang="en-US" dirty="0" smtClean="0"/>
+              <a:t>第二步 </a:t>
+            </a:r>
+            <a:r>
+              <a:rPr lang="en-US" altLang="zh-CN" dirty="0" err="1" smtClean="0"/>
+              <a:t>namenode</a:t>
+            </a:r>
+            <a:r>
+              <a:rPr lang="en-US" altLang="zh-CN" dirty="0" smtClean="0"/>
+              <a:t> </a:t>
+            </a:r>
+            <a:r>
+              <a:rPr lang="zh-CN" altLang="en-US" dirty="0" smtClean="0"/>
+              <a:t>返回元数据给 </a:t>
+            </a:r>
+            <a:r>
+              <a:rPr lang="en-US" altLang="zh-CN" dirty="0"/>
+              <a:t>client (</a:t>
+            </a:r>
+            <a:r>
+              <a:rPr lang="en-US" altLang="zh-CN" dirty="0" err="1"/>
+              <a:t>NameNode</a:t>
             </a:r>
             <a:r>
               <a:rPr lang="en-US" altLang="zh-CN" dirty="0"/>
               <a:t> </a:t>
             </a:r>
             <a:r>
-              <a:rPr lang="en-US" altLang="zh-CN" dirty="0" err="1" smtClean="0"/>
+              <a:rPr lang="zh-CN" altLang="en-US" dirty="0"/>
+              <a:t>会检索 </a:t>
+            </a:r>
+            <a:r>
+              <a:rPr lang="en-US" altLang="zh-CN" dirty="0"/>
+              <a:t>Client </a:t>
+            </a:r>
+            <a:r>
+              <a:rPr lang="zh-CN" altLang="en-US" dirty="0"/>
+              <a:t>读取数据的元数据信息来决定第一个 </a:t>
+            </a:r>
+            <a:r>
+              <a:rPr lang="en-US" altLang="zh-CN" dirty="0"/>
+              <a:t>Block </a:t>
+            </a:r>
+            <a:r>
+              <a:rPr lang="zh-CN" altLang="en-US" dirty="0"/>
+              <a:t>具体在哪些机器上并根据 </a:t>
+            </a:r>
+            <a:r>
+              <a:rPr lang="en-US" altLang="zh-CN" dirty="0" err="1"/>
+              <a:t>Hadoop</a:t>
+            </a:r>
+            <a:r>
+              <a:rPr lang="en-US" altLang="zh-CN" dirty="0"/>
+              <a:t> </a:t>
+            </a:r>
+            <a:r>
+              <a:rPr lang="zh-CN" altLang="en-US" dirty="0"/>
+              <a:t>的机架感知策略等决定把哪个副本交给 </a:t>
+            </a:r>
+            <a:r>
+              <a:rPr lang="en-US" altLang="zh-CN" dirty="0"/>
+              <a:t>Client </a:t>
+            </a:r>
+            <a:r>
+              <a:rPr lang="zh-CN" altLang="en-US" dirty="0"/>
+              <a:t>去读取 </a:t>
+            </a:r>
+            <a:r>
+              <a:rPr lang="en-US" altLang="zh-CN" dirty="0" smtClean="0"/>
+              <a:t>)</a:t>
+            </a:r>
+          </a:p>
+          <a:p>
+            <a:pPr algn="l"/>
+            <a:r>
+              <a:rPr lang="zh-CN" altLang="en-US" dirty="0" smtClean="0"/>
+              <a:t>第三步 读取  </a:t>
+            </a:r>
+            <a:r>
+              <a:rPr lang="en-US" altLang="zh-CN" dirty="0" smtClean="0"/>
+              <a:t>block </a:t>
+            </a:r>
+            <a:r>
+              <a:rPr lang="zh-CN" altLang="en-US" dirty="0" smtClean="0"/>
+              <a:t>中数据 </a:t>
+            </a:r>
+            <a:r>
+              <a:rPr lang="en-US" altLang="zh-CN" dirty="0" smtClean="0"/>
+              <a:t>(</a:t>
+            </a:r>
+            <a:r>
+              <a:rPr lang="zh-CN" altLang="en-US" dirty="0"/>
+              <a:t>其实 </a:t>
+            </a:r>
+            <a:r>
+              <a:rPr lang="en-US" altLang="zh-CN" dirty="0" err="1"/>
               <a:t>NameNode</a:t>
             </a:r>
             <a:r>
-              <a:rPr lang="en-US" altLang="zh-CN" dirty="0" smtClean="0"/>
+              <a:rPr lang="en-US" altLang="zh-CN" dirty="0"/>
               <a:t> </a:t>
             </a:r>
             <a:r>
-              <a:rPr lang="en-US" altLang="zh-CN" dirty="0" err="1" smtClean="0"/>
-              <a:t>DataNode</a:t>
-            </a:r>
-            <a:r>
-              <a:rPr lang="en-US" altLang="zh-CN" dirty="0" smtClean="0"/>
+              <a:rPr lang="zh-CN" altLang="en-US" dirty="0"/>
+              <a:t>是返回了该副本的 </a:t>
+            </a:r>
+            <a:r>
+              <a:rPr lang="en-US" altLang="zh-CN" dirty="0"/>
+              <a:t>URL  </a:t>
+            </a:r>
+            <a:r>
+              <a:rPr lang="zh-CN" altLang="en-US" dirty="0"/>
+              <a:t>接下来就是 </a:t>
+            </a:r>
+            <a:r>
+              <a:rPr lang="en-US" altLang="zh-CN" dirty="0"/>
+              <a:t>Client </a:t>
+            </a:r>
+            <a:r>
+              <a:rPr lang="zh-CN" altLang="en-US" dirty="0"/>
+              <a:t>通过该 </a:t>
+            </a:r>
+            <a:r>
+              <a:rPr lang="en-US" altLang="zh-CN" dirty="0"/>
+              <a:t>URL </a:t>
+            </a:r>
+            <a:r>
+              <a:rPr lang="zh-CN" altLang="en-US" dirty="0"/>
+              <a:t>建立 </a:t>
+            </a:r>
+            <a:r>
+              <a:rPr lang="en-US" altLang="zh-CN" dirty="0" err="1"/>
+              <a:t>InputStream</a:t>
+            </a:r>
+            <a:r>
+              <a:rPr lang="en-US" altLang="zh-CN" dirty="0"/>
               <a:t> </a:t>
             </a:r>
             <a:r>
-              <a:rPr lang="en-US" altLang="zh-CN" dirty="0" err="1" smtClean="0"/>
-              <a:t>SecondaryNameNode</a:t>
-            </a:r>
-            <a:r>
-              <a:rPr lang="en-US" altLang="zh-CN" dirty="0" smtClean="0"/>
-              <a:t> Block</a:t>
-            </a:r>
-          </a:p>
-          <a:p>
-            <a:pPr algn="l"/>
-            <a:endParaRPr lang="en-US" altLang="zh-CN" dirty="0"/>
-          </a:p>
-          <a:p>
-            <a:pPr algn="l"/>
-            <a:r>
-              <a:rPr lang="zh-CN" altLang="en-US" dirty="0" smtClean="0"/>
-              <a:t>命令</a:t>
-            </a:r>
-            <a:endParaRPr lang="en-US" altLang="zh-CN" dirty="0" smtClean="0"/>
-          </a:p>
-          <a:p>
-            <a:pPr algn="l"/>
-            <a:r>
-              <a:rPr lang="en-US" altLang="zh-CN" dirty="0" err="1" smtClean="0"/>
-              <a:t>Hadoop</a:t>
-            </a:r>
-            <a:r>
-              <a:rPr lang="en-US" altLang="zh-CN" dirty="0" smtClean="0"/>
-              <a:t> </a:t>
-            </a:r>
-            <a:r>
-              <a:rPr lang="en-US" altLang="zh-CN" dirty="0" err="1" smtClean="0"/>
-              <a:t>fs</a:t>
-            </a:r>
-            <a:r>
-              <a:rPr lang="en-US" altLang="zh-CN" dirty="0" smtClean="0"/>
-              <a:t> –</a:t>
-            </a:r>
-            <a:r>
-              <a:rPr lang="en-US" altLang="zh-CN" dirty="0" err="1" smtClean="0"/>
-              <a:t>ls</a:t>
-            </a:r>
-            <a:r>
-              <a:rPr lang="en-US" altLang="zh-CN" dirty="0" smtClean="0"/>
-              <a:t>  (</a:t>
-            </a:r>
-            <a:r>
-              <a:rPr lang="zh-CN" altLang="en-US" dirty="0" smtClean="0"/>
-              <a:t>其它相关命令参考  </a:t>
-            </a:r>
-            <a:r>
-              <a:rPr lang="en-US" altLang="zh-CN" dirty="0" smtClean="0"/>
-              <a:t>shell)</a:t>
-            </a:r>
-          </a:p>
-          <a:p>
-            <a:pPr algn="l"/>
-            <a:r>
-              <a:rPr lang="en-US" altLang="zh-CN" dirty="0" smtClean="0"/>
-              <a:t>Hadoop1 </a:t>
-            </a:r>
-            <a:r>
-              <a:rPr lang="zh-CN" altLang="en-US" dirty="0" smtClean="0"/>
-              <a:t>使用 </a:t>
-            </a:r>
-            <a:r>
-              <a:rPr lang="en-US" altLang="zh-CN" dirty="0" err="1" smtClean="0"/>
-              <a:t>fs</a:t>
-            </a:r>
-            <a:r>
-              <a:rPr lang="en-US" altLang="zh-CN" dirty="0" smtClean="0"/>
-              <a:t>   hadoop2 </a:t>
-            </a:r>
-            <a:r>
-              <a:rPr lang="zh-CN" altLang="en-US" dirty="0" smtClean="0"/>
-              <a:t>使用 </a:t>
-            </a:r>
-            <a:r>
-              <a:rPr lang="en-US" altLang="zh-CN" dirty="0" err="1" smtClean="0"/>
-              <a:t>dfs</a:t>
+              <a:rPr lang="zh-CN" altLang="en-US" dirty="0"/>
+              <a:t>进行数据的读取  </a:t>
+            </a:r>
+          </a:p>
+          <a:p>
+            <a:pPr algn="l"/>
+            <a:r>
+              <a:rPr lang="zh-CN" altLang="en-US" dirty="0"/>
+              <a:t>后续 </a:t>
+            </a:r>
+            <a:r>
+              <a:rPr lang="en-US" altLang="zh-CN" dirty="0"/>
+              <a:t>Block </a:t>
+            </a:r>
+            <a:r>
+              <a:rPr lang="zh-CN" altLang="en-US" dirty="0"/>
+              <a:t>按照同样的流程 以此类推</a:t>
+            </a:r>
+            <a:r>
+              <a:rPr lang="en-US" altLang="zh-CN" dirty="0" smtClean="0"/>
+              <a:t>)</a:t>
             </a:r>
             <a:endParaRPr lang="en-US" altLang="zh-CN" dirty="0" smtClean="0"/>
           </a:p>
@@ -3799,7 +4087,7 @@
     </p:spTree>
     <p:extLst>
       <p:ext uri="{BB962C8B-B14F-4D97-AF65-F5344CB8AC3E}">
-        <p14:creationId xmlns:p14="http://schemas.microsoft.com/office/powerpoint/2010/main" val="1027825157"/>
+        <p14:creationId xmlns:p14="http://schemas.microsoft.com/office/powerpoint/2010/main" val="1608486136"/>
       </p:ext>
     </p:extLst>
   </p:cSld>
@@ -3847,8 +4135,8 @@
           <a:lstStyle/>
           <a:p>
             <a:r>
-              <a:rPr lang="zh-CN" altLang="en-US" dirty="0" smtClean="0"/>
-              <a:t>优劣势</a:t>
+              <a:rPr lang="en-US" altLang="zh-CN" dirty="0" smtClean="0"/>
+              <a:t>HDFS</a:t>
             </a:r>
             <a:endParaRPr lang="zh-CN" altLang="en-US" dirty="0"/>
           </a:p>
@@ -3866,77 +4154,128 @@
         </p:nvSpPr>
         <p:spPr>
           <a:xfrm>
-            <a:off x="1524000" y="2331720"/>
-            <a:ext cx="9144000" cy="3931920"/>
-          </a:xfrm>
-        </p:spPr>
-        <p:txBody>
-          <a:bodyPr>
-            <a:normAutofit fontScale="92500" lnSpcReduction="10000"/>
-          </a:bodyPr>
-          <a:lstStyle/>
-          <a:p>
-            <a:pPr algn="l"/>
-            <a:r>
-              <a:rPr lang="zh-CN" altLang="en-US" dirty="0" smtClean="0"/>
-              <a:t>数据冗余 硬件容错</a:t>
-            </a:r>
-          </a:p>
-          <a:p>
-            <a:pPr algn="l"/>
-            <a:r>
-              <a:rPr lang="zh-CN" altLang="en-US" dirty="0" smtClean="0"/>
-              <a:t>    流式的数据访问</a:t>
-            </a:r>
-          </a:p>
-          <a:p>
-            <a:pPr algn="l"/>
-            <a:r>
-              <a:rPr lang="zh-CN" altLang="en-US" dirty="0" smtClean="0"/>
-              <a:t>    存储大文件</a:t>
-            </a:r>
-          </a:p>
-          <a:p>
-            <a:pPr algn="l"/>
-            <a:endParaRPr lang="zh-CN" altLang="en-US" dirty="0" smtClean="0"/>
-          </a:p>
-          <a:p>
-            <a:pPr algn="l"/>
-            <a:r>
-              <a:rPr lang="zh-CN" altLang="en-US" dirty="0" smtClean="0"/>
-              <a:t>    适用性和局限性</a:t>
-            </a:r>
-          </a:p>
-          <a:p>
-            <a:pPr algn="l"/>
-            <a:r>
-              <a:rPr lang="zh-CN" altLang="en-US" dirty="0" smtClean="0"/>
-              <a:t>    适合数据指读写 吞吐量高</a:t>
-            </a:r>
-          </a:p>
-          <a:p>
-            <a:pPr algn="l"/>
-            <a:r>
-              <a:rPr lang="zh-CN" altLang="en-US" dirty="0" smtClean="0"/>
-              <a:t>    不适合交互式应用 低延迟很难满足</a:t>
-            </a:r>
-          </a:p>
-          <a:p>
-            <a:pPr algn="l"/>
-            <a:endParaRPr lang="zh-CN" altLang="en-US" dirty="0" smtClean="0"/>
-          </a:p>
-          <a:p>
-            <a:pPr algn="l"/>
-            <a:r>
-              <a:rPr lang="zh-CN" altLang="en-US" dirty="0" smtClean="0"/>
-              <a:t>    适合一次写入多次读取 顺序读写</a:t>
-            </a:r>
-          </a:p>
-          <a:p>
-            <a:pPr algn="l"/>
-            <a:r>
-              <a:rPr lang="zh-CN" altLang="en-US" dirty="0" smtClean="0"/>
-              <a:t>    不支持多用户并发写相同文件</a:t>
+            <a:off x="1524000" y="2526030"/>
+            <a:ext cx="9144000" cy="2731770"/>
+          </a:xfrm>
+        </p:spPr>
+        <p:txBody>
+          <a:bodyPr/>
+          <a:lstStyle/>
+          <a:p>
+            <a:pPr algn="l"/>
+            <a:r>
+              <a:rPr lang="zh-CN" altLang="en-US" dirty="0" smtClean="0"/>
+              <a:t>读 写数据</a:t>
+            </a:r>
+            <a:endParaRPr lang="en-US" altLang="zh-CN" dirty="0" smtClean="0"/>
+          </a:p>
+          <a:p>
+            <a:pPr algn="l"/>
+            <a:r>
+              <a:rPr lang="zh-CN" altLang="en-US" dirty="0" smtClean="0"/>
+              <a:t>相关术语</a:t>
+            </a:r>
+            <a:r>
+              <a:rPr lang="en-US" altLang="zh-CN" dirty="0"/>
+              <a:t> </a:t>
+            </a:r>
+            <a:r>
+              <a:rPr lang="en-US" altLang="zh-CN" dirty="0" err="1" smtClean="0"/>
+              <a:t>NameNode</a:t>
+            </a:r>
+            <a:r>
+              <a:rPr lang="en-US" altLang="zh-CN" dirty="0" smtClean="0"/>
+              <a:t> </a:t>
+            </a:r>
+            <a:r>
+              <a:rPr lang="en-US" altLang="zh-CN" dirty="0" err="1" smtClean="0"/>
+              <a:t>DataNode</a:t>
+            </a:r>
+            <a:r>
+              <a:rPr lang="en-US" altLang="zh-CN" dirty="0" smtClean="0"/>
+              <a:t> </a:t>
+            </a:r>
+            <a:r>
+              <a:rPr lang="en-US" altLang="zh-CN" dirty="0" err="1" smtClean="0"/>
+              <a:t>SecondaryNameNode</a:t>
+            </a:r>
+            <a:r>
+              <a:rPr lang="en-US" altLang="zh-CN" dirty="0" smtClean="0"/>
+              <a:t> Block</a:t>
+            </a:r>
+          </a:p>
+          <a:p>
+            <a:pPr algn="l"/>
+            <a:endParaRPr lang="en-US" altLang="zh-CN" dirty="0"/>
+          </a:p>
+          <a:p>
+            <a:pPr algn="l"/>
+            <a:r>
+              <a:rPr lang="zh-CN" altLang="en-US" dirty="0" smtClean="0"/>
+              <a:t>命令</a:t>
+            </a:r>
+            <a:endParaRPr lang="en-US" altLang="zh-CN" dirty="0" smtClean="0"/>
+          </a:p>
+          <a:p>
+            <a:pPr algn="l"/>
+            <a:r>
+              <a:rPr lang="en-US" altLang="zh-CN" dirty="0" err="1" smtClean="0"/>
+              <a:t>Hadoop</a:t>
+            </a:r>
+            <a:r>
+              <a:rPr lang="en-US" altLang="zh-CN" dirty="0" smtClean="0"/>
+              <a:t> </a:t>
+            </a:r>
+            <a:r>
+              <a:rPr lang="en-US" altLang="zh-CN" dirty="0" err="1" smtClean="0"/>
+              <a:t>fs</a:t>
+            </a:r>
+            <a:r>
+              <a:rPr lang="en-US" altLang="zh-CN" dirty="0" smtClean="0"/>
+              <a:t> –</a:t>
+            </a:r>
+            <a:r>
+              <a:rPr lang="en-US" altLang="zh-CN" dirty="0" err="1" smtClean="0"/>
+              <a:t>ls</a:t>
+            </a:r>
+            <a:r>
+              <a:rPr lang="en-US" altLang="zh-CN" dirty="0" smtClean="0"/>
+              <a:t>  (</a:t>
+            </a:r>
+            <a:r>
+              <a:rPr lang="zh-CN" altLang="en-US" dirty="0" smtClean="0"/>
+              <a:t>其它相关命令参考  </a:t>
+            </a:r>
+            <a:r>
+              <a:rPr lang="en-US" altLang="zh-CN" dirty="0" smtClean="0"/>
+              <a:t>shell)</a:t>
+            </a:r>
+          </a:p>
+          <a:p>
+            <a:pPr algn="l"/>
+            <a:r>
+              <a:rPr lang="en-US" altLang="zh-CN" dirty="0" smtClean="0"/>
+              <a:t>Hadoop1 </a:t>
+            </a:r>
+            <a:r>
+              <a:rPr lang="zh-CN" altLang="en-US" dirty="0" smtClean="0"/>
+              <a:t>使用 </a:t>
+            </a:r>
+            <a:r>
+              <a:rPr lang="en-US" altLang="zh-CN" dirty="0" err="1" smtClean="0"/>
+              <a:t>fs</a:t>
+            </a:r>
+            <a:r>
+              <a:rPr lang="en-US" altLang="zh-CN" dirty="0" smtClean="0"/>
+              <a:t>   hadoop2 </a:t>
+            </a:r>
+            <a:r>
+              <a:rPr lang="zh-CN" altLang="en-US" dirty="0" smtClean="0"/>
+              <a:t>使用 </a:t>
+            </a:r>
+            <a:r>
+              <a:rPr lang="en-US" altLang="zh-CN" dirty="0" err="1" smtClean="0"/>
+              <a:t>dfs</a:t>
             </a:r>
             <a:endParaRPr lang="en-US" altLang="zh-CN" dirty="0" smtClean="0"/>
           </a:p>
@@ -3945,7 +4284,7 @@
     </p:spTree>
     <p:extLst>
       <p:ext uri="{BB962C8B-B14F-4D97-AF65-F5344CB8AC3E}">
-        <p14:creationId xmlns:p14="http://schemas.microsoft.com/office/powerpoint/2010/main" val="4085232926"/>
+        <p14:creationId xmlns:p14="http://schemas.microsoft.com/office/powerpoint/2010/main" val="1027825157"/>
       </p:ext>
     </p:extLst>
   </p:cSld>
@@ -3993,8 +4332,8 @@
           <a:lstStyle/>
           <a:p>
             <a:r>
-              <a:rPr lang="en-US" altLang="zh-CN" dirty="0" err="1" smtClean="0"/>
-              <a:t>MapReduce</a:t>
+              <a:rPr lang="zh-CN" altLang="en-US" dirty="0" smtClean="0"/>
+              <a:t>优劣势</a:t>
             </a:r>
             <a:endParaRPr lang="zh-CN" altLang="en-US" dirty="0"/>
           </a:p>
@@ -4012,53 +4351,86 @@
         </p:nvSpPr>
         <p:spPr>
           <a:xfrm>
-            <a:off x="1524000" y="2526030"/>
-            <a:ext cx="9144000" cy="2731770"/>
-          </a:xfrm>
-        </p:spPr>
-        <p:txBody>
-          <a:bodyPr/>
-          <a:lstStyle/>
-          <a:p>
-            <a:pPr algn="l"/>
+            <a:off x="1524000" y="2331720"/>
+            <a:ext cx="9144000" cy="3931920"/>
+          </a:xfrm>
+        </p:spPr>
+        <p:txBody>
+          <a:bodyPr>
+            <a:normAutofit fontScale="92500" lnSpcReduction="10000"/>
+          </a:bodyPr>
+          <a:lstStyle/>
+          <a:p>
+            <a:pPr algn="l"/>
+            <a:r>
+              <a:rPr lang="zh-CN" altLang="en-US" dirty="0" smtClean="0"/>
+              <a:t>数据冗余 硬件容错</a:t>
+            </a:r>
+          </a:p>
+          <a:p>
+            <a:pPr algn="l"/>
+            <a:r>
+              <a:rPr lang="zh-CN" altLang="en-US" dirty="0" smtClean="0"/>
+              <a:t>    流式的数据访问</a:t>
+            </a:r>
+          </a:p>
+          <a:p>
+            <a:pPr algn="l"/>
+            <a:r>
+              <a:rPr lang="zh-CN" altLang="en-US" dirty="0" smtClean="0"/>
+              <a:t>    存储大文件</a:t>
+            </a:r>
+          </a:p>
+          <a:p>
+            <a:pPr algn="l"/>
+            <a:endParaRPr lang="zh-CN" altLang="en-US" dirty="0" smtClean="0"/>
+          </a:p>
+          <a:p>
+            <a:pPr algn="l"/>
+            <a:r>
+              <a:rPr lang="zh-CN" altLang="en-US" dirty="0" smtClean="0"/>
+              <a:t>    适用性和局限性</a:t>
+            </a:r>
+          </a:p>
+          <a:p>
+            <a:pPr algn="l"/>
+            <a:r>
+              <a:rPr lang="zh-CN" altLang="en-US" dirty="0" smtClean="0"/>
+              <a:t>    适合数据指读写 吞吐量高</a:t>
+            </a:r>
+          </a:p>
+          <a:p>
+            <a:pPr algn="l"/>
+            <a:r>
+              <a:rPr lang="zh-CN" altLang="en-US" dirty="0" smtClean="0"/>
+              <a:t>    不适合交互式应用 低延迟很难满足</a:t>
+            </a:r>
+          </a:p>
+          <a:p>
+            <a:pPr algn="l"/>
+            <a:endParaRPr lang="zh-CN" altLang="en-US" dirty="0" smtClean="0"/>
+          </a:p>
+          <a:p>
+            <a:pPr algn="l"/>
+            <a:r>
+              <a:rPr lang="zh-CN" altLang="en-US" dirty="0" smtClean="0"/>
+              <a:t>    适合一次写入多次读取 顺序读写</a:t>
+            </a:r>
+          </a:p>
+          <a:p>
+            <a:pPr algn="l"/>
+            <a:r>
+              <a:rPr lang="zh-CN" altLang="en-US" dirty="0" smtClean="0"/>
+              <a:t>    不支持多用户并发写相同文件</a:t>
+            </a:r>
             <a:endParaRPr lang="en-US" altLang="zh-CN" dirty="0" smtClean="0"/>
           </a:p>
         </p:txBody>
       </p:sp>
-      <p:pic>
-        <p:nvPicPr>
-          <p:cNvPr id="5" name="图片 4"/>
-          <p:cNvPicPr>
-            <a:picLocks noChangeAspect="1"/>
-          </p:cNvPicPr>
-          <p:nvPr/>
-        </p:nvPicPr>
-        <p:blipFill>
-          <a:blip r:embed="rId2">
-            <a:extLst>
-              <a:ext uri="{28A0092B-C50C-407E-A947-70E740481C1C}">
-                <a14:useLocalDpi xmlns:a14="http://schemas.microsoft.com/office/drawing/2010/main" val="0"/>
-              </a:ext>
-            </a:extLst>
-          </a:blip>
-          <a:stretch>
-            <a:fillRect/>
-          </a:stretch>
-        </p:blipFill>
-        <p:spPr>
-          <a:xfrm>
-            <a:off x="1569720" y="2526029"/>
-            <a:ext cx="9208770" cy="4211911"/>
-          </a:xfrm>
-          <a:prstGeom prst="rect">
-            <a:avLst/>
-          </a:prstGeom>
-        </p:spPr>
-      </p:pic>
     </p:spTree>
     <p:extLst>
       <p:ext uri="{BB962C8B-B14F-4D97-AF65-F5344CB8AC3E}">
-        <p14:creationId xmlns:p14="http://schemas.microsoft.com/office/powerpoint/2010/main" val="3059389352"/>
+        <p14:creationId xmlns:p14="http://schemas.microsoft.com/office/powerpoint/2010/main" val="4085232926"/>
       </p:ext>
     </p:extLst>
   </p:cSld>
@@ -4109,14 +4481,6 @@
               <a:rPr lang="en-US" altLang="zh-CN" dirty="0" err="1" smtClean="0"/>
               <a:t>MapReduce</a:t>
             </a:r>
-            <a:r>
-              <a:rPr lang="en-US" altLang="zh-CN" dirty="0" smtClean="0"/>
-              <a:t> </a:t>
-            </a:r>
-            <a:r>
-              <a:rPr lang="zh-CN" altLang="en-US" dirty="0" smtClean="0"/>
-              <a:t>原理分析</a:t>
-            </a:r>
             <a:endParaRPr lang="zh-CN" altLang="en-US" dirty="0"/>
           </a:p>
         </p:txBody>
@@ -4142,88 +4506,44 @@
           <a:lstStyle/>
           <a:p>
             <a:pPr algn="l"/>
-            <a:r>
-              <a:rPr lang="en-US" altLang="zh-CN" dirty="0" smtClean="0"/>
-              <a:t>Input </a:t>
-            </a:r>
-            <a:r>
-              <a:rPr lang="zh-CN" altLang="en-US" dirty="0" smtClean="0"/>
-              <a:t>输入 </a:t>
-            </a:r>
-            <a:r>
-              <a:rPr lang="en-US" altLang="zh-CN" dirty="0" smtClean="0"/>
-              <a:t>(</a:t>
-            </a:r>
-            <a:r>
-              <a:rPr lang="zh-CN" altLang="en-US" dirty="0" smtClean="0"/>
-              <a:t>接受输入文件</a:t>
-            </a:r>
-            <a:r>
-              <a:rPr lang="en-US" altLang="zh-CN" dirty="0" smtClean="0"/>
-              <a:t>)</a:t>
-            </a:r>
-          </a:p>
-          <a:p>
-            <a:pPr algn="l"/>
-            <a:r>
-              <a:rPr lang="en-US" altLang="zh-CN" dirty="0" err="1" smtClean="0"/>
-              <a:t>Spliting</a:t>
-            </a:r>
-            <a:r>
-              <a:rPr lang="en-US" altLang="zh-CN" dirty="0" smtClean="0"/>
-              <a:t> </a:t>
-            </a:r>
-            <a:r>
-              <a:rPr lang="zh-CN" altLang="en-US" dirty="0" smtClean="0"/>
-              <a:t>将输入文件切分为若干份</a:t>
-            </a:r>
             <a:endParaRPr lang="en-US" altLang="zh-CN" dirty="0" smtClean="0"/>
           </a:p>
-          <a:p>
-            <a:pPr algn="l"/>
-            <a:r>
-              <a:rPr lang="en-US" altLang="zh-CN" dirty="0" smtClean="0"/>
-              <a:t>Mapping </a:t>
-            </a:r>
-            <a:r>
-              <a:rPr lang="zh-CN" altLang="en-US" dirty="0" smtClean="0"/>
-              <a:t>一行一个 </a:t>
-            </a:r>
-            <a:r>
-              <a:rPr lang="en-US" altLang="zh-CN" dirty="0" smtClean="0"/>
-              <a:t>map</a:t>
-            </a:r>
-            <a:r>
-              <a:rPr lang="zh-CN" altLang="en-US" dirty="0" smtClean="0"/>
-              <a:t>任务</a:t>
-            </a:r>
-            <a:endParaRPr lang="en-US" altLang="zh-CN" dirty="0" smtClean="0"/>
-          </a:p>
-          <a:p>
-            <a:pPr algn="l"/>
-            <a:r>
-              <a:rPr lang="en-US" altLang="zh-CN" dirty="0" smtClean="0"/>
-              <a:t>Shuffling</a:t>
-            </a:r>
-          </a:p>
-          <a:p>
-            <a:pPr algn="l"/>
-            <a:r>
-              <a:rPr lang="en-US" altLang="zh-CN" dirty="0" smtClean="0"/>
-              <a:t>Reduce </a:t>
-            </a:r>
-            <a:r>
-              <a:rPr lang="zh-CN" altLang="en-US" smtClean="0"/>
-              <a:t>合并计算</a:t>
-            </a:r>
-            <a:endParaRPr lang="en-US" altLang="zh-CN" dirty="0" smtClean="0"/>
-          </a:p>
-        </p:txBody>
-      </p:sp>
+        </p:txBody>
+      </p:sp>
+      <p:pic>
+        <p:nvPicPr>
+          <p:cNvPr id="5" name="图片 4"/>
+          <p:cNvPicPr>
+            <a:picLocks noChangeAspect="1"/>
+          </p:cNvPicPr>
+          <p:nvPr/>
+        </p:nvPicPr>
+        <p:blipFill>
+          <a:blip r:embed="rId2">
+            <a:extLst>
+              <a:ext uri="{28A0092B-C50C-407E-A947-70E740481C1C}">
+                <a14:useLocalDpi xmlns:a14="http://schemas.microsoft.com/office/drawing/2010/main" val="0"/>
+              </a:ext>
+            </a:extLst>
+          </a:blip>
+          <a:stretch>
+            <a:fillRect/>
+          </a:stretch>
+        </p:blipFill>
+        <p:spPr>
+          <a:xfrm>
+            <a:off x="1569720" y="2526029"/>
+            <a:ext cx="9208770" cy="4211911"/>
+          </a:xfrm>
+          <a:prstGeom prst="rect">
+            <a:avLst/>
+          </a:prstGeom>
+        </p:spPr>
+      </p:pic>
     </p:spTree>
     <p:extLst>
       <p:ext uri="{BB962C8B-B14F-4D97-AF65-F5344CB8AC3E}">
-        <p14:creationId xmlns:p14="http://schemas.microsoft.com/office/powerpoint/2010/main" val="2753018423"/>
+        <p14:creationId xmlns:p14="http://schemas.microsoft.com/office/powerpoint/2010/main" val="3059389352"/>
       </p:ext>
     </p:extLst>
   </p:cSld>
@@ -4271,8 +4591,16 @@
           <a:lstStyle/>
           <a:p>
             <a:r>
-              <a:rPr lang="en-US" altLang="zh-CN" dirty="0" smtClean="0"/>
-              <a:t>hive</a:t>
+              <a:rPr lang="en-US" altLang="zh-CN" dirty="0" err="1" smtClean="0"/>
+              <a:t>MapReduce</a:t>
+            </a:r>
+            <a:r>
+              <a:rPr lang="en-US" altLang="zh-CN" dirty="0" smtClean="0"/>
+              <a:t> </a:t>
+            </a:r>
+            <a:r>
+              <a:rPr lang="zh-CN" altLang="en-US" dirty="0" smtClean="0"/>
+              <a:t>原理分析</a:t>
             </a:r>
             <a:endParaRPr lang="zh-CN" altLang="en-US" dirty="0"/>
           </a:p>
@@ -4299,44 +4627,93 @@
           <a:lstStyle/>
           <a:p>
             <a:pPr algn="l"/>
+            <a:r>
+              <a:rPr lang="en-US" altLang="zh-CN" dirty="0" smtClean="0"/>
+              <a:t>Input </a:t>
+            </a:r>
+            <a:r>
+              <a:rPr lang="zh-CN" altLang="en-US" dirty="0" smtClean="0"/>
+              <a:t>输入 </a:t>
+            </a:r>
+            <a:r>
+              <a:rPr lang="en-US" altLang="zh-CN" dirty="0" smtClean="0"/>
+              <a:t>(</a:t>
+            </a:r>
+            <a:r>
+              <a:rPr lang="zh-CN" altLang="en-US" dirty="0" smtClean="0"/>
+              <a:t>接受输入文件</a:t>
+            </a:r>
+            <a:r>
+              <a:rPr lang="en-US" altLang="zh-CN" dirty="0" smtClean="0"/>
+              <a:t>)</a:t>
+            </a:r>
+          </a:p>
+          <a:p>
+            <a:pPr algn="l"/>
+            <a:r>
+              <a:rPr lang="en-US" altLang="zh-CN" dirty="0" err="1" smtClean="0"/>
+              <a:t>Spliting</a:t>
+            </a:r>
+            <a:r>
+              <a:rPr lang="en-US" altLang="zh-CN" dirty="0" smtClean="0"/>
+              <a:t> </a:t>
+            </a:r>
+            <a:r>
+              <a:rPr lang="zh-CN" altLang="en-US" dirty="0" smtClean="0"/>
+              <a:t>将输入文件切分为若干份</a:t>
+            </a:r>
             <a:endParaRPr lang="en-US" altLang="zh-CN" dirty="0" smtClean="0"/>
           </a:p>
-        </p:txBody>
-      </p:sp>
-      <p:pic>
-        <p:nvPicPr>
-          <p:cNvPr id="4" name="图片 3"/>
-          <p:cNvPicPr>
-            <a:picLocks noChangeAspect="1"/>
-          </p:cNvPicPr>
-          <p:nvPr/>
-        </p:nvPicPr>
-        <p:blipFill>
-          <a:blip r:embed="rId2">
-            <a:extLst>
-              <a:ext uri="{28A0092B-C50C-407E-A947-70E740481C1C}">
-                <a14:useLocalDpi xmlns:a14="http://schemas.microsoft.com/office/drawing/2010/main" val="0"/>
-              </a:ext>
-            </a:extLst>
-          </a:blip>
-          <a:stretch>
-            <a:fillRect/>
-          </a:stretch>
-        </p:blipFill>
-        <p:spPr>
-          <a:xfrm>
-            <a:off x="1524000" y="2526030"/>
-            <a:ext cx="9144000" cy="5652258"/>
-          </a:xfrm>
-          <a:prstGeom prst="rect">
-            <a:avLst/>
-          </a:prstGeom>
-        </p:spPr>
-      </p:pic>
+          <a:p>
+            <a:pPr algn="l"/>
+            <a:r>
+              <a:rPr lang="en-US" altLang="zh-CN" dirty="0" smtClean="0"/>
+              <a:t>Mapping </a:t>
+            </a:r>
+            <a:r>
+              <a:rPr lang="zh-CN" altLang="en-US" dirty="0" smtClean="0"/>
+              <a:t>一行一个 </a:t>
+            </a:r>
+            <a:r>
+              <a:rPr lang="en-US" altLang="zh-CN" dirty="0" smtClean="0"/>
+              <a:t>map</a:t>
+            </a:r>
+            <a:r>
+              <a:rPr lang="zh-CN" altLang="en-US" dirty="0" smtClean="0"/>
+              <a:t>任务</a:t>
+            </a:r>
+            <a:endParaRPr lang="en-US" altLang="zh-CN" dirty="0" smtClean="0"/>
+          </a:p>
+          <a:p>
+            <a:pPr algn="l"/>
+            <a:r>
+              <a:rPr lang="en-US" altLang="zh-CN" dirty="0" smtClean="0"/>
+              <a:t>Shuffling </a:t>
+            </a:r>
+            <a:r>
+              <a:rPr lang="zh-CN" altLang="en-US" dirty="0" smtClean="0"/>
+              <a:t>移动</a:t>
+            </a:r>
+            <a:endParaRPr lang="en-US" altLang="zh-CN" dirty="0" smtClean="0"/>
+          </a:p>
+          <a:p>
+            <a:pPr algn="l"/>
+            <a:r>
+              <a:rPr lang="en-US" altLang="zh-CN" dirty="0" smtClean="0"/>
+              <a:t>Reduce </a:t>
+            </a:r>
+            <a:r>
+              <a:rPr lang="zh-CN" altLang="en-US" dirty="0" smtClean="0"/>
+              <a:t>合并计算</a:t>
+            </a:r>
+            <a:endParaRPr lang="en-US" altLang="zh-CN" dirty="0" smtClean="0"/>
+          </a:p>
+        </p:txBody>
+      </p:sp>
     </p:spTree>
     <p:extLst>
       <p:ext uri="{BB962C8B-B14F-4D97-AF65-F5344CB8AC3E}">
-        <p14:creationId xmlns:p14="http://schemas.microsoft.com/office/powerpoint/2010/main" val="2334459120"/>
+        <p14:creationId xmlns:p14="http://schemas.microsoft.com/office/powerpoint/2010/main" val="2753018423"/>
       </p:ext>
     </p:extLst>
   </p:cSld>
@@ -4385,19 +4762,7 @@
           <a:p>
             <a:r>
               <a:rPr lang="en-US" altLang="zh-CN" dirty="0" smtClean="0"/>
-              <a:t>JDBC </a:t>
-            </a:r>
-            <a:r>
-              <a:rPr lang="zh-CN" altLang="en-US" dirty="0" smtClean="0"/>
-              <a:t>操作 </a:t>
-            </a:r>
-            <a:r>
-              <a:rPr lang="en-US" altLang="zh-CN" dirty="0"/>
-              <a:t>H</a:t>
-            </a:r>
-            <a:r>
-              <a:rPr lang="en-US" altLang="zh-CN" dirty="0" smtClean="0"/>
-              <a:t>ive</a:t>
+              <a:t>shuffling</a:t>
             </a:r>
             <a:endParaRPr lang="zh-CN" altLang="en-US" dirty="0"/>
           </a:p>
@@ -4424,68 +4789,6 @@
           <a:lstStyle/>
           <a:p>
             <a:pPr algn="l"/>
-            <a:r>
-              <a:rPr lang="zh-CN" altLang="en-US" dirty="0" smtClean="0"/>
-              <a:t>开启 </a:t>
-            </a:r>
-            <a:r>
-              <a:rPr lang="en-US" altLang="zh-CN" dirty="0" smtClean="0"/>
-              <a:t>hive </a:t>
-            </a:r>
-            <a:r>
-              <a:rPr lang="zh-CN" altLang="en-US" dirty="0" smtClean="0"/>
-              <a:t>服务    </a:t>
-            </a:r>
-            <a:r>
-              <a:rPr lang="en-US" altLang="zh-CN" dirty="0" smtClean="0"/>
-              <a:t>hive –service hiveserver2</a:t>
-            </a:r>
-          </a:p>
-          <a:p>
-            <a:pPr algn="l"/>
-            <a:r>
-              <a:rPr lang="zh-CN" altLang="en-US" dirty="0" smtClean="0"/>
-              <a:t>编写增删改查代码</a:t>
-            </a:r>
-            <a:endParaRPr lang="en-US" altLang="zh-CN" dirty="0" smtClean="0"/>
-          </a:p>
-          <a:p>
-            <a:pPr algn="l"/>
-            <a:r>
-              <a:rPr lang="zh-CN" altLang="en-US" dirty="0" smtClean="0"/>
-              <a:t>进入 </a:t>
-            </a:r>
-            <a:r>
-              <a:rPr lang="en-US" altLang="zh-CN" dirty="0" smtClean="0"/>
-              <a:t>hive </a:t>
-            </a:r>
-            <a:r>
-              <a:rPr lang="zh-CN" altLang="en-US" dirty="0" smtClean="0"/>
-              <a:t>库        </a:t>
-            </a:r>
-            <a:r>
-              <a:rPr lang="en-US" altLang="zh-CN" dirty="0" smtClean="0"/>
-              <a:t>hive</a:t>
-            </a:r>
-          </a:p>
-          <a:p>
-            <a:pPr algn="l"/>
-            <a:r>
-              <a:rPr lang="en-US" altLang="zh-CN" dirty="0" smtClean="0"/>
-              <a:t>hive&gt; # </a:t>
-            </a:r>
-            <a:r>
-              <a:rPr lang="zh-CN" altLang="en-US" dirty="0" smtClean="0"/>
-              <a:t>查看 </a:t>
-            </a:r>
-            <a:r>
-              <a:rPr lang="en-US" altLang="zh-CN" dirty="0" smtClean="0"/>
-              <a:t>hive </a:t>
-            </a:r>
-            <a:r>
-              <a:rPr lang="zh-CN" altLang="en-US" smtClean="0"/>
-              <a:t>数据是否正确</a:t>
-            </a:r>
             <a:endParaRPr lang="en-US" altLang="zh-CN" dirty="0" smtClean="0"/>
           </a:p>
         </p:txBody>
@@ -4493,7 +4796,7 @@
     </p:spTree>
     <p:extLst>
       <p:ext uri="{BB962C8B-B14F-4D97-AF65-F5344CB8AC3E}">
-        <p14:creationId xmlns:p14="http://schemas.microsoft.com/office/powerpoint/2010/main" val="1614495860"/>
+        <p14:creationId xmlns:p14="http://schemas.microsoft.com/office/powerpoint/2010/main" val="3908221581"/>
       </p:ext>
     </p:extLst>
   </p:cSld>
@@ -4665,8 +4968,8 @@
           <a:lstStyle/>
           <a:p>
             <a:r>
-              <a:rPr lang="en-US" altLang="zh-CN" dirty="0" err="1" smtClean="0"/>
-              <a:t>hbase</a:t>
+              <a:rPr lang="en-US" altLang="zh-CN" dirty="0" smtClean="0"/>
+              <a:t>hive</a:t>
             </a:r>
             <a:endParaRPr lang="zh-CN" altLang="en-US" dirty="0"/>
           </a:p>
@@ -4693,10 +4996,7 @@
           <a:lstStyle/>
           <a:p>
             <a:pPr algn="l"/>
-            <a:r>
-              <a:rPr lang="en-US" altLang="zh-CN" dirty="0" smtClean="0"/>
-              <a:t> </a:t>
-            </a:r>
+            <a:endParaRPr lang="en-US" altLang="zh-CN" dirty="0" smtClean="0"/>
           </a:p>
         </p:txBody>
       </p:sp>
@@ -4722,6 +5022,279 @@
         </p:blipFill>
         <p:spPr>
           <a:xfrm>
+            <a:off x="1524000" y="2526030"/>
+            <a:ext cx="9144000" cy="5652258"/>
+          </a:xfrm>
+          <a:prstGeom prst="rect">
+            <a:avLst/>
+          </a:prstGeom>
+        </p:spPr>
+      </p:pic>
+    </p:spTree>
+    <p:extLst>
+      <p:ext uri="{BB962C8B-B14F-4D97-AF65-F5344CB8AC3E}">
+        <p14:creationId xmlns:p14="http://schemas.microsoft.com/office/powerpoint/2010/main" val="2334459120"/>
+      </p:ext>
+    </p:extLst>
+  </p:cSld>
+  <p:clrMapOvr>
+    <a:masterClrMapping/>
+  </p:clrMapOvr>
+</p:sld>
+</file>
+
+<file path=ppt/slides/slide21.xml><?xml version="1.0" encoding="utf-8"?>
+<p:sld xmlns:a="http://schemas.openxmlformats.org/drawingml/2006/main" xmlns:r="http://schemas.openxmlformats.org/officeDocument/2006/relationships" xmlns:p="http://schemas.openxmlformats.org/presentationml/2006/main">
+  <p:cSld>
+    <p:spTree>
+      <p:nvGrpSpPr>
+        <p:cNvPr id="1" name=""/>
+        <p:cNvGrpSpPr/>
+        <p:nvPr/>
+      </p:nvGrpSpPr>
+      <p:grpSpPr>
+        <a:xfrm>
+          <a:off x="0" y="0"/>
+          <a:ext cx="0" cy="0"/>
+          <a:chOff x="0" y="0"/>
+          <a:chExt cx="0" cy="0"/>
+        </a:xfrm>
+      </p:grpSpPr>
+      <p:sp>
+        <p:nvSpPr>
+          <p:cNvPr id="2" name="标题 1"/>
+          <p:cNvSpPr>
+            <a:spLocks noGrp="1"/>
+          </p:cNvSpPr>
+          <p:nvPr>
+            <p:ph type="ctrTitle"/>
+          </p:nvPr>
+        </p:nvSpPr>
+        <p:spPr>
+          <a:xfrm>
+            <a:off x="1524000" y="982980"/>
+            <a:ext cx="9254490" cy="1188720"/>
+          </a:xfrm>
+        </p:spPr>
+        <p:txBody>
+          <a:bodyPr/>
+          <a:lstStyle/>
+          <a:p>
+            <a:r>
+              <a:rPr lang="en-US" altLang="zh-CN" dirty="0" smtClean="0"/>
+              <a:t>JDBC </a:t>
+            </a:r>
+            <a:r>
+              <a:rPr lang="zh-CN" altLang="en-US" dirty="0" smtClean="0"/>
+              <a:t>操作 </a:t>
+            </a:r>
+            <a:r>
+              <a:rPr lang="en-US" altLang="zh-CN" dirty="0"/>
+              <a:t>H</a:t>
+            </a:r>
+            <a:r>
+              <a:rPr lang="en-US" altLang="zh-CN" dirty="0" smtClean="0"/>
+              <a:t>ive</a:t>
+            </a:r>
+            <a:endParaRPr lang="zh-CN" altLang="en-US" dirty="0"/>
+          </a:p>
+        </p:txBody>
+      </p:sp>
+      <p:sp>
+        <p:nvSpPr>
+          <p:cNvPr id="3" name="副标题 2"/>
+          <p:cNvSpPr>
+            <a:spLocks noGrp="1"/>
+          </p:cNvSpPr>
+          <p:nvPr>
+            <p:ph type="subTitle" idx="1"/>
+          </p:nvPr>
+        </p:nvSpPr>
+        <p:spPr>
+          <a:xfrm>
+            <a:off x="1524000" y="2526030"/>
+            <a:ext cx="9144000" cy="2731770"/>
+          </a:xfrm>
+        </p:spPr>
+        <p:txBody>
+          <a:bodyPr/>
+          <a:lstStyle/>
+          <a:p>
+            <a:pPr algn="l"/>
+            <a:r>
+              <a:rPr lang="zh-CN" altLang="en-US" dirty="0" smtClean="0"/>
+              <a:t>开启 </a:t>
+            </a:r>
+            <a:r>
+              <a:rPr lang="en-US" altLang="zh-CN" dirty="0" smtClean="0"/>
+              <a:t>hive </a:t>
+            </a:r>
+            <a:r>
+              <a:rPr lang="zh-CN" altLang="en-US" dirty="0" smtClean="0"/>
+              <a:t>服务    </a:t>
+            </a:r>
+            <a:r>
+              <a:rPr lang="en-US" altLang="zh-CN" dirty="0" smtClean="0"/>
+              <a:t>hive –service hiveserver2</a:t>
+            </a:r>
+          </a:p>
+          <a:p>
+            <a:pPr algn="l"/>
+            <a:r>
+              <a:rPr lang="zh-CN" altLang="en-US" dirty="0" smtClean="0"/>
+              <a:t>编写增删改查代码</a:t>
+            </a:r>
+            <a:endParaRPr lang="en-US" altLang="zh-CN" dirty="0" smtClean="0"/>
+          </a:p>
+          <a:p>
+            <a:pPr algn="l"/>
+            <a:r>
+              <a:rPr lang="zh-CN" altLang="en-US" dirty="0" smtClean="0"/>
+              <a:t>进入 </a:t>
+            </a:r>
+            <a:r>
+              <a:rPr lang="en-US" altLang="zh-CN" dirty="0" smtClean="0"/>
+              <a:t>hive </a:t>
+            </a:r>
+            <a:r>
+              <a:rPr lang="zh-CN" altLang="en-US" dirty="0" smtClean="0"/>
+              <a:t>库        </a:t>
+            </a:r>
+            <a:r>
+              <a:rPr lang="en-US" altLang="zh-CN" dirty="0" smtClean="0"/>
+              <a:t>hive</a:t>
+            </a:r>
+          </a:p>
+          <a:p>
+            <a:pPr algn="l"/>
+            <a:r>
+              <a:rPr lang="en-US" altLang="zh-CN" dirty="0" smtClean="0"/>
+              <a:t>hive&gt; # </a:t>
+            </a:r>
+            <a:r>
+              <a:rPr lang="zh-CN" altLang="en-US" dirty="0" smtClean="0"/>
+              <a:t>查看 </a:t>
+            </a:r>
+            <a:r>
+              <a:rPr lang="en-US" altLang="zh-CN" dirty="0" smtClean="0"/>
+              <a:t>hive </a:t>
+            </a:r>
+            <a:r>
+              <a:rPr lang="zh-CN" altLang="en-US" smtClean="0"/>
+              <a:t>数据是否正确</a:t>
+            </a:r>
+            <a:endParaRPr lang="en-US" altLang="zh-CN" dirty="0" smtClean="0"/>
+          </a:p>
+        </p:txBody>
+      </p:sp>
+    </p:spTree>
+    <p:extLst>
+      <p:ext uri="{BB962C8B-B14F-4D97-AF65-F5344CB8AC3E}">
+        <p14:creationId xmlns:p14="http://schemas.microsoft.com/office/powerpoint/2010/main" val="1614495860"/>
+      </p:ext>
+    </p:extLst>
+  </p:cSld>
+  <p:clrMapOvr>
+    <a:masterClrMapping/>
+  </p:clrMapOvr>
+</p:sld>
+</file>
+
+<file path=ppt/slides/slide22.xml><?xml version="1.0" encoding="utf-8"?>
+<p:sld xmlns:a="http://schemas.openxmlformats.org/drawingml/2006/main" xmlns:r="http://schemas.openxmlformats.org/officeDocument/2006/relationships" xmlns:p="http://schemas.openxmlformats.org/presentationml/2006/main">
+  <p:cSld>
+    <p:spTree>
+      <p:nvGrpSpPr>
+        <p:cNvPr id="1" name=""/>
+        <p:cNvGrpSpPr/>
+        <p:nvPr/>
+      </p:nvGrpSpPr>
+      <p:grpSpPr>
+        <a:xfrm>
+          <a:off x="0" y="0"/>
+          <a:ext cx="0" cy="0"/>
+          <a:chOff x="0" y="0"/>
+          <a:chExt cx="0" cy="0"/>
+        </a:xfrm>
+      </p:grpSpPr>
+      <p:sp>
+        <p:nvSpPr>
+          <p:cNvPr id="2" name="标题 1"/>
+          <p:cNvSpPr>
+            <a:spLocks noGrp="1"/>
+          </p:cNvSpPr>
+          <p:nvPr>
+            <p:ph type="ctrTitle"/>
+          </p:nvPr>
+        </p:nvSpPr>
+        <p:spPr>
+          <a:xfrm>
+            <a:off x="1524000" y="982980"/>
+            <a:ext cx="9254490" cy="1188720"/>
+          </a:xfrm>
+        </p:spPr>
+        <p:txBody>
+          <a:bodyPr/>
+          <a:lstStyle/>
+          <a:p>
+            <a:r>
+              <a:rPr lang="en-US" altLang="zh-CN" dirty="0" err="1" smtClean="0"/>
+              <a:t>hbase</a:t>
+            </a:r>
+            <a:endParaRPr lang="zh-CN" altLang="en-US" dirty="0"/>
+          </a:p>
+        </p:txBody>
+      </p:sp>
+      <p:sp>
+        <p:nvSpPr>
+          <p:cNvPr id="3" name="副标题 2"/>
+          <p:cNvSpPr>
+            <a:spLocks noGrp="1"/>
+          </p:cNvSpPr>
+          <p:nvPr>
+            <p:ph type="subTitle" idx="1"/>
+          </p:nvPr>
+        </p:nvSpPr>
+        <p:spPr>
+          <a:xfrm>
+            <a:off x="1524000" y="2526030"/>
+            <a:ext cx="9144000" cy="2731770"/>
+          </a:xfrm>
+        </p:spPr>
+        <p:txBody>
+          <a:bodyPr/>
+          <a:lstStyle/>
+          <a:p>
+            <a:pPr algn="l"/>
+            <a:r>
+              <a:rPr lang="en-US" altLang="zh-CN" dirty="0" smtClean="0"/>
+              <a:t> </a:t>
+            </a:r>
+          </a:p>
+        </p:txBody>
+      </p:sp>
+      <p:pic>
+        <p:nvPicPr>
+          <p:cNvPr id="4" name="图片 3"/>
+          <p:cNvPicPr>
+            <a:picLocks noChangeAspect="1"/>
+          </p:cNvPicPr>
+          <p:nvPr/>
+        </p:nvPicPr>
+        <p:blipFill>
+          <a:blip r:embed="rId2">
+            <a:extLst>
+              <a:ext uri="{28A0092B-C50C-407E-A947-70E740481C1C}">
+                <a14:useLocalDpi xmlns:a14="http://schemas.microsoft.com/office/drawing/2010/main" val="0"/>
+              </a:ext>
+            </a:extLst>
+          </a:blip>
+          <a:stretch>
+            <a:fillRect/>
+          </a:stretch>
+        </p:blipFill>
+        <p:spPr>
+          <a:xfrm>
             <a:off x="1413510" y="2184483"/>
             <a:ext cx="9254490" cy="4673517"/>
           </a:xfrm>
@@ -4743,7 +5316,7 @@
 </p:sld>
 </file>
 
-<file path=ppt/slides/slide21.xml><?xml version="1.0" encoding="utf-8"?>
+<file path=ppt/slides/slide23.xml><?xml version="1.0" encoding="utf-8"?>
 <p:sld xmlns:a="http://schemas.openxmlformats.org/drawingml/2006/main" xmlns:r="http://schemas.openxmlformats.org/officeDocument/2006/relationships" xmlns:p="http://schemas.openxmlformats.org/presentationml/2006/main">
   <p:cSld>
     <p:spTree>
@@ -5072,11 +5645,7 @@
           <a:p>
             <a:r>
               <a:rPr lang="zh-CN" altLang="en-US" dirty="0" smtClean="0"/>
-              <a:t>大</a:t>
-            </a:r>
-            <a:r>
-              <a:rPr lang="zh-CN" altLang="en-US" dirty="0" smtClean="0"/>
-              <a:t>数据做什么</a:t>
+              <a:t>大数据做什么</a:t>
             </a:r>
             <a:endParaRPr lang="zh-CN" altLang="en-US" dirty="0"/>
           </a:p>
@@ -5184,11 +5753,7 @@
           <a:p>
             <a:r>
               <a:rPr lang="zh-CN" altLang="en-US" dirty="0" smtClean="0"/>
-              <a:t>大数据处理 </a:t>
-            </a:r>
-            <a:r>
-              <a:rPr lang="zh-CN" altLang="en-US" dirty="0" smtClean="0"/>
-              <a:t>之韩信点兵</a:t>
+              <a:t>大数据处理 之韩信点兵</a:t>
             </a:r>
             <a:endParaRPr lang="zh-CN" altLang="en-US" dirty="0"/>
           </a:p>
@@ -5229,11 +5794,7 @@
             <a:pPr algn="l"/>
             <a:r>
               <a:rPr lang="zh-CN" altLang="en-US" dirty="0" smtClean="0"/>
-              <a:t>站三人一排 多出</a:t>
-            </a:r>
-            <a:r>
-              <a:rPr lang="zh-CN" altLang="en-US" dirty="0" smtClean="0"/>
-              <a:t>二人</a:t>
+              <a:t>站三人一排 多出二人</a:t>
             </a:r>
             <a:endParaRPr lang="en-US" altLang="zh-CN" dirty="0" smtClean="0"/>
           </a:p>
